--- a/Report/PRESENTATION/Final Presentation.pptx
+++ b/Report/PRESENTATION/Final Presentation.pptx
@@ -4419,6 +4419,13 @@
   <p:clrMapOvr>
     <a:masterClrMapping/>
   </p:clrMapOvr>
+  <p:timing>
+    <p:tnLst>
+      <p:par>
+        <p:cTn id="1" dur="indefinite" restart="never" nodeType="tmRoot"/>
+      </p:par>
+    </p:tnLst>
+  </p:timing>
 </p:sld>
 </file>
 
@@ -4870,7 +4877,7 @@
           <p:cNvPr id="8" name="Picture 7">
             <a:extLst>
               <a:ext uri="{FF2B5EF4-FFF2-40B4-BE49-F238E27FC236}">
-                <a16:creationId xmlns:a16="http://schemas.microsoft.com/office/drawing/2014/main" xmlns="" id="{8EA94497-2991-4E7F-8C8C-6DC3F2B14251}"/>
+                <a16:creationId xmlns="" xmlns:a16="http://schemas.microsoft.com/office/drawing/2014/main" id="{8EA94497-2991-4E7F-8C8C-6DC3F2B14251}"/>
               </a:ext>
             </a:extLst>
           </p:cNvPr>
@@ -4975,7 +4982,7 @@
           <p:cNvPr id="6" name="Picture 5">
             <a:extLst>
               <a:ext uri="{FF2B5EF4-FFF2-40B4-BE49-F238E27FC236}">
-                <a16:creationId xmlns:a16="http://schemas.microsoft.com/office/drawing/2014/main" xmlns="" id="{F2F99D93-7103-4FA0-AA46-06E63C94BEA2}"/>
+                <a16:creationId xmlns="" xmlns:a16="http://schemas.microsoft.com/office/drawing/2014/main" id="{F2F99D93-7103-4FA0-AA46-06E63C94BEA2}"/>
               </a:ext>
             </a:extLst>
           </p:cNvPr>
@@ -5614,6 +5621,13 @@
   <p:clrMapOvr>
     <a:masterClrMapping/>
   </p:clrMapOvr>
+  <p:timing>
+    <p:tnLst>
+      <p:par>
+        <p:cTn id="1" dur="indefinite" restart="never" nodeType="tmRoot"/>
+      </p:par>
+    </p:tnLst>
+  </p:timing>
 </p:sld>
 </file>
 
@@ -5867,7 +5881,7 @@
         <p:spPr>
           <a:xfrm>
             <a:off x="997961" y="2746525"/>
-            <a:ext cx="3447675" cy="246221"/>
+            <a:ext cx="3482941" cy="246221"/>
           </a:xfrm>
           <a:prstGeom prst="rect">
             <a:avLst/>
@@ -5921,7 +5935,7 @@
               <a:t>) FIGURE 1: Create new </a:t>
             </a:r>
             <a:r>
-              <a:rPr lang="en-US" sz="1000" b="1" kern="100" dirty="0" err="1">
+              <a:rPr lang="en-US" sz="1000" b="1" kern="100" dirty="0" smtClean="0">
                 <a:solidFill>
                   <a:srgbClr val="5B9BD5"/>
                 </a:solidFill>
@@ -5930,7 +5944,7 @@
                 <a:ea typeface="Noto Serif CJK SC"/>
                 <a:cs typeface="Mangal"/>
               </a:rPr>
-              <a:t>studentaccount</a:t>
+              <a:t>student account</a:t>
             </a:r>
             <a:endParaRPr lang="en-US" sz="1000" b="1" kern="100" dirty="0">
               <a:solidFill>
@@ -6042,7 +6056,7 @@
           <p:cNvPr id="9" name="Picture 8">
             <a:extLst>
               <a:ext uri="{FF2B5EF4-FFF2-40B4-BE49-F238E27FC236}">
-                <a16:creationId xmlns:a16="http://schemas.microsoft.com/office/drawing/2014/main" xmlns="" id="{293669F3-F46B-4CC1-A591-93DA96C1D8E5}"/>
+                <a16:creationId xmlns="" xmlns:a16="http://schemas.microsoft.com/office/drawing/2014/main" id="{293669F3-F46B-4CC1-A591-93DA96C1D8E5}"/>
               </a:ext>
             </a:extLst>
           </p:cNvPr>
@@ -6225,7 +6239,7 @@
           <p:cNvPr id="9" name="Picture 8">
             <a:extLst>
               <a:ext uri="{FF2B5EF4-FFF2-40B4-BE49-F238E27FC236}">
-                <a16:creationId xmlns:a16="http://schemas.microsoft.com/office/drawing/2014/main" xmlns="" id="{F6C69FF0-605C-416E-A81D-355493B36C23}"/>
+                <a16:creationId xmlns="" xmlns:a16="http://schemas.microsoft.com/office/drawing/2014/main" id="{F6C69FF0-605C-416E-A81D-355493B36C23}"/>
               </a:ext>
             </a:extLst>
           </p:cNvPr>
@@ -6475,7 +6489,7 @@
           <p:cNvPr id="2" name="Title 1">
             <a:extLst>
               <a:ext uri="{FF2B5EF4-FFF2-40B4-BE49-F238E27FC236}">
-                <a16:creationId xmlns:a16="http://schemas.microsoft.com/office/drawing/2014/main" xmlns="" id="{FA6C5C99-C5CC-4128-AEC1-BB01CFA19E4C}"/>
+                <a16:creationId xmlns="" xmlns:a16="http://schemas.microsoft.com/office/drawing/2014/main" id="{FA6C5C99-C5CC-4128-AEC1-BB01CFA19E4C}"/>
               </a:ext>
             </a:extLst>
           </p:cNvPr>
@@ -6507,7 +6521,7 @@
           <p:cNvPr id="3" name="Content Placeholder 2">
             <a:extLst>
               <a:ext uri="{FF2B5EF4-FFF2-40B4-BE49-F238E27FC236}">
-                <a16:creationId xmlns:a16="http://schemas.microsoft.com/office/drawing/2014/main" xmlns="" id="{DF74281C-C057-4929-9F65-962EA3ABC64D}"/>
+                <a16:creationId xmlns="" xmlns:a16="http://schemas.microsoft.com/office/drawing/2014/main" id="{DF74281C-C057-4929-9F65-962EA3ABC64D}"/>
               </a:ext>
             </a:extLst>
           </p:cNvPr>
@@ -6744,7 +6758,7 @@
           <p:cNvPr id="8" name="Picture 7">
             <a:extLst>
               <a:ext uri="{FF2B5EF4-FFF2-40B4-BE49-F238E27FC236}">
-                <a16:creationId xmlns:a16="http://schemas.microsoft.com/office/drawing/2014/main" xmlns="" id="{40341967-EDB8-4740-8E70-5B1E27690509}"/>
+                <a16:creationId xmlns="" xmlns:a16="http://schemas.microsoft.com/office/drawing/2014/main" id="{40341967-EDB8-4740-8E70-5B1E27690509}"/>
               </a:ext>
             </a:extLst>
           </p:cNvPr>
@@ -6838,7 +6852,7 @@
           <p:cNvPr id="5" name="Picture 4">
             <a:extLst>
               <a:ext uri="{FF2B5EF4-FFF2-40B4-BE49-F238E27FC236}">
-                <a16:creationId xmlns:a16="http://schemas.microsoft.com/office/drawing/2014/main" xmlns="" id="{EF85605A-3E1D-4E90-B105-02687B8EC017}"/>
+                <a16:creationId xmlns="" xmlns:a16="http://schemas.microsoft.com/office/drawing/2014/main" id="{EF85605A-3E1D-4E90-B105-02687B8EC017}"/>
               </a:ext>
             </a:extLst>
           </p:cNvPr>
@@ -7074,6 +7088,13 @@
   <p:clrMapOvr>
     <a:masterClrMapping/>
   </p:clrMapOvr>
+  <p:timing>
+    <p:tnLst>
+      <p:par>
+        <p:cTn id="1" dur="indefinite" restart="never" nodeType="tmRoot"/>
+      </p:par>
+    </p:tnLst>
+  </p:timing>
 </p:sld>
 </file>
 
@@ -7133,7 +7154,7 @@
           <p:cNvPr id="6" name="Picture 5">
             <a:extLst>
               <a:ext uri="{FF2B5EF4-FFF2-40B4-BE49-F238E27FC236}">
-                <a16:creationId xmlns:a16="http://schemas.microsoft.com/office/drawing/2014/main" xmlns="" id="{E026896A-1354-4F70-8C0C-F33DB160A25C}"/>
+                <a16:creationId xmlns="" xmlns:a16="http://schemas.microsoft.com/office/drawing/2014/main" id="{E026896A-1354-4F70-8C0C-F33DB160A25C}"/>
               </a:ext>
             </a:extLst>
           </p:cNvPr>
@@ -8234,6 +8255,13 @@
   <p:clrMapOvr>
     <a:masterClrMapping/>
   </p:clrMapOvr>
+  <p:timing>
+    <p:tnLst>
+      <p:par>
+        <p:cTn id="1" dur="indefinite" restart="never" nodeType="tmRoot"/>
+      </p:par>
+    </p:tnLst>
+  </p:timing>
 </p:sld>
 </file>
 
@@ -8322,6 +8350,13 @@
   <p:clrMapOvr>
     <a:masterClrMapping/>
   </p:clrMapOvr>
+  <p:timing>
+    <p:tnLst>
+      <p:par>
+        <p:cTn id="1" dur="indefinite" restart="never" nodeType="tmRoot"/>
+      </p:par>
+    </p:tnLst>
+  </p:timing>
 </p:sld>
 </file>
 
@@ -8522,7 +8557,7 @@
           <p:cNvPr id="2" name="Title 1">
             <a:extLst>
               <a:ext uri="{FF2B5EF4-FFF2-40B4-BE49-F238E27FC236}">
-                <a16:creationId xmlns:a16="http://schemas.microsoft.com/office/drawing/2014/main" xmlns="" id="{81B75A47-2FB1-446D-804D-1B6EBE28C474}"/>
+                <a16:creationId xmlns="" xmlns:a16="http://schemas.microsoft.com/office/drawing/2014/main" id="{81B75A47-2FB1-446D-804D-1B6EBE28C474}"/>
               </a:ext>
             </a:extLst>
           </p:cNvPr>
@@ -8554,7 +8589,7 @@
           <p:cNvPr id="3" name="Content Placeholder 2">
             <a:extLst>
               <a:ext uri="{FF2B5EF4-FFF2-40B4-BE49-F238E27FC236}">
-                <a16:creationId xmlns:a16="http://schemas.microsoft.com/office/drawing/2014/main" xmlns="" id="{AC16DA37-B59D-4666-B78D-B3E8130BAC99}"/>
+                <a16:creationId xmlns="" xmlns:a16="http://schemas.microsoft.com/office/drawing/2014/main" id="{AC16DA37-B59D-4666-B78D-B3E8130BAC99}"/>
               </a:ext>
             </a:extLst>
           </p:cNvPr>
@@ -8728,7 +8763,7 @@
           <p:cNvPr id="3" name="Picture 2">
             <a:extLst>
               <a:ext uri="{FF2B5EF4-FFF2-40B4-BE49-F238E27FC236}">
-                <a16:creationId xmlns:a16="http://schemas.microsoft.com/office/drawing/2014/main" xmlns="" id="{B219DAAB-AB6B-48A6-9118-2C6D519144F7}"/>
+                <a16:creationId xmlns="" xmlns:a16="http://schemas.microsoft.com/office/drawing/2014/main" id="{B219DAAB-AB6B-48A6-9118-2C6D519144F7}"/>
               </a:ext>
             </a:extLst>
           </p:cNvPr>
@@ -8801,7 +8836,7 @@
           <p:cNvPr id="3" name="Picture 2">
             <a:extLst>
               <a:ext uri="{FF2B5EF4-FFF2-40B4-BE49-F238E27FC236}">
-                <a16:creationId xmlns:a16="http://schemas.microsoft.com/office/drawing/2014/main" xmlns="" id="{737A4AB1-D46F-4580-984F-1992B5E8C653}"/>
+                <a16:creationId xmlns="" xmlns:a16="http://schemas.microsoft.com/office/drawing/2014/main" id="{737A4AB1-D46F-4580-984F-1992B5E8C653}"/>
               </a:ext>
             </a:extLst>
           </p:cNvPr>
@@ -9689,7 +9724,7 @@
           <p:cNvPr id="2" name="Title 1">
             <a:extLst>
               <a:ext uri="{FF2B5EF4-FFF2-40B4-BE49-F238E27FC236}">
-                <a16:creationId xmlns:a16="http://schemas.microsoft.com/office/drawing/2014/main" xmlns="" id="{5FFB0ED7-2AF1-476C-9C60-A000635BA4A7}"/>
+                <a16:creationId xmlns="" xmlns:a16="http://schemas.microsoft.com/office/drawing/2014/main" id="{5FFB0ED7-2AF1-476C-9C60-A000635BA4A7}"/>
               </a:ext>
             </a:extLst>
           </p:cNvPr>
@@ -9740,7 +9775,7 @@
           <p:cNvPr id="3" name="Subtitle 2">
             <a:extLst>
               <a:ext uri="{FF2B5EF4-FFF2-40B4-BE49-F238E27FC236}">
-                <a16:creationId xmlns:a16="http://schemas.microsoft.com/office/drawing/2014/main" xmlns="" id="{2E04C689-99B5-42B6-B4BE-661898DB0B73}"/>
+                <a16:creationId xmlns="" xmlns:a16="http://schemas.microsoft.com/office/drawing/2014/main" id="{2E04C689-99B5-42B6-B4BE-661898DB0B73}"/>
               </a:ext>
             </a:extLst>
           </p:cNvPr>
@@ -9804,7 +9839,7 @@
           <p:cNvPr id="2" name="Title 1">
             <a:extLst>
               <a:ext uri="{FF2B5EF4-FFF2-40B4-BE49-F238E27FC236}">
-                <a16:creationId xmlns:a16="http://schemas.microsoft.com/office/drawing/2014/main" xmlns="" id="{4D9ADA70-27D5-43EF-A236-BEDD52013370}"/>
+                <a16:creationId xmlns="" xmlns:a16="http://schemas.microsoft.com/office/drawing/2014/main" id="{4D9ADA70-27D5-43EF-A236-BEDD52013370}"/>
               </a:ext>
             </a:extLst>
           </p:cNvPr>
@@ -9862,7 +9897,7 @@
           <p:cNvPr id="3" name="Content Placeholder 2">
             <a:extLst>
               <a:ext uri="{FF2B5EF4-FFF2-40B4-BE49-F238E27FC236}">
-                <a16:creationId xmlns:a16="http://schemas.microsoft.com/office/drawing/2014/main" xmlns="" id="{FE1370AA-CE66-4DE5-86EC-473F0B38AB91}"/>
+                <a16:creationId xmlns="" xmlns:a16="http://schemas.microsoft.com/office/drawing/2014/main" id="{FE1370AA-CE66-4DE5-86EC-473F0B38AB91}"/>
               </a:ext>
             </a:extLst>
           </p:cNvPr>

--- a/Report/PRESENTATION/Final Presentation.pptx
+++ b/Report/PRESENTATION/Final Presentation.pptx
@@ -5,7 +5,7 @@
     <p:sldMasterId id="2147483660" r:id="rId1"/>
   </p:sldMasterIdLst>
   <p:notesMasterIdLst>
-    <p:notesMasterId r:id="rId55"/>
+    <p:notesMasterId r:id="rId57"/>
   </p:notesMasterIdLst>
   <p:sldIdLst>
     <p:sldId id="256" r:id="rId2"/>
@@ -55,12 +55,14 @@
     <p:sldId id="309" r:id="rId46"/>
     <p:sldId id="310" r:id="rId47"/>
     <p:sldId id="311" r:id="rId48"/>
-    <p:sldId id="312" r:id="rId49"/>
-    <p:sldId id="300" r:id="rId50"/>
-    <p:sldId id="301" r:id="rId51"/>
-    <p:sldId id="302" r:id="rId52"/>
-    <p:sldId id="307" r:id="rId53"/>
-    <p:sldId id="308" r:id="rId54"/>
+    <p:sldId id="313" r:id="rId49"/>
+    <p:sldId id="314" r:id="rId50"/>
+    <p:sldId id="315" r:id="rId51"/>
+    <p:sldId id="300" r:id="rId52"/>
+    <p:sldId id="301" r:id="rId53"/>
+    <p:sldId id="302" r:id="rId54"/>
+    <p:sldId id="307" r:id="rId55"/>
+    <p:sldId id="308" r:id="rId56"/>
   </p:sldIdLst>
   <p:sldSz cx="12192000" cy="6858000"/>
   <p:notesSz cx="6858000" cy="9144000"/>
@@ -249,7 +251,7 @@
           <a:p>
             <a:fld id="{381D5D0D-F422-4396-8541-E0077353BAF0}" type="datetimeFigureOut">
               <a:rPr lang="en-US" smtClean="0"/>
-              <a:t>22-May-21</a:t>
+              <a:t>23-May-21</a:t>
             </a:fld>
             <a:endParaRPr lang="en-US"/>
           </a:p>
@@ -517,90 +519,6 @@
 </p:notesMaster>
 </file>
 
-<file path=ppt/notesSlides/notesSlide1.xml><?xml version="1.0" encoding="utf-8"?>
-<p:notes xmlns:a="http://schemas.openxmlformats.org/drawingml/2006/main" xmlns:r="http://schemas.openxmlformats.org/officeDocument/2006/relationships" xmlns:p="http://schemas.openxmlformats.org/presentationml/2006/main">
-  <p:cSld>
-    <p:spTree>
-      <p:nvGrpSpPr>
-        <p:cNvPr id="1" name=""/>
-        <p:cNvGrpSpPr/>
-        <p:nvPr/>
-      </p:nvGrpSpPr>
-      <p:grpSpPr>
-        <a:xfrm>
-          <a:off x="0" y="0"/>
-          <a:ext cx="0" cy="0"/>
-          <a:chOff x="0" y="0"/>
-          <a:chExt cx="0" cy="0"/>
-        </a:xfrm>
-      </p:grpSpPr>
-      <p:sp>
-        <p:nvSpPr>
-          <p:cNvPr id="2" name="Slide Image Placeholder 1"/>
-          <p:cNvSpPr>
-            <a:spLocks noGrp="1" noRot="1" noChangeAspect="1"/>
-          </p:cNvSpPr>
-          <p:nvPr>
-            <p:ph type="sldImg"/>
-          </p:nvPr>
-        </p:nvSpPr>
-        <p:spPr/>
-      </p:sp>
-      <p:sp>
-        <p:nvSpPr>
-          <p:cNvPr id="3" name="Notes Placeholder 2"/>
-          <p:cNvSpPr>
-            <a:spLocks noGrp="1"/>
-          </p:cNvSpPr>
-          <p:nvPr>
-            <p:ph type="body" idx="1"/>
-          </p:nvPr>
-        </p:nvSpPr>
-        <p:spPr/>
-        <p:txBody>
-          <a:bodyPr/>
-          <a:lstStyle/>
-          <a:p>
-            <a:endParaRPr lang="en-US" dirty="0"/>
-          </a:p>
-        </p:txBody>
-      </p:sp>
-      <p:sp>
-        <p:nvSpPr>
-          <p:cNvPr id="4" name="Slide Number Placeholder 3"/>
-          <p:cNvSpPr>
-            <a:spLocks noGrp="1"/>
-          </p:cNvSpPr>
-          <p:nvPr>
-            <p:ph type="sldNum" sz="quarter" idx="10"/>
-          </p:nvPr>
-        </p:nvSpPr>
-        <p:spPr/>
-        <p:txBody>
-          <a:bodyPr/>
-          <a:lstStyle/>
-          <a:p>
-            <a:fld id="{E1F7A5ED-A8A3-4206-8F88-CCE84DF85A56}" type="slidenum">
-              <a:rPr lang="en-US" smtClean="0"/>
-              <a:t>48</a:t>
-            </a:fld>
-            <a:endParaRPr lang="en-US"/>
-          </a:p>
-        </p:txBody>
-      </p:sp>
-    </p:spTree>
-    <p:extLst>
-      <p:ext uri="{BB962C8B-B14F-4D97-AF65-F5344CB8AC3E}">
-        <p14:creationId xmlns:p14="http://schemas.microsoft.com/office/powerpoint/2010/main" val="1154209133"/>
-      </p:ext>
-    </p:extLst>
-  </p:cSld>
-  <p:clrMapOvr>
-    <a:masterClrMapping/>
-  </p:clrMapOvr>
-</p:notes>
-</file>
-
 <file path=ppt/slideLayouts/slideLayout1.xml><?xml version="1.0" encoding="utf-8"?>
 <p:sldLayout xmlns:a="http://schemas.openxmlformats.org/drawingml/2006/main" xmlns:r="http://schemas.openxmlformats.org/officeDocument/2006/relationships" xmlns:p="http://schemas.openxmlformats.org/presentationml/2006/main" showMasterSp="0" type="title" preserve="1">
   <p:cSld name="Title Slide">
@@ -770,7 +688,7 @@
           <a:p>
             <a:fld id="{A840CD70-04EB-4289-BDC9-6FC404C6E220}" type="datetimeFigureOut">
               <a:rPr lang="en-US" smtClean="0"/>
-              <a:t>22-May-21</a:t>
+              <a:t>23-May-21</a:t>
             </a:fld>
             <a:endParaRPr lang="en-US"/>
           </a:p>
@@ -1100,7 +1018,7 @@
           <a:p>
             <a:fld id="{A840CD70-04EB-4289-BDC9-6FC404C6E220}" type="datetimeFigureOut">
               <a:rPr lang="en-US" smtClean="0"/>
-              <a:t>22-May-21</a:t>
+              <a:t>23-May-21</a:t>
             </a:fld>
             <a:endParaRPr lang="en-US"/>
           </a:p>
@@ -1280,7 +1198,7 @@
           <a:p>
             <a:fld id="{A840CD70-04EB-4289-BDC9-6FC404C6E220}" type="datetimeFigureOut">
               <a:rPr lang="en-US" smtClean="0"/>
-              <a:t>22-May-21</a:t>
+              <a:t>23-May-21</a:t>
             </a:fld>
             <a:endParaRPr lang="en-US"/>
           </a:p>
@@ -1450,7 +1368,7 @@
           <a:p>
             <a:fld id="{A840CD70-04EB-4289-BDC9-6FC404C6E220}" type="datetimeFigureOut">
               <a:rPr lang="en-US" smtClean="0"/>
-              <a:t>22-May-21</a:t>
+              <a:t>23-May-21</a:t>
             </a:fld>
             <a:endParaRPr lang="en-US"/>
           </a:p>
@@ -1727,7 +1645,7 @@
           <a:p>
             <a:fld id="{A840CD70-04EB-4289-BDC9-6FC404C6E220}" type="datetimeFigureOut">
               <a:rPr lang="en-US" smtClean="0"/>
-              <a:t>22-May-21</a:t>
+              <a:t>23-May-21</a:t>
             </a:fld>
             <a:endParaRPr lang="en-US"/>
           </a:p>
@@ -2121,7 +2039,7 @@
           <a:p>
             <a:fld id="{A840CD70-04EB-4289-BDC9-6FC404C6E220}" type="datetimeFigureOut">
               <a:rPr lang="en-US" smtClean="0"/>
-              <a:t>22-May-21</a:t>
+              <a:t>23-May-21</a:t>
             </a:fld>
             <a:endParaRPr lang="en-US"/>
           </a:p>
@@ -2598,7 +2516,7 @@
           <a:p>
             <a:fld id="{A840CD70-04EB-4289-BDC9-6FC404C6E220}" type="datetimeFigureOut">
               <a:rPr lang="en-US" smtClean="0"/>
-              <a:t>22-May-21</a:t>
+              <a:t>23-May-21</a:t>
             </a:fld>
             <a:endParaRPr lang="en-US"/>
           </a:p>
@@ -2716,7 +2634,7 @@
           <a:p>
             <a:fld id="{A840CD70-04EB-4289-BDC9-6FC404C6E220}" type="datetimeFigureOut">
               <a:rPr lang="en-US" smtClean="0"/>
-              <a:t>22-May-21</a:t>
+              <a:t>23-May-21</a:t>
             </a:fld>
             <a:endParaRPr lang="en-US"/>
           </a:p>
@@ -2811,7 +2729,7 @@
           <a:p>
             <a:fld id="{A840CD70-04EB-4289-BDC9-6FC404C6E220}" type="datetimeFigureOut">
               <a:rPr lang="en-US" smtClean="0"/>
-              <a:t>22-May-21</a:t>
+              <a:t>23-May-21</a:t>
             </a:fld>
             <a:endParaRPr lang="en-US"/>
           </a:p>
@@ -3157,7 +3075,7 @@
           <a:p>
             <a:fld id="{A840CD70-04EB-4289-BDC9-6FC404C6E220}" type="datetimeFigureOut">
               <a:rPr lang="en-US" smtClean="0"/>
-              <a:t>22-May-21</a:t>
+              <a:t>23-May-21</a:t>
             </a:fld>
             <a:endParaRPr lang="en-US"/>
           </a:p>
@@ -3545,7 +3463,7 @@
           <a:p>
             <a:fld id="{A840CD70-04EB-4289-BDC9-6FC404C6E220}" type="datetimeFigureOut">
               <a:rPr lang="en-US" smtClean="0"/>
-              <a:t>22-May-21</a:t>
+              <a:t>23-May-21</a:t>
             </a:fld>
             <a:endParaRPr lang="en-US"/>
           </a:p>
@@ -3823,7 +3741,7 @@
           <a:p>
             <a:fld id="{A840CD70-04EB-4289-BDC9-6FC404C6E220}" type="datetimeFigureOut">
               <a:rPr lang="en-US" smtClean="0"/>
-              <a:t>22-May-21</a:t>
+              <a:t>23-May-21</a:t>
             </a:fld>
             <a:endParaRPr lang="en-US"/>
           </a:p>
@@ -4877,7 +4795,7 @@
           <p:cNvPr id="8" name="Picture 7">
             <a:extLst>
               <a:ext uri="{FF2B5EF4-FFF2-40B4-BE49-F238E27FC236}">
-                <a16:creationId xmlns="" xmlns:a16="http://schemas.microsoft.com/office/drawing/2014/main" id="{8EA94497-2991-4E7F-8C8C-6DC3F2B14251}"/>
+                <a16:creationId xmlns:a16="http://schemas.microsoft.com/office/drawing/2014/main" xmlns="" id="{8EA94497-2991-4E7F-8C8C-6DC3F2B14251}"/>
               </a:ext>
             </a:extLst>
           </p:cNvPr>
@@ -4982,7 +4900,7 @@
           <p:cNvPr id="6" name="Picture 5">
             <a:extLst>
               <a:ext uri="{FF2B5EF4-FFF2-40B4-BE49-F238E27FC236}">
-                <a16:creationId xmlns="" xmlns:a16="http://schemas.microsoft.com/office/drawing/2014/main" id="{F2F99D93-7103-4FA0-AA46-06E63C94BEA2}"/>
+                <a16:creationId xmlns:a16="http://schemas.microsoft.com/office/drawing/2014/main" xmlns="" id="{F2F99D93-7103-4FA0-AA46-06E63C94BEA2}"/>
               </a:ext>
             </a:extLst>
           </p:cNvPr>
@@ -6056,7 +5974,7 @@
           <p:cNvPr id="9" name="Picture 8">
             <a:extLst>
               <a:ext uri="{FF2B5EF4-FFF2-40B4-BE49-F238E27FC236}">
-                <a16:creationId xmlns="" xmlns:a16="http://schemas.microsoft.com/office/drawing/2014/main" id="{293669F3-F46B-4CC1-A591-93DA96C1D8E5}"/>
+                <a16:creationId xmlns:a16="http://schemas.microsoft.com/office/drawing/2014/main" xmlns="" id="{293669F3-F46B-4CC1-A591-93DA96C1D8E5}"/>
               </a:ext>
             </a:extLst>
           </p:cNvPr>
@@ -6239,7 +6157,7 @@
           <p:cNvPr id="9" name="Picture 8">
             <a:extLst>
               <a:ext uri="{FF2B5EF4-FFF2-40B4-BE49-F238E27FC236}">
-                <a16:creationId xmlns="" xmlns:a16="http://schemas.microsoft.com/office/drawing/2014/main" id="{F6C69FF0-605C-416E-A81D-355493B36C23}"/>
+                <a16:creationId xmlns:a16="http://schemas.microsoft.com/office/drawing/2014/main" xmlns="" id="{F6C69FF0-605C-416E-A81D-355493B36C23}"/>
               </a:ext>
             </a:extLst>
           </p:cNvPr>
@@ -6489,7 +6407,7 @@
           <p:cNvPr id="2" name="Title 1">
             <a:extLst>
               <a:ext uri="{FF2B5EF4-FFF2-40B4-BE49-F238E27FC236}">
-                <a16:creationId xmlns="" xmlns:a16="http://schemas.microsoft.com/office/drawing/2014/main" id="{FA6C5C99-C5CC-4128-AEC1-BB01CFA19E4C}"/>
+                <a16:creationId xmlns:a16="http://schemas.microsoft.com/office/drawing/2014/main" xmlns="" id="{FA6C5C99-C5CC-4128-AEC1-BB01CFA19E4C}"/>
               </a:ext>
             </a:extLst>
           </p:cNvPr>
@@ -6521,7 +6439,7 @@
           <p:cNvPr id="3" name="Content Placeholder 2">
             <a:extLst>
               <a:ext uri="{FF2B5EF4-FFF2-40B4-BE49-F238E27FC236}">
-                <a16:creationId xmlns="" xmlns:a16="http://schemas.microsoft.com/office/drawing/2014/main" id="{DF74281C-C057-4929-9F65-962EA3ABC64D}"/>
+                <a16:creationId xmlns:a16="http://schemas.microsoft.com/office/drawing/2014/main" xmlns="" id="{DF74281C-C057-4929-9F65-962EA3ABC64D}"/>
               </a:ext>
             </a:extLst>
           </p:cNvPr>
@@ -6758,7 +6676,7 @@
           <p:cNvPr id="8" name="Picture 7">
             <a:extLst>
               <a:ext uri="{FF2B5EF4-FFF2-40B4-BE49-F238E27FC236}">
-                <a16:creationId xmlns="" xmlns:a16="http://schemas.microsoft.com/office/drawing/2014/main" id="{40341967-EDB8-4740-8E70-5B1E27690509}"/>
+                <a16:creationId xmlns:a16="http://schemas.microsoft.com/office/drawing/2014/main" xmlns="" id="{40341967-EDB8-4740-8E70-5B1E27690509}"/>
               </a:ext>
             </a:extLst>
           </p:cNvPr>
@@ -6852,7 +6770,7 @@
           <p:cNvPr id="5" name="Picture 4">
             <a:extLst>
               <a:ext uri="{FF2B5EF4-FFF2-40B4-BE49-F238E27FC236}">
-                <a16:creationId xmlns="" xmlns:a16="http://schemas.microsoft.com/office/drawing/2014/main" id="{EF85605A-3E1D-4E90-B105-02687B8EC017}"/>
+                <a16:creationId xmlns:a16="http://schemas.microsoft.com/office/drawing/2014/main" xmlns="" id="{EF85605A-3E1D-4E90-B105-02687B8EC017}"/>
               </a:ext>
             </a:extLst>
           </p:cNvPr>
@@ -7154,7 +7072,7 @@
           <p:cNvPr id="6" name="Picture 5">
             <a:extLst>
               <a:ext uri="{FF2B5EF4-FFF2-40B4-BE49-F238E27FC236}">
-                <a16:creationId xmlns="" xmlns:a16="http://schemas.microsoft.com/office/drawing/2014/main" id="{E026896A-1354-4F70-8C0C-F33DB160A25C}"/>
+                <a16:creationId xmlns:a16="http://schemas.microsoft.com/office/drawing/2014/main" xmlns="" id="{E026896A-1354-4F70-8C0C-F33DB160A25C}"/>
               </a:ext>
             </a:extLst>
           </p:cNvPr>
@@ -8557,7 +8475,7 @@
           <p:cNvPr id="2" name="Title 1">
             <a:extLst>
               <a:ext uri="{FF2B5EF4-FFF2-40B4-BE49-F238E27FC236}">
-                <a16:creationId xmlns="" xmlns:a16="http://schemas.microsoft.com/office/drawing/2014/main" id="{81B75A47-2FB1-446D-804D-1B6EBE28C474}"/>
+                <a16:creationId xmlns:a16="http://schemas.microsoft.com/office/drawing/2014/main" xmlns="" id="{81B75A47-2FB1-446D-804D-1B6EBE28C474}"/>
               </a:ext>
             </a:extLst>
           </p:cNvPr>
@@ -8589,7 +8507,7 @@
           <p:cNvPr id="3" name="Content Placeholder 2">
             <a:extLst>
               <a:ext uri="{FF2B5EF4-FFF2-40B4-BE49-F238E27FC236}">
-                <a16:creationId xmlns="" xmlns:a16="http://schemas.microsoft.com/office/drawing/2014/main" id="{AC16DA37-B59D-4666-B78D-B3E8130BAC99}"/>
+                <a16:creationId xmlns:a16="http://schemas.microsoft.com/office/drawing/2014/main" xmlns="" id="{AC16DA37-B59D-4666-B78D-B3E8130BAC99}"/>
               </a:ext>
             </a:extLst>
           </p:cNvPr>
@@ -8763,7 +8681,7 @@
           <p:cNvPr id="3" name="Picture 2">
             <a:extLst>
               <a:ext uri="{FF2B5EF4-FFF2-40B4-BE49-F238E27FC236}">
-                <a16:creationId xmlns="" xmlns:a16="http://schemas.microsoft.com/office/drawing/2014/main" id="{B219DAAB-AB6B-48A6-9118-2C6D519144F7}"/>
+                <a16:creationId xmlns:a16="http://schemas.microsoft.com/office/drawing/2014/main" xmlns="" id="{B219DAAB-AB6B-48A6-9118-2C6D519144F7}"/>
               </a:ext>
             </a:extLst>
           </p:cNvPr>
@@ -8836,7 +8754,7 @@
           <p:cNvPr id="3" name="Picture 2">
             <a:extLst>
               <a:ext uri="{FF2B5EF4-FFF2-40B4-BE49-F238E27FC236}">
-                <a16:creationId xmlns="" xmlns:a16="http://schemas.microsoft.com/office/drawing/2014/main" id="{737A4AB1-D46F-4580-984F-1992B5E8C653}"/>
+                <a16:creationId xmlns:a16="http://schemas.microsoft.com/office/drawing/2014/main" xmlns="" id="{737A4AB1-D46F-4580-984F-1992B5E8C653}"/>
               </a:ext>
             </a:extLst>
           </p:cNvPr>
@@ -8906,7 +8824,7 @@
       </p:grpSpPr>
       <p:pic>
         <p:nvPicPr>
-          <p:cNvPr id="2" name="Picture 1"/>
+          <p:cNvPr id="4" name="Picture 3"/>
           <p:cNvPicPr>
             <a:picLocks noChangeAspect="1"/>
           </p:cNvPicPr>
@@ -8926,8 +8844,8 @@
         </p:blipFill>
         <p:spPr>
           <a:xfrm>
-            <a:off x="775606" y="97971"/>
-            <a:ext cx="11307535" cy="2262165"/>
+            <a:off x="751560" y="66502"/>
+            <a:ext cx="11368396" cy="2931868"/>
           </a:xfrm>
           <a:prstGeom prst="rect">
             <a:avLst/>
@@ -8936,7 +8854,7 @@
       </p:pic>
       <p:pic>
         <p:nvPicPr>
-          <p:cNvPr id="3" name="Picture 2"/>
+          <p:cNvPr id="5" name="Picture 4"/>
           <p:cNvPicPr>
             <a:picLocks noChangeAspect="1"/>
           </p:cNvPicPr>
@@ -8956,8 +8874,8 @@
         </p:blipFill>
         <p:spPr>
           <a:xfrm>
-            <a:off x="775606" y="2360136"/>
-            <a:ext cx="11307535" cy="4338764"/>
+            <a:off x="751560" y="2998370"/>
+            <a:ext cx="11368396" cy="3859630"/>
           </a:xfrm>
           <a:prstGeom prst="rect">
             <a:avLst/>
@@ -9003,7 +8921,7 @@
       </p:grpSpPr>
       <p:pic>
         <p:nvPicPr>
-          <p:cNvPr id="2" name="Picture 1"/>
+          <p:cNvPr id="4" name="Picture 3"/>
           <p:cNvPicPr>
             <a:picLocks noChangeAspect="1"/>
           </p:cNvPicPr>
@@ -9023,8 +8941,8 @@
         </p:blipFill>
         <p:spPr>
           <a:xfrm>
-            <a:off x="723847" y="57748"/>
-            <a:ext cx="11468153" cy="3224296"/>
+            <a:off x="739833" y="58190"/>
+            <a:ext cx="11355185" cy="2842952"/>
           </a:xfrm>
           <a:prstGeom prst="rect">
             <a:avLst/>
@@ -9033,7 +8951,7 @@
       </p:pic>
       <p:pic>
         <p:nvPicPr>
-          <p:cNvPr id="3" name="Picture 2"/>
+          <p:cNvPr id="5" name="Picture 4"/>
           <p:cNvPicPr>
             <a:picLocks noChangeAspect="1"/>
           </p:cNvPicPr>
@@ -9053,8 +8971,8 @@
         </p:blipFill>
         <p:spPr>
           <a:xfrm>
-            <a:off x="723847" y="3282044"/>
-            <a:ext cx="11468153" cy="3517767"/>
+            <a:off x="739833" y="2901142"/>
+            <a:ext cx="11355185" cy="3882043"/>
           </a:xfrm>
           <a:prstGeom prst="rect">
             <a:avLst/>
@@ -9100,7 +9018,7 @@
       </p:grpSpPr>
       <p:pic>
         <p:nvPicPr>
-          <p:cNvPr id="2" name="Picture 1"/>
+          <p:cNvPr id="4" name="Picture 3"/>
           <p:cNvPicPr>
             <a:picLocks noChangeAspect="1"/>
           </p:cNvPicPr>
@@ -9120,8 +9038,8 @@
         </p:blipFill>
         <p:spPr>
           <a:xfrm>
-            <a:off x="723207" y="108065"/>
-            <a:ext cx="11468793" cy="3298636"/>
+            <a:off x="718457" y="91603"/>
+            <a:ext cx="11389179" cy="3125126"/>
           </a:xfrm>
           <a:prstGeom prst="rect">
             <a:avLst/>
@@ -9130,7 +9048,7 @@
       </p:pic>
       <p:pic>
         <p:nvPicPr>
-          <p:cNvPr id="3" name="Picture 2"/>
+          <p:cNvPr id="5" name="Picture 4"/>
           <p:cNvPicPr>
             <a:picLocks noChangeAspect="1"/>
           </p:cNvPicPr>
@@ -9150,8 +9068,8 @@
         </p:blipFill>
         <p:spPr>
           <a:xfrm>
-            <a:off x="723207" y="3406701"/>
-            <a:ext cx="11468793" cy="3359859"/>
+            <a:off x="718457" y="3216729"/>
+            <a:ext cx="11389178" cy="3641271"/>
           </a:xfrm>
           <a:prstGeom prst="rect">
             <a:avLst/>
@@ -9204,7 +9122,7 @@
           <p:nvPr/>
         </p:nvPicPr>
         <p:blipFill>
-          <a:blip r:embed="rId3">
+          <a:blip r:embed="rId2">
             <a:extLst>
               <a:ext uri="{28A0092B-C50C-407E-A947-70E740481C1C}">
                 <a14:useLocalDpi xmlns:a14="http://schemas.microsoft.com/office/drawing/2010/main" val="0"/>
@@ -9217,38 +9135,8 @@
         </p:blipFill>
         <p:spPr>
           <a:xfrm>
-            <a:off x="759279" y="155120"/>
-            <a:ext cx="11364685" cy="3045759"/>
-          </a:xfrm>
-          <a:prstGeom prst="rect">
-            <a:avLst/>
-          </a:prstGeom>
-        </p:spPr>
-      </p:pic>
-      <p:pic>
-        <p:nvPicPr>
-          <p:cNvPr id="3" name="Picture 2"/>
-          <p:cNvPicPr>
-            <a:picLocks noChangeAspect="1"/>
-          </p:cNvPicPr>
-          <p:nvPr/>
-        </p:nvPicPr>
-        <p:blipFill>
-          <a:blip r:embed="rId4">
-            <a:extLst>
-              <a:ext uri="{28A0092B-C50C-407E-A947-70E740481C1C}">
-                <a14:useLocalDpi xmlns:a14="http://schemas.microsoft.com/office/drawing/2010/main" val="0"/>
-              </a:ext>
-            </a:extLst>
-          </a:blip>
-          <a:stretch>
-            <a:fillRect/>
-          </a:stretch>
-        </p:blipFill>
-        <p:spPr>
-          <a:xfrm>
-            <a:off x="759279" y="3200878"/>
-            <a:ext cx="11364685" cy="3477507"/>
+            <a:off x="718559" y="73478"/>
+            <a:ext cx="11389078" cy="6721886"/>
           </a:xfrm>
           <a:prstGeom prst="rect">
             <a:avLst/>
@@ -9258,20 +9146,13 @@
     </p:spTree>
     <p:extLst>
       <p:ext uri="{BB962C8B-B14F-4D97-AF65-F5344CB8AC3E}">
-        <p14:creationId xmlns:p14="http://schemas.microsoft.com/office/powerpoint/2010/main" val="2214530575"/>
+        <p14:creationId xmlns:p14="http://schemas.microsoft.com/office/powerpoint/2010/main" val="4039339073"/>
       </p:ext>
     </p:extLst>
   </p:cSld>
   <p:clrMapOvr>
     <a:masterClrMapping/>
   </p:clrMapOvr>
-  <p:timing>
-    <p:tnLst>
-      <p:par>
-        <p:cTn id="1" dur="indefinite" restart="never" nodeType="tmRoot"/>
-      </p:par>
-    </p:tnLst>
-  </p:timing>
 </p:sld>
 </file>
 
@@ -9294,7 +9175,7 @@
       </p:grpSpPr>
       <p:pic>
         <p:nvPicPr>
-          <p:cNvPr id="4" name="Picture 3"/>
+          <p:cNvPr id="2" name="Picture 1"/>
           <p:cNvPicPr>
             <a:picLocks noChangeAspect="1"/>
           </p:cNvPicPr>
@@ -9314,67 +9195,54 @@
         </p:blipFill>
         <p:spPr>
           <a:xfrm>
-            <a:off x="1069521" y="252388"/>
-            <a:ext cx="10891157" cy="5609570"/>
+            <a:off x="726622" y="75770"/>
+            <a:ext cx="11397342" cy="2267380"/>
           </a:xfrm>
           <a:prstGeom prst="rect">
             <a:avLst/>
           </a:prstGeom>
         </p:spPr>
       </p:pic>
-      <p:sp>
-        <p:nvSpPr>
-          <p:cNvPr id="5" name="TextBox 4"/>
-          <p:cNvSpPr txBox="1"/>
+      <p:pic>
+        <p:nvPicPr>
+          <p:cNvPr id="3" name="Picture 2"/>
+          <p:cNvPicPr>
+            <a:picLocks noChangeAspect="1"/>
+          </p:cNvPicPr>
           <p:nvPr/>
-        </p:nvSpPr>
-        <p:spPr>
-          <a:xfrm>
-            <a:off x="5242987" y="5976555"/>
-            <a:ext cx="2544223" cy="369332"/>
-          </a:xfrm>
-          <a:prstGeom prst="rect">
-            <a:avLst/>
-          </a:prstGeom>
-          <a:noFill/>
-        </p:spPr>
-        <p:txBody>
-          <a:bodyPr wrap="none" rtlCol="0">
-            <a:spAutoFit/>
-          </a:bodyPr>
-          <a:lstStyle/>
-          <a:p>
-            <a:r>
-              <a:rPr lang="en-US" b="1" dirty="0">
-                <a:solidFill>
-                  <a:schemeClr val="tx2">
-                    <a:lumMod val="50000"/>
-                    <a:lumOff val="50000"/>
-                  </a:schemeClr>
-                </a:solidFill>
-              </a:rPr>
-              <a:t>ANALYTICS DASHBOARD</a:t>
-            </a:r>
-          </a:p>
-        </p:txBody>
-      </p:sp>
+        </p:nvPicPr>
+        <p:blipFill>
+          <a:blip r:embed="rId3">
+            <a:extLst>
+              <a:ext uri="{28A0092B-C50C-407E-A947-70E740481C1C}">
+                <a14:useLocalDpi xmlns:a14="http://schemas.microsoft.com/office/drawing/2010/main" val="0"/>
+              </a:ext>
+            </a:extLst>
+          </a:blip>
+          <a:stretch>
+            <a:fillRect/>
+          </a:stretch>
+        </p:blipFill>
+        <p:spPr>
+          <a:xfrm>
+            <a:off x="726622" y="2343149"/>
+            <a:ext cx="11397342" cy="4433207"/>
+          </a:xfrm>
+          <a:prstGeom prst="rect">
+            <a:avLst/>
+          </a:prstGeom>
+        </p:spPr>
+      </p:pic>
     </p:spTree>
     <p:extLst>
       <p:ext uri="{BB962C8B-B14F-4D97-AF65-F5344CB8AC3E}">
-        <p14:creationId xmlns:p14="http://schemas.microsoft.com/office/powerpoint/2010/main" val="3851175976"/>
+        <p14:creationId xmlns:p14="http://schemas.microsoft.com/office/powerpoint/2010/main" val="2269761043"/>
       </p:ext>
     </p:extLst>
   </p:cSld>
   <p:clrMapOvr>
     <a:masterClrMapping/>
   </p:clrMapOvr>
-  <p:timing>
-    <p:tnLst>
-      <p:par>
-        <p:cTn id="1" dur="indefinite" restart="never" nodeType="tmRoot"/>
-      </p:par>
-    </p:tnLst>
-  </p:timing>
 </p:sld>
 </file>
 
@@ -9522,7 +9390,7 @@
       </p:grpSpPr>
       <p:pic>
         <p:nvPicPr>
-          <p:cNvPr id="4" name="Picture 3"/>
+          <p:cNvPr id="2" name="Picture 1"/>
           <p:cNvPicPr>
             <a:picLocks noChangeAspect="1"/>
           </p:cNvPicPr>
@@ -9542,67 +9410,54 @@
         </p:blipFill>
         <p:spPr>
           <a:xfrm>
-            <a:off x="987879" y="344018"/>
-            <a:ext cx="11005457" cy="5802501"/>
+            <a:off x="755880" y="63665"/>
+            <a:ext cx="11359920" cy="3308185"/>
           </a:xfrm>
           <a:prstGeom prst="rect">
             <a:avLst/>
           </a:prstGeom>
         </p:spPr>
       </p:pic>
-      <p:sp>
-        <p:nvSpPr>
-          <p:cNvPr id="5" name="TextBox 4"/>
-          <p:cNvSpPr txBox="1"/>
+      <p:pic>
+        <p:nvPicPr>
+          <p:cNvPr id="3" name="Picture 2"/>
+          <p:cNvPicPr>
+            <a:picLocks noChangeAspect="1"/>
+          </p:cNvPicPr>
           <p:nvPr/>
-        </p:nvSpPr>
-        <p:spPr>
-          <a:xfrm>
-            <a:off x="5756547" y="6146519"/>
-            <a:ext cx="1609928" cy="369332"/>
-          </a:xfrm>
-          <a:prstGeom prst="rect">
-            <a:avLst/>
-          </a:prstGeom>
-          <a:noFill/>
-        </p:spPr>
-        <p:txBody>
-          <a:bodyPr wrap="none" rtlCol="0">
-            <a:spAutoFit/>
-          </a:bodyPr>
-          <a:lstStyle/>
-          <a:p>
-            <a:r>
-              <a:rPr lang="en-US" b="1" dirty="0">
-                <a:solidFill>
-                  <a:schemeClr val="tx2">
-                    <a:lumMod val="50000"/>
-                    <a:lumOff val="50000"/>
-                  </a:schemeClr>
-                </a:solidFill>
-              </a:rPr>
-              <a:t>USER PROFILE</a:t>
-            </a:r>
-          </a:p>
-        </p:txBody>
-      </p:sp>
+        </p:nvPicPr>
+        <p:blipFill>
+          <a:blip r:embed="rId3">
+            <a:extLst>
+              <a:ext uri="{28A0092B-C50C-407E-A947-70E740481C1C}">
+                <a14:useLocalDpi xmlns:a14="http://schemas.microsoft.com/office/drawing/2010/main" val="0"/>
+              </a:ext>
+            </a:extLst>
+          </a:blip>
+          <a:stretch>
+            <a:fillRect/>
+          </a:stretch>
+        </p:blipFill>
+        <p:spPr>
+          <a:xfrm>
+            <a:off x="755881" y="3371850"/>
+            <a:ext cx="11359920" cy="3393180"/>
+          </a:xfrm>
+          <a:prstGeom prst="rect">
+            <a:avLst/>
+          </a:prstGeom>
+        </p:spPr>
+      </p:pic>
     </p:spTree>
     <p:extLst>
       <p:ext uri="{BB962C8B-B14F-4D97-AF65-F5344CB8AC3E}">
-        <p14:creationId xmlns:p14="http://schemas.microsoft.com/office/powerpoint/2010/main" val="1394653253"/>
+        <p14:creationId xmlns:p14="http://schemas.microsoft.com/office/powerpoint/2010/main" val="645631087"/>
       </p:ext>
     </p:extLst>
   </p:cSld>
   <p:clrMapOvr>
     <a:masterClrMapping/>
   </p:clrMapOvr>
-  <p:timing>
-    <p:tnLst>
-      <p:par>
-        <p:cTn id="1" dur="indefinite" restart="never" nodeType="tmRoot"/>
-      </p:par>
-    </p:tnLst>
-  </p:timing>
 </p:sld>
 </file>
 
@@ -9645,8 +9500,8 @@
         </p:blipFill>
         <p:spPr>
           <a:xfrm>
-            <a:off x="998120" y="187023"/>
-            <a:ext cx="11003380" cy="6050491"/>
+            <a:off x="1069521" y="252388"/>
+            <a:ext cx="10891157" cy="5609570"/>
           </a:xfrm>
           <a:prstGeom prst="rect">
             <a:avLst/>
@@ -9661,8 +9516,8 @@
         </p:nvSpPr>
         <p:spPr>
           <a:xfrm>
-            <a:off x="5427617" y="6373189"/>
-            <a:ext cx="2403415" cy="369332"/>
+            <a:off x="5242987" y="5976555"/>
+            <a:ext cx="2544223" cy="369332"/>
           </a:xfrm>
           <a:prstGeom prst="rect">
             <a:avLst/>
@@ -9684,7 +9539,7 @@
                   </a:schemeClr>
                 </a:solidFill>
               </a:rPr>
-              <a:t>STUDENT MARKSHEET</a:t>
+              <a:t>ANALYTICS DASHBOARD</a:t>
             </a:r>
           </a:p>
         </p:txBody>
@@ -9692,13 +9547,20 @@
     </p:spTree>
     <p:extLst>
       <p:ext uri="{BB962C8B-B14F-4D97-AF65-F5344CB8AC3E}">
-        <p14:creationId xmlns:p14="http://schemas.microsoft.com/office/powerpoint/2010/main" val="2342459094"/>
+        <p14:creationId xmlns:p14="http://schemas.microsoft.com/office/powerpoint/2010/main" val="3851175976"/>
       </p:ext>
     </p:extLst>
   </p:cSld>
   <p:clrMapOvr>
     <a:masterClrMapping/>
   </p:clrMapOvr>
+  <p:timing>
+    <p:tnLst>
+      <p:par>
+        <p:cTn id="1" dur="indefinite" restart="never" nodeType="tmRoot"/>
+      </p:par>
+    </p:tnLst>
+  </p:timing>
 </p:sld>
 </file>
 
@@ -9719,101 +9581,89 @@
           <a:chExt cx="0" cy="0"/>
         </a:xfrm>
       </p:grpSpPr>
-      <p:sp>
-        <p:nvSpPr>
-          <p:cNvPr id="2" name="Title 1">
+      <p:pic>
+        <p:nvPicPr>
+          <p:cNvPr id="4" name="Picture 3"/>
+          <p:cNvPicPr>
+            <a:picLocks noChangeAspect="1"/>
+          </p:cNvPicPr>
+          <p:nvPr/>
+        </p:nvPicPr>
+        <p:blipFill>
+          <a:blip r:embed="rId2">
             <a:extLst>
-              <a:ext uri="{FF2B5EF4-FFF2-40B4-BE49-F238E27FC236}">
-                <a16:creationId xmlns="" xmlns:a16="http://schemas.microsoft.com/office/drawing/2014/main" id="{5FFB0ED7-2AF1-476C-9C60-A000635BA4A7}"/>
+              <a:ext uri="{28A0092B-C50C-407E-A947-70E740481C1C}">
+                <a14:useLocalDpi xmlns:a14="http://schemas.microsoft.com/office/drawing/2010/main" val="0"/>
               </a:ext>
             </a:extLst>
-          </p:cNvPr>
-          <p:cNvSpPr>
-            <a:spLocks noGrp="1"/>
-          </p:cNvSpPr>
-          <p:nvPr>
-            <p:ph type="ctrTitle"/>
-          </p:nvPr>
-        </p:nvSpPr>
-        <p:spPr/>
-        <p:txBody>
-          <a:bodyPr/>
+          </a:blip>
+          <a:stretch>
+            <a:fillRect/>
+          </a:stretch>
+        </p:blipFill>
+        <p:spPr>
+          <a:xfrm>
+            <a:off x="987879" y="344018"/>
+            <a:ext cx="11005457" cy="5802501"/>
+          </a:xfrm>
+          <a:prstGeom prst="rect">
+            <a:avLst/>
+          </a:prstGeom>
+        </p:spPr>
+      </p:pic>
+      <p:sp>
+        <p:nvSpPr>
+          <p:cNvPr id="5" name="TextBox 4"/>
+          <p:cNvSpPr txBox="1"/>
+          <p:nvPr/>
+        </p:nvSpPr>
+        <p:spPr>
+          <a:xfrm>
+            <a:off x="5756547" y="6146519"/>
+            <a:ext cx="1609928" cy="369332"/>
+          </a:xfrm>
+          <a:prstGeom prst="rect">
+            <a:avLst/>
+          </a:prstGeom>
+          <a:noFill/>
+        </p:spPr>
+        <p:txBody>
+          <a:bodyPr wrap="none" rtlCol="0">
+            <a:spAutoFit/>
+          </a:bodyPr>
           <a:lstStyle/>
           <a:p>
             <a:r>
-              <a:rPr lang="en-US" sz="1800" b="1" kern="100" dirty="0">
-                <a:effectLst/>
-                <a:latin typeface="Arial" panose="020B0604020202020204" pitchFamily="34" charset="0"/>
-                <a:ea typeface="Noto Serif CJK SC"/>
-                <a:cs typeface="Lohit Devanagari"/>
+              <a:rPr lang="en-US" b="1" dirty="0">
+                <a:solidFill>
+                  <a:schemeClr val="tx2">
+                    <a:lumMod val="50000"/>
+                    <a:lumOff val="50000"/>
+                  </a:schemeClr>
+                </a:solidFill>
               </a:rPr>
-              <a:t>CHAPTER 5</a:t>
-            </a:r>
-            <a:r>
-              <a:rPr lang="en-US" sz="1800" kern="100" dirty="0">
-                <a:effectLst/>
-                <a:latin typeface="Arial" panose="020B0604020202020204" pitchFamily="34" charset="0"/>
-                <a:ea typeface="Noto Serif CJK SC"/>
-                <a:cs typeface="Lohit Devanagari"/>
-              </a:rPr>
-              <a:t/>
-            </a:r>
-            <a:br>
-              <a:rPr lang="en-US" sz="1800" kern="100" dirty="0">
-                <a:effectLst/>
-                <a:latin typeface="Arial" panose="020B0604020202020204" pitchFamily="34" charset="0"/>
-                <a:ea typeface="Noto Serif CJK SC"/>
-                <a:cs typeface="Lohit Devanagari"/>
-              </a:rPr>
-            </a:br>
-            <a:endParaRPr lang="en-US" dirty="0"/>
-          </a:p>
-        </p:txBody>
-      </p:sp>
-      <p:sp>
-        <p:nvSpPr>
-          <p:cNvPr id="3" name="Subtitle 2">
-            <a:extLst>
-              <a:ext uri="{FF2B5EF4-FFF2-40B4-BE49-F238E27FC236}">
-                <a16:creationId xmlns="" xmlns:a16="http://schemas.microsoft.com/office/drawing/2014/main" id="{2E04C689-99B5-42B6-B4BE-661898DB0B73}"/>
-              </a:ext>
-            </a:extLst>
-          </p:cNvPr>
-          <p:cNvSpPr>
-            <a:spLocks noGrp="1"/>
-          </p:cNvSpPr>
-          <p:nvPr>
-            <p:ph type="subTitle" idx="1"/>
-          </p:nvPr>
-        </p:nvSpPr>
-        <p:spPr/>
-        <p:txBody>
-          <a:bodyPr/>
-          <a:lstStyle/>
-          <a:p>
-            <a:r>
-              <a:rPr lang="en-US" sz="2400" b="1" kern="100" dirty="0">
-                <a:effectLst/>
-                <a:latin typeface="Arial" panose="020B0604020202020204" pitchFamily="34" charset="0"/>
-                <a:ea typeface="Noto Serif CJK SC"/>
-                <a:cs typeface="Lohit Devanagari"/>
-              </a:rPr>
-              <a:t>CONCLUSION</a:t>
-            </a:r>
-            <a:endParaRPr lang="en-US" dirty="0"/>
+              <a:t>USER PROFILE</a:t>
+            </a:r>
           </a:p>
         </p:txBody>
       </p:sp>
     </p:spTree>
     <p:extLst>
       <p:ext uri="{BB962C8B-B14F-4D97-AF65-F5344CB8AC3E}">
-        <p14:creationId xmlns:p14="http://schemas.microsoft.com/office/powerpoint/2010/main" val="992736471"/>
+        <p14:creationId xmlns:p14="http://schemas.microsoft.com/office/powerpoint/2010/main" val="1394653253"/>
       </p:ext>
     </p:extLst>
   </p:cSld>
   <p:clrMapOvr>
     <a:masterClrMapping/>
   </p:clrMapOvr>
+  <p:timing>
+    <p:tnLst>
+      <p:par>
+        <p:cTn id="1" dur="indefinite" restart="never" nodeType="tmRoot"/>
+      </p:par>
+    </p:tnLst>
+  </p:timing>
 </p:sld>
 </file>
 
@@ -9834,12 +9684,223 @@
           <a:chExt cx="0" cy="0"/>
         </a:xfrm>
       </p:grpSpPr>
+      <p:pic>
+        <p:nvPicPr>
+          <p:cNvPr id="4" name="Picture 3"/>
+          <p:cNvPicPr>
+            <a:picLocks noChangeAspect="1"/>
+          </p:cNvPicPr>
+          <p:nvPr/>
+        </p:nvPicPr>
+        <p:blipFill>
+          <a:blip r:embed="rId2">
+            <a:extLst>
+              <a:ext uri="{28A0092B-C50C-407E-A947-70E740481C1C}">
+                <a14:useLocalDpi xmlns:a14="http://schemas.microsoft.com/office/drawing/2010/main" val="0"/>
+              </a:ext>
+            </a:extLst>
+          </a:blip>
+          <a:stretch>
+            <a:fillRect/>
+          </a:stretch>
+        </p:blipFill>
+        <p:spPr>
+          <a:xfrm>
+            <a:off x="998120" y="187023"/>
+            <a:ext cx="11003380" cy="6050491"/>
+          </a:xfrm>
+          <a:prstGeom prst="rect">
+            <a:avLst/>
+          </a:prstGeom>
+        </p:spPr>
+      </p:pic>
+      <p:sp>
+        <p:nvSpPr>
+          <p:cNvPr id="5" name="TextBox 4"/>
+          <p:cNvSpPr txBox="1"/>
+          <p:nvPr/>
+        </p:nvSpPr>
+        <p:spPr>
+          <a:xfrm>
+            <a:off x="5427617" y="6373189"/>
+            <a:ext cx="2403415" cy="369332"/>
+          </a:xfrm>
+          <a:prstGeom prst="rect">
+            <a:avLst/>
+          </a:prstGeom>
+          <a:noFill/>
+        </p:spPr>
+        <p:txBody>
+          <a:bodyPr wrap="none" rtlCol="0">
+            <a:spAutoFit/>
+          </a:bodyPr>
+          <a:lstStyle/>
+          <a:p>
+            <a:r>
+              <a:rPr lang="en-US" b="1" dirty="0">
+                <a:solidFill>
+                  <a:schemeClr val="tx2">
+                    <a:lumMod val="50000"/>
+                    <a:lumOff val="50000"/>
+                  </a:schemeClr>
+                </a:solidFill>
+              </a:rPr>
+              <a:t>STUDENT MARKSHEET</a:t>
+            </a:r>
+          </a:p>
+        </p:txBody>
+      </p:sp>
+    </p:spTree>
+    <p:extLst>
+      <p:ext uri="{BB962C8B-B14F-4D97-AF65-F5344CB8AC3E}">
+        <p14:creationId xmlns:p14="http://schemas.microsoft.com/office/powerpoint/2010/main" val="2342459094"/>
+      </p:ext>
+    </p:extLst>
+  </p:cSld>
+  <p:clrMapOvr>
+    <a:masterClrMapping/>
+  </p:clrMapOvr>
+</p:sld>
+</file>
+
+<file path=ppt/slides/slide54.xml><?xml version="1.0" encoding="utf-8"?>
+<p:sld xmlns:a="http://schemas.openxmlformats.org/drawingml/2006/main" xmlns:r="http://schemas.openxmlformats.org/officeDocument/2006/relationships" xmlns:p="http://schemas.openxmlformats.org/presentationml/2006/main">
+  <p:cSld>
+    <p:spTree>
+      <p:nvGrpSpPr>
+        <p:cNvPr id="1" name=""/>
+        <p:cNvGrpSpPr/>
+        <p:nvPr/>
+      </p:nvGrpSpPr>
+      <p:grpSpPr>
+        <a:xfrm>
+          <a:off x="0" y="0"/>
+          <a:ext cx="0" cy="0"/>
+          <a:chOff x="0" y="0"/>
+          <a:chExt cx="0" cy="0"/>
+        </a:xfrm>
+      </p:grpSpPr>
       <p:sp>
         <p:nvSpPr>
           <p:cNvPr id="2" name="Title 1">
             <a:extLst>
               <a:ext uri="{FF2B5EF4-FFF2-40B4-BE49-F238E27FC236}">
-                <a16:creationId xmlns="" xmlns:a16="http://schemas.microsoft.com/office/drawing/2014/main" id="{4D9ADA70-27D5-43EF-A236-BEDD52013370}"/>
+                <a16:creationId xmlns:a16="http://schemas.microsoft.com/office/drawing/2014/main" xmlns="" id="{5FFB0ED7-2AF1-476C-9C60-A000635BA4A7}"/>
+              </a:ext>
+            </a:extLst>
+          </p:cNvPr>
+          <p:cNvSpPr>
+            <a:spLocks noGrp="1"/>
+          </p:cNvSpPr>
+          <p:nvPr>
+            <p:ph type="ctrTitle"/>
+          </p:nvPr>
+        </p:nvSpPr>
+        <p:spPr/>
+        <p:txBody>
+          <a:bodyPr/>
+          <a:lstStyle/>
+          <a:p>
+            <a:r>
+              <a:rPr lang="en-US" sz="1800" b="1" kern="100" dirty="0">
+                <a:effectLst/>
+                <a:latin typeface="Arial" panose="020B0604020202020204" pitchFamily="34" charset="0"/>
+                <a:ea typeface="Noto Serif CJK SC"/>
+                <a:cs typeface="Lohit Devanagari"/>
+              </a:rPr>
+              <a:t>CHAPTER 5</a:t>
+            </a:r>
+            <a:r>
+              <a:rPr lang="en-US" sz="1800" kern="100" dirty="0">
+                <a:effectLst/>
+                <a:latin typeface="Arial" panose="020B0604020202020204" pitchFamily="34" charset="0"/>
+                <a:ea typeface="Noto Serif CJK SC"/>
+                <a:cs typeface="Lohit Devanagari"/>
+              </a:rPr>
+              <a:t/>
+            </a:r>
+            <a:br>
+              <a:rPr lang="en-US" sz="1800" kern="100" dirty="0">
+                <a:effectLst/>
+                <a:latin typeface="Arial" panose="020B0604020202020204" pitchFamily="34" charset="0"/>
+                <a:ea typeface="Noto Serif CJK SC"/>
+                <a:cs typeface="Lohit Devanagari"/>
+              </a:rPr>
+            </a:br>
+            <a:endParaRPr lang="en-US" dirty="0"/>
+          </a:p>
+        </p:txBody>
+      </p:sp>
+      <p:sp>
+        <p:nvSpPr>
+          <p:cNvPr id="3" name="Subtitle 2">
+            <a:extLst>
+              <a:ext uri="{FF2B5EF4-FFF2-40B4-BE49-F238E27FC236}">
+                <a16:creationId xmlns:a16="http://schemas.microsoft.com/office/drawing/2014/main" xmlns="" id="{2E04C689-99B5-42B6-B4BE-661898DB0B73}"/>
+              </a:ext>
+            </a:extLst>
+          </p:cNvPr>
+          <p:cNvSpPr>
+            <a:spLocks noGrp="1"/>
+          </p:cNvSpPr>
+          <p:nvPr>
+            <p:ph type="subTitle" idx="1"/>
+          </p:nvPr>
+        </p:nvSpPr>
+        <p:spPr/>
+        <p:txBody>
+          <a:bodyPr/>
+          <a:lstStyle/>
+          <a:p>
+            <a:r>
+              <a:rPr lang="en-US" sz="2400" b="1" kern="100" dirty="0">
+                <a:effectLst/>
+                <a:latin typeface="Arial" panose="020B0604020202020204" pitchFamily="34" charset="0"/>
+                <a:ea typeface="Noto Serif CJK SC"/>
+                <a:cs typeface="Lohit Devanagari"/>
+              </a:rPr>
+              <a:t>CONCLUSION</a:t>
+            </a:r>
+            <a:endParaRPr lang="en-US" dirty="0"/>
+          </a:p>
+        </p:txBody>
+      </p:sp>
+    </p:spTree>
+    <p:extLst>
+      <p:ext uri="{BB962C8B-B14F-4D97-AF65-F5344CB8AC3E}">
+        <p14:creationId xmlns:p14="http://schemas.microsoft.com/office/powerpoint/2010/main" val="992736471"/>
+      </p:ext>
+    </p:extLst>
+  </p:cSld>
+  <p:clrMapOvr>
+    <a:masterClrMapping/>
+  </p:clrMapOvr>
+</p:sld>
+</file>
+
+<file path=ppt/slides/slide55.xml><?xml version="1.0" encoding="utf-8"?>
+<p:sld xmlns:a="http://schemas.openxmlformats.org/drawingml/2006/main" xmlns:r="http://schemas.openxmlformats.org/officeDocument/2006/relationships" xmlns:p="http://schemas.openxmlformats.org/presentationml/2006/main">
+  <p:cSld>
+    <p:spTree>
+      <p:nvGrpSpPr>
+        <p:cNvPr id="1" name=""/>
+        <p:cNvGrpSpPr/>
+        <p:nvPr/>
+      </p:nvGrpSpPr>
+      <p:grpSpPr>
+        <a:xfrm>
+          <a:off x="0" y="0"/>
+          <a:ext cx="0" cy="0"/>
+          <a:chOff x="0" y="0"/>
+          <a:chExt cx="0" cy="0"/>
+        </a:xfrm>
+      </p:grpSpPr>
+      <p:sp>
+        <p:nvSpPr>
+          <p:cNvPr id="2" name="Title 1">
+            <a:extLst>
+              <a:ext uri="{FF2B5EF4-FFF2-40B4-BE49-F238E27FC236}">
+                <a16:creationId xmlns:a16="http://schemas.microsoft.com/office/drawing/2014/main" xmlns="" id="{4D9ADA70-27D5-43EF-A236-BEDD52013370}"/>
               </a:ext>
             </a:extLst>
           </p:cNvPr>
@@ -9897,7 +9958,7 @@
           <p:cNvPr id="3" name="Content Placeholder 2">
             <a:extLst>
               <a:ext uri="{FF2B5EF4-FFF2-40B4-BE49-F238E27FC236}">
-                <a16:creationId xmlns="" xmlns:a16="http://schemas.microsoft.com/office/drawing/2014/main" id="{FE1370AA-CE66-4DE5-86EC-473F0B38AB91}"/>
+                <a16:creationId xmlns:a16="http://schemas.microsoft.com/office/drawing/2014/main" xmlns="" id="{FE1370AA-CE66-4DE5-86EC-473F0B38AB91}"/>
               </a:ext>
             </a:extLst>
           </p:cNvPr>

--- a/Report/PRESENTATION/Final Presentation.pptx
+++ b/Report/PRESENTATION/Final Presentation.pptx
@@ -5,7 +5,7 @@
     <p:sldMasterId id="2147483660" r:id="rId1"/>
   </p:sldMasterIdLst>
   <p:notesMasterIdLst>
-    <p:notesMasterId r:id="rId57"/>
+    <p:notesMasterId r:id="rId58"/>
   </p:notesMasterIdLst>
   <p:sldIdLst>
     <p:sldId id="256" r:id="rId2"/>
@@ -51,18 +51,19 @@
     <p:sldId id="304" r:id="rId42"/>
     <p:sldId id="299" r:id="rId43"/>
     <p:sldId id="305" r:id="rId44"/>
-    <p:sldId id="306" r:id="rId45"/>
-    <p:sldId id="309" r:id="rId46"/>
-    <p:sldId id="310" r:id="rId47"/>
-    <p:sldId id="311" r:id="rId48"/>
-    <p:sldId id="313" r:id="rId49"/>
-    <p:sldId id="314" r:id="rId50"/>
-    <p:sldId id="315" r:id="rId51"/>
-    <p:sldId id="300" r:id="rId52"/>
-    <p:sldId id="301" r:id="rId53"/>
-    <p:sldId id="302" r:id="rId54"/>
-    <p:sldId id="307" r:id="rId55"/>
-    <p:sldId id="308" r:id="rId56"/>
+    <p:sldId id="316" r:id="rId45"/>
+    <p:sldId id="317" r:id="rId46"/>
+    <p:sldId id="309" r:id="rId47"/>
+    <p:sldId id="310" r:id="rId48"/>
+    <p:sldId id="311" r:id="rId49"/>
+    <p:sldId id="313" r:id="rId50"/>
+    <p:sldId id="314" r:id="rId51"/>
+    <p:sldId id="315" r:id="rId52"/>
+    <p:sldId id="300" r:id="rId53"/>
+    <p:sldId id="301" r:id="rId54"/>
+    <p:sldId id="302" r:id="rId55"/>
+    <p:sldId id="307" r:id="rId56"/>
+    <p:sldId id="308" r:id="rId57"/>
   </p:sldIdLst>
   <p:sldSz cx="12192000" cy="6858000"/>
   <p:notesSz cx="6858000" cy="9144000"/>
@@ -4795,7 +4796,7 @@
           <p:cNvPr id="8" name="Picture 7">
             <a:extLst>
               <a:ext uri="{FF2B5EF4-FFF2-40B4-BE49-F238E27FC236}">
-                <a16:creationId xmlns:a16="http://schemas.microsoft.com/office/drawing/2014/main" xmlns="" id="{8EA94497-2991-4E7F-8C8C-6DC3F2B14251}"/>
+                <a16:creationId xmlns="" xmlns:a16="http://schemas.microsoft.com/office/drawing/2014/main" id="{8EA94497-2991-4E7F-8C8C-6DC3F2B14251}"/>
               </a:ext>
             </a:extLst>
           </p:cNvPr>
@@ -4900,7 +4901,7 @@
           <p:cNvPr id="6" name="Picture 5">
             <a:extLst>
               <a:ext uri="{FF2B5EF4-FFF2-40B4-BE49-F238E27FC236}">
-                <a16:creationId xmlns:a16="http://schemas.microsoft.com/office/drawing/2014/main" xmlns="" id="{F2F99D93-7103-4FA0-AA46-06E63C94BEA2}"/>
+                <a16:creationId xmlns="" xmlns:a16="http://schemas.microsoft.com/office/drawing/2014/main" id="{F2F99D93-7103-4FA0-AA46-06E63C94BEA2}"/>
               </a:ext>
             </a:extLst>
           </p:cNvPr>
@@ -5974,7 +5975,7 @@
           <p:cNvPr id="9" name="Picture 8">
             <a:extLst>
               <a:ext uri="{FF2B5EF4-FFF2-40B4-BE49-F238E27FC236}">
-                <a16:creationId xmlns:a16="http://schemas.microsoft.com/office/drawing/2014/main" xmlns="" id="{293669F3-F46B-4CC1-A591-93DA96C1D8E5}"/>
+                <a16:creationId xmlns="" xmlns:a16="http://schemas.microsoft.com/office/drawing/2014/main" id="{293669F3-F46B-4CC1-A591-93DA96C1D8E5}"/>
               </a:ext>
             </a:extLst>
           </p:cNvPr>
@@ -6157,7 +6158,7 @@
           <p:cNvPr id="9" name="Picture 8">
             <a:extLst>
               <a:ext uri="{FF2B5EF4-FFF2-40B4-BE49-F238E27FC236}">
-                <a16:creationId xmlns:a16="http://schemas.microsoft.com/office/drawing/2014/main" xmlns="" id="{F6C69FF0-605C-416E-A81D-355493B36C23}"/>
+                <a16:creationId xmlns="" xmlns:a16="http://schemas.microsoft.com/office/drawing/2014/main" id="{F6C69FF0-605C-416E-A81D-355493B36C23}"/>
               </a:ext>
             </a:extLst>
           </p:cNvPr>
@@ -6407,7 +6408,7 @@
           <p:cNvPr id="2" name="Title 1">
             <a:extLst>
               <a:ext uri="{FF2B5EF4-FFF2-40B4-BE49-F238E27FC236}">
-                <a16:creationId xmlns:a16="http://schemas.microsoft.com/office/drawing/2014/main" xmlns="" id="{FA6C5C99-C5CC-4128-AEC1-BB01CFA19E4C}"/>
+                <a16:creationId xmlns="" xmlns:a16="http://schemas.microsoft.com/office/drawing/2014/main" id="{FA6C5C99-C5CC-4128-AEC1-BB01CFA19E4C}"/>
               </a:ext>
             </a:extLst>
           </p:cNvPr>
@@ -6439,7 +6440,7 @@
           <p:cNvPr id="3" name="Content Placeholder 2">
             <a:extLst>
               <a:ext uri="{FF2B5EF4-FFF2-40B4-BE49-F238E27FC236}">
-                <a16:creationId xmlns:a16="http://schemas.microsoft.com/office/drawing/2014/main" xmlns="" id="{DF74281C-C057-4929-9F65-962EA3ABC64D}"/>
+                <a16:creationId xmlns="" xmlns:a16="http://schemas.microsoft.com/office/drawing/2014/main" id="{DF74281C-C057-4929-9F65-962EA3ABC64D}"/>
               </a:ext>
             </a:extLst>
           </p:cNvPr>
@@ -6676,7 +6677,7 @@
           <p:cNvPr id="8" name="Picture 7">
             <a:extLst>
               <a:ext uri="{FF2B5EF4-FFF2-40B4-BE49-F238E27FC236}">
-                <a16:creationId xmlns:a16="http://schemas.microsoft.com/office/drawing/2014/main" xmlns="" id="{40341967-EDB8-4740-8E70-5B1E27690509}"/>
+                <a16:creationId xmlns="" xmlns:a16="http://schemas.microsoft.com/office/drawing/2014/main" id="{40341967-EDB8-4740-8E70-5B1E27690509}"/>
               </a:ext>
             </a:extLst>
           </p:cNvPr>
@@ -6770,7 +6771,7 @@
           <p:cNvPr id="5" name="Picture 4">
             <a:extLst>
               <a:ext uri="{FF2B5EF4-FFF2-40B4-BE49-F238E27FC236}">
-                <a16:creationId xmlns:a16="http://schemas.microsoft.com/office/drawing/2014/main" xmlns="" id="{EF85605A-3E1D-4E90-B105-02687B8EC017}"/>
+                <a16:creationId xmlns="" xmlns:a16="http://schemas.microsoft.com/office/drawing/2014/main" id="{EF85605A-3E1D-4E90-B105-02687B8EC017}"/>
               </a:ext>
             </a:extLst>
           </p:cNvPr>
@@ -7072,7 +7073,7 @@
           <p:cNvPr id="6" name="Picture 5">
             <a:extLst>
               <a:ext uri="{FF2B5EF4-FFF2-40B4-BE49-F238E27FC236}">
-                <a16:creationId xmlns:a16="http://schemas.microsoft.com/office/drawing/2014/main" xmlns="" id="{E026896A-1354-4F70-8C0C-F33DB160A25C}"/>
+                <a16:creationId xmlns="" xmlns:a16="http://schemas.microsoft.com/office/drawing/2014/main" id="{E026896A-1354-4F70-8C0C-F33DB160A25C}"/>
               </a:ext>
             </a:extLst>
           </p:cNvPr>
@@ -8475,7 +8476,7 @@
           <p:cNvPr id="2" name="Title 1">
             <a:extLst>
               <a:ext uri="{FF2B5EF4-FFF2-40B4-BE49-F238E27FC236}">
-                <a16:creationId xmlns:a16="http://schemas.microsoft.com/office/drawing/2014/main" xmlns="" id="{81B75A47-2FB1-446D-804D-1B6EBE28C474}"/>
+                <a16:creationId xmlns="" xmlns:a16="http://schemas.microsoft.com/office/drawing/2014/main" id="{81B75A47-2FB1-446D-804D-1B6EBE28C474}"/>
               </a:ext>
             </a:extLst>
           </p:cNvPr>
@@ -8507,7 +8508,7 @@
           <p:cNvPr id="3" name="Content Placeholder 2">
             <a:extLst>
               <a:ext uri="{FF2B5EF4-FFF2-40B4-BE49-F238E27FC236}">
-                <a16:creationId xmlns:a16="http://schemas.microsoft.com/office/drawing/2014/main" xmlns="" id="{AC16DA37-B59D-4666-B78D-B3E8130BAC99}"/>
+                <a16:creationId xmlns="" xmlns:a16="http://schemas.microsoft.com/office/drawing/2014/main" id="{AC16DA37-B59D-4666-B78D-B3E8130BAC99}"/>
               </a:ext>
             </a:extLst>
           </p:cNvPr>
@@ -8678,16 +8679,8 @@
       </p:grpSpPr>
       <p:pic>
         <p:nvPicPr>
-          <p:cNvPr id="3" name="Picture 2">
-            <a:extLst>
-              <a:ext uri="{FF2B5EF4-FFF2-40B4-BE49-F238E27FC236}">
-                <a16:creationId xmlns:a16="http://schemas.microsoft.com/office/drawing/2014/main" xmlns="" id="{B219DAAB-AB6B-48A6-9118-2C6D519144F7}"/>
-              </a:ext>
-            </a:extLst>
-          </p:cNvPr>
-          <p:cNvPicPr>
-            <a:picLocks noChangeAspect="1"/>
-          </p:cNvPicPr>
+          <p:cNvPr id="4" name="Picture 3"/>
+          <p:cNvPicPr/>
           <p:nvPr/>
         </p:nvPicPr>
         <p:blipFill>
@@ -8704,14 +8697,72 @@
         </p:blipFill>
         <p:spPr>
           <a:xfrm>
-            <a:off x="1161361" y="956603"/>
-            <a:ext cx="10396523" cy="5359791"/>
+            <a:off x="759277" y="195262"/>
+            <a:ext cx="11364685" cy="3315381"/>
           </a:xfrm>
           <a:prstGeom prst="rect">
             <a:avLst/>
           </a:prstGeom>
         </p:spPr>
       </p:pic>
+      <p:pic>
+        <p:nvPicPr>
+          <p:cNvPr id="5" name="Picture 4"/>
+          <p:cNvPicPr/>
+          <p:nvPr/>
+        </p:nvPicPr>
+        <p:blipFill>
+          <a:blip r:embed="rId3">
+            <a:extLst>
+              <a:ext uri="{28A0092B-C50C-407E-A947-70E740481C1C}">
+                <a14:useLocalDpi xmlns:a14="http://schemas.microsoft.com/office/drawing/2010/main" val="0"/>
+              </a:ext>
+            </a:extLst>
+          </a:blip>
+          <a:stretch>
+            <a:fillRect/>
+          </a:stretch>
+        </p:blipFill>
+        <p:spPr>
+          <a:xfrm>
+            <a:off x="759278" y="3510643"/>
+            <a:ext cx="11364685" cy="3280002"/>
+          </a:xfrm>
+          <a:prstGeom prst="rect">
+            <a:avLst/>
+          </a:prstGeom>
+        </p:spPr>
+      </p:pic>
+      <p:sp>
+        <p:nvSpPr>
+          <p:cNvPr id="2" name="Title 1"/>
+          <p:cNvSpPr>
+            <a:spLocks noGrp="1"/>
+          </p:cNvSpPr>
+          <p:nvPr>
+            <p:ph type="title"/>
+          </p:nvPr>
+        </p:nvSpPr>
+        <p:spPr>
+          <a:xfrm rot="16200000">
+            <a:off x="-2134964" y="3086100"/>
+            <a:ext cx="5004707" cy="391886"/>
+          </a:xfrm>
+        </p:spPr>
+        <p:txBody>
+          <a:bodyPr>
+            <a:normAutofit/>
+          </a:bodyPr>
+          <a:lstStyle/>
+          <a:p>
+            <a:r>
+              <a:rPr lang="en-US" sz="2000" dirty="0" smtClean="0"/>
+              <a:t>School-Wise Student enrollment comparison</a:t>
+            </a:r>
+            <a:endParaRPr lang="en-US" sz="2000" dirty="0"/>
+          </a:p>
+        </p:txBody>
+      </p:sp>
     </p:spTree>
     <p:extLst>
       <p:ext uri="{BB962C8B-B14F-4D97-AF65-F5344CB8AC3E}">
@@ -8751,16 +8802,8 @@
       </p:grpSpPr>
       <p:pic>
         <p:nvPicPr>
-          <p:cNvPr id="3" name="Picture 2">
-            <a:extLst>
-              <a:ext uri="{FF2B5EF4-FFF2-40B4-BE49-F238E27FC236}">
-                <a16:creationId xmlns:a16="http://schemas.microsoft.com/office/drawing/2014/main" xmlns="" id="{737A4AB1-D46F-4580-984F-1992B5E8C653}"/>
-              </a:ext>
-            </a:extLst>
-          </p:cNvPr>
-          <p:cNvPicPr>
-            <a:picLocks noChangeAspect="1"/>
-          </p:cNvPicPr>
+          <p:cNvPr id="2" name="Picture 1"/>
+          <p:cNvPicPr/>
           <p:nvPr/>
         </p:nvPicPr>
         <p:blipFill>
@@ -8777,18 +8820,78 @@
         </p:blipFill>
         <p:spPr>
           <a:xfrm>
-            <a:off x="1853270" y="675249"/>
-            <a:ext cx="8753770" cy="5681648"/>
+            <a:off x="749073" y="114662"/>
+            <a:ext cx="11383056" cy="3362960"/>
           </a:xfrm>
           <a:prstGeom prst="rect">
             <a:avLst/>
           </a:prstGeom>
         </p:spPr>
       </p:pic>
+      <p:pic>
+        <p:nvPicPr>
+          <p:cNvPr id="3" name="Picture 2"/>
+          <p:cNvPicPr/>
+          <p:nvPr/>
+        </p:nvPicPr>
+        <p:blipFill>
+          <a:blip r:embed="rId3">
+            <a:extLst>
+              <a:ext uri="{28A0092B-C50C-407E-A947-70E740481C1C}">
+                <a14:useLocalDpi xmlns:a14="http://schemas.microsoft.com/office/drawing/2010/main" val="0"/>
+              </a:ext>
+            </a:extLst>
+          </a:blip>
+          <a:stretch>
+            <a:fillRect/>
+          </a:stretch>
+        </p:blipFill>
+        <p:spPr>
+          <a:xfrm>
+            <a:off x="749073" y="3477622"/>
+            <a:ext cx="11383056" cy="3105785"/>
+          </a:xfrm>
+          <a:prstGeom prst="rect">
+            <a:avLst/>
+          </a:prstGeom>
+        </p:spPr>
+      </p:pic>
+      <p:sp>
+        <p:nvSpPr>
+          <p:cNvPr id="4" name="Rectangle 3"/>
+          <p:cNvSpPr/>
+          <p:nvPr/>
+        </p:nvSpPr>
+        <p:spPr>
+          <a:xfrm rot="16200000">
+            <a:off x="-2161159" y="3097377"/>
+            <a:ext cx="5010731" cy="369332"/>
+          </a:xfrm>
+          <a:prstGeom prst="rect">
+            <a:avLst/>
+          </a:prstGeom>
+        </p:spPr>
+        <p:txBody>
+          <a:bodyPr wrap="none">
+            <a:spAutoFit/>
+          </a:bodyPr>
+          <a:lstStyle/>
+          <a:p>
+            <a:r>
+              <a:rPr lang="en-US" dirty="0" smtClean="0"/>
+              <a:t>Department-Wise </a:t>
+            </a:r>
+            <a:r>
+              <a:rPr lang="en-US" dirty="0"/>
+              <a:t>Student enrollment comparison</a:t>
+            </a:r>
+          </a:p>
+        </p:txBody>
+      </p:sp>
     </p:spTree>
     <p:extLst>
       <p:ext uri="{BB962C8B-B14F-4D97-AF65-F5344CB8AC3E}">
-        <p14:creationId xmlns:p14="http://schemas.microsoft.com/office/powerpoint/2010/main" val="4156993124"/>
+        <p14:creationId xmlns:p14="http://schemas.microsoft.com/office/powerpoint/2010/main" val="106718804"/>
       </p:ext>
     </p:extLst>
   </p:cSld>
@@ -8824,10 +8927,8 @@
       </p:grpSpPr>
       <p:pic>
         <p:nvPicPr>
-          <p:cNvPr id="4" name="Picture 3"/>
-          <p:cNvPicPr>
-            <a:picLocks noChangeAspect="1"/>
-          </p:cNvPicPr>
+          <p:cNvPr id="2" name="Picture 1"/>
+          <p:cNvPicPr/>
           <p:nvPr/>
         </p:nvPicPr>
         <p:blipFill>
@@ -8844,8 +8945,8 @@
         </p:blipFill>
         <p:spPr>
           <a:xfrm>
-            <a:off x="751560" y="66502"/>
-            <a:ext cx="11368396" cy="2931868"/>
+            <a:off x="708251" y="65315"/>
+            <a:ext cx="11399385" cy="3415665"/>
           </a:xfrm>
           <a:prstGeom prst="rect">
             <a:avLst/>
@@ -8854,10 +8955,8 @@
       </p:pic>
       <p:pic>
         <p:nvPicPr>
-          <p:cNvPr id="5" name="Picture 4"/>
-          <p:cNvPicPr>
-            <a:picLocks noChangeAspect="1"/>
-          </p:cNvPicPr>
+          <p:cNvPr id="3" name="Picture 2"/>
+          <p:cNvPicPr/>
           <p:nvPr/>
         </p:nvPicPr>
         <p:blipFill>
@@ -8874,18 +8973,51 @@
         </p:blipFill>
         <p:spPr>
           <a:xfrm>
-            <a:off x="751560" y="2998370"/>
-            <a:ext cx="11368396" cy="3859630"/>
+            <a:off x="792208" y="3480980"/>
+            <a:ext cx="11315428" cy="3303541"/>
           </a:xfrm>
           <a:prstGeom prst="rect">
             <a:avLst/>
           </a:prstGeom>
         </p:spPr>
       </p:pic>
+      <p:sp>
+        <p:nvSpPr>
+          <p:cNvPr id="4" name="Rectangle 3"/>
+          <p:cNvSpPr/>
+          <p:nvPr/>
+        </p:nvSpPr>
+        <p:spPr>
+          <a:xfrm rot="16200000">
+            <a:off x="-1948618" y="3154527"/>
+            <a:ext cx="4659032" cy="369332"/>
+          </a:xfrm>
+          <a:prstGeom prst="rect">
+            <a:avLst/>
+          </a:prstGeom>
+        </p:spPr>
+        <p:txBody>
+          <a:bodyPr wrap="none">
+            <a:spAutoFit/>
+          </a:bodyPr>
+          <a:lstStyle/>
+          <a:p>
+            <a:r>
+              <a:rPr lang="en-US" dirty="0" smtClean="0"/>
+              <a:t>Program-Wise </a:t>
+            </a:r>
+            <a:r>
+              <a:rPr lang="en-US" dirty="0"/>
+              <a:t>Student enrollment comparison</a:t>
+            </a:r>
+            <a:endParaRPr lang="en-US" dirty="0"/>
+          </a:p>
+        </p:txBody>
+      </p:sp>
     </p:spTree>
     <p:extLst>
       <p:ext uri="{BB962C8B-B14F-4D97-AF65-F5344CB8AC3E}">
-        <p14:creationId xmlns:p14="http://schemas.microsoft.com/office/powerpoint/2010/main" val="1755423707"/>
+        <p14:creationId xmlns:p14="http://schemas.microsoft.com/office/powerpoint/2010/main" val="657157802"/>
       </p:ext>
     </p:extLst>
   </p:cSld>
@@ -8941,8 +9073,8 @@
         </p:blipFill>
         <p:spPr>
           <a:xfrm>
-            <a:off x="739833" y="58190"/>
-            <a:ext cx="11355185" cy="2842952"/>
+            <a:off x="751560" y="66502"/>
+            <a:ext cx="11368396" cy="2931868"/>
           </a:xfrm>
           <a:prstGeom prst="rect">
             <a:avLst/>
@@ -8971,8 +9103,8 @@
         </p:blipFill>
         <p:spPr>
           <a:xfrm>
-            <a:off x="739833" y="2901142"/>
-            <a:ext cx="11355185" cy="3882043"/>
+            <a:off x="751560" y="2998370"/>
+            <a:ext cx="11368396" cy="3859630"/>
           </a:xfrm>
           <a:prstGeom prst="rect">
             <a:avLst/>
@@ -8982,7 +9114,7 @@
     </p:spTree>
     <p:extLst>
       <p:ext uri="{BB962C8B-B14F-4D97-AF65-F5344CB8AC3E}">
-        <p14:creationId xmlns:p14="http://schemas.microsoft.com/office/powerpoint/2010/main" val="2358042621"/>
+        <p14:creationId xmlns:p14="http://schemas.microsoft.com/office/powerpoint/2010/main" val="1755423707"/>
       </p:ext>
     </p:extLst>
   </p:cSld>
@@ -9038,8 +9170,8 @@
         </p:blipFill>
         <p:spPr>
           <a:xfrm>
-            <a:off x="718457" y="91603"/>
-            <a:ext cx="11389179" cy="3125126"/>
+            <a:off x="739833" y="58190"/>
+            <a:ext cx="11355185" cy="2842952"/>
           </a:xfrm>
           <a:prstGeom prst="rect">
             <a:avLst/>
@@ -9068,8 +9200,8 @@
         </p:blipFill>
         <p:spPr>
           <a:xfrm>
-            <a:off x="718457" y="3216729"/>
-            <a:ext cx="11389178" cy="3641271"/>
+            <a:off x="739833" y="2901142"/>
+            <a:ext cx="11355185" cy="3882043"/>
           </a:xfrm>
           <a:prstGeom prst="rect">
             <a:avLst/>
@@ -9079,7 +9211,7 @@
     </p:spTree>
     <p:extLst>
       <p:ext uri="{BB962C8B-B14F-4D97-AF65-F5344CB8AC3E}">
-        <p14:creationId xmlns:p14="http://schemas.microsoft.com/office/powerpoint/2010/main" val="478491828"/>
+        <p14:creationId xmlns:p14="http://schemas.microsoft.com/office/powerpoint/2010/main" val="2358042621"/>
       </p:ext>
     </p:extLst>
   </p:cSld>
@@ -9115,7 +9247,7 @@
       </p:grpSpPr>
       <p:pic>
         <p:nvPicPr>
-          <p:cNvPr id="2" name="Picture 1"/>
+          <p:cNvPr id="4" name="Picture 3"/>
           <p:cNvPicPr>
             <a:picLocks noChangeAspect="1"/>
           </p:cNvPicPr>
@@ -9135,8 +9267,38 @@
         </p:blipFill>
         <p:spPr>
           <a:xfrm>
-            <a:off x="718559" y="73478"/>
-            <a:ext cx="11389078" cy="6721886"/>
+            <a:off x="718457" y="91603"/>
+            <a:ext cx="11389179" cy="3125126"/>
+          </a:xfrm>
+          <a:prstGeom prst="rect">
+            <a:avLst/>
+          </a:prstGeom>
+        </p:spPr>
+      </p:pic>
+      <p:pic>
+        <p:nvPicPr>
+          <p:cNvPr id="5" name="Picture 4"/>
+          <p:cNvPicPr>
+            <a:picLocks noChangeAspect="1"/>
+          </p:cNvPicPr>
+          <p:nvPr/>
+        </p:nvPicPr>
+        <p:blipFill>
+          <a:blip r:embed="rId3">
+            <a:extLst>
+              <a:ext uri="{28A0092B-C50C-407E-A947-70E740481C1C}">
+                <a14:useLocalDpi xmlns:a14="http://schemas.microsoft.com/office/drawing/2010/main" val="0"/>
+              </a:ext>
+            </a:extLst>
+          </a:blip>
+          <a:stretch>
+            <a:fillRect/>
+          </a:stretch>
+        </p:blipFill>
+        <p:spPr>
+          <a:xfrm>
+            <a:off x="718457" y="3216729"/>
+            <a:ext cx="11389178" cy="3641271"/>
           </a:xfrm>
           <a:prstGeom prst="rect">
             <a:avLst/>
@@ -9146,13 +9308,20 @@
     </p:spTree>
     <p:extLst>
       <p:ext uri="{BB962C8B-B14F-4D97-AF65-F5344CB8AC3E}">
-        <p14:creationId xmlns:p14="http://schemas.microsoft.com/office/powerpoint/2010/main" val="4039339073"/>
+        <p14:creationId xmlns:p14="http://schemas.microsoft.com/office/powerpoint/2010/main" val="478491828"/>
       </p:ext>
     </p:extLst>
   </p:cSld>
   <p:clrMapOvr>
     <a:masterClrMapping/>
   </p:clrMapOvr>
+  <p:timing>
+    <p:tnLst>
+      <p:par>
+        <p:cTn id="1" dur="indefinite" restart="never" nodeType="tmRoot"/>
+      </p:par>
+    </p:tnLst>
+  </p:timing>
 </p:sld>
 </file>
 
@@ -9195,38 +9364,8 @@
         </p:blipFill>
         <p:spPr>
           <a:xfrm>
-            <a:off x="726622" y="75770"/>
-            <a:ext cx="11397342" cy="2267380"/>
-          </a:xfrm>
-          <a:prstGeom prst="rect">
-            <a:avLst/>
-          </a:prstGeom>
-        </p:spPr>
-      </p:pic>
-      <p:pic>
-        <p:nvPicPr>
-          <p:cNvPr id="3" name="Picture 2"/>
-          <p:cNvPicPr>
-            <a:picLocks noChangeAspect="1"/>
-          </p:cNvPicPr>
-          <p:nvPr/>
-        </p:nvPicPr>
-        <p:blipFill>
-          <a:blip r:embed="rId3">
-            <a:extLst>
-              <a:ext uri="{28A0092B-C50C-407E-A947-70E740481C1C}">
-                <a14:useLocalDpi xmlns:a14="http://schemas.microsoft.com/office/drawing/2010/main" val="0"/>
-              </a:ext>
-            </a:extLst>
-          </a:blip>
-          <a:stretch>
-            <a:fillRect/>
-          </a:stretch>
-        </p:blipFill>
-        <p:spPr>
-          <a:xfrm>
-            <a:off x="726622" y="2343149"/>
-            <a:ext cx="11397342" cy="4433207"/>
+            <a:off x="718559" y="73478"/>
+            <a:ext cx="11389078" cy="6721886"/>
           </a:xfrm>
           <a:prstGeom prst="rect">
             <a:avLst/>
@@ -9236,13 +9375,20 @@
     </p:spTree>
     <p:extLst>
       <p:ext uri="{BB962C8B-B14F-4D97-AF65-F5344CB8AC3E}">
-        <p14:creationId xmlns:p14="http://schemas.microsoft.com/office/powerpoint/2010/main" val="2269761043"/>
+        <p14:creationId xmlns:p14="http://schemas.microsoft.com/office/powerpoint/2010/main" val="4039339073"/>
       </p:ext>
     </p:extLst>
   </p:cSld>
   <p:clrMapOvr>
     <a:masterClrMapping/>
   </p:clrMapOvr>
+  <p:timing>
+    <p:tnLst>
+      <p:par>
+        <p:cTn id="1" dur="indefinite" restart="never" nodeType="tmRoot"/>
+      </p:par>
+    </p:tnLst>
+  </p:timing>
 </p:sld>
 </file>
 
@@ -9410,8 +9556,8 @@
         </p:blipFill>
         <p:spPr>
           <a:xfrm>
-            <a:off x="755880" y="63665"/>
-            <a:ext cx="11359920" cy="3308185"/>
+            <a:off x="726622" y="75770"/>
+            <a:ext cx="11397342" cy="2267380"/>
           </a:xfrm>
           <a:prstGeom prst="rect">
             <a:avLst/>
@@ -9440,8 +9586,8 @@
         </p:blipFill>
         <p:spPr>
           <a:xfrm>
-            <a:off x="755881" y="3371850"/>
-            <a:ext cx="11359920" cy="3393180"/>
+            <a:off x="726622" y="2343149"/>
+            <a:ext cx="11397342" cy="4433207"/>
           </a:xfrm>
           <a:prstGeom prst="rect">
             <a:avLst/>
@@ -9451,13 +9597,20 @@
     </p:spTree>
     <p:extLst>
       <p:ext uri="{BB962C8B-B14F-4D97-AF65-F5344CB8AC3E}">
-        <p14:creationId xmlns:p14="http://schemas.microsoft.com/office/powerpoint/2010/main" val="645631087"/>
+        <p14:creationId xmlns:p14="http://schemas.microsoft.com/office/powerpoint/2010/main" val="2269761043"/>
       </p:ext>
     </p:extLst>
   </p:cSld>
   <p:clrMapOvr>
     <a:masterClrMapping/>
   </p:clrMapOvr>
+  <p:timing>
+    <p:tnLst>
+      <p:par>
+        <p:cTn id="1" dur="indefinite" restart="never" nodeType="tmRoot"/>
+      </p:par>
+    </p:tnLst>
+  </p:timing>
 </p:sld>
 </file>
 
@@ -9480,7 +9633,7 @@
       </p:grpSpPr>
       <p:pic>
         <p:nvPicPr>
-          <p:cNvPr id="4" name="Picture 3"/>
+          <p:cNvPr id="2" name="Picture 1"/>
           <p:cNvPicPr>
             <a:picLocks noChangeAspect="1"/>
           </p:cNvPicPr>
@@ -9500,54 +9653,48 @@
         </p:blipFill>
         <p:spPr>
           <a:xfrm>
-            <a:off x="1069521" y="252388"/>
-            <a:ext cx="10891157" cy="5609570"/>
+            <a:off x="755880" y="63665"/>
+            <a:ext cx="11359920" cy="3308185"/>
           </a:xfrm>
           <a:prstGeom prst="rect">
             <a:avLst/>
           </a:prstGeom>
         </p:spPr>
       </p:pic>
-      <p:sp>
-        <p:nvSpPr>
-          <p:cNvPr id="5" name="TextBox 4"/>
-          <p:cNvSpPr txBox="1"/>
+      <p:pic>
+        <p:nvPicPr>
+          <p:cNvPr id="3" name="Picture 2"/>
+          <p:cNvPicPr>
+            <a:picLocks noChangeAspect="1"/>
+          </p:cNvPicPr>
           <p:nvPr/>
-        </p:nvSpPr>
-        <p:spPr>
-          <a:xfrm>
-            <a:off x="5242987" y="5976555"/>
-            <a:ext cx="2544223" cy="369332"/>
-          </a:xfrm>
-          <a:prstGeom prst="rect">
-            <a:avLst/>
-          </a:prstGeom>
-          <a:noFill/>
-        </p:spPr>
-        <p:txBody>
-          <a:bodyPr wrap="none" rtlCol="0">
-            <a:spAutoFit/>
-          </a:bodyPr>
-          <a:lstStyle/>
-          <a:p>
-            <a:r>
-              <a:rPr lang="en-US" b="1" dirty="0">
-                <a:solidFill>
-                  <a:schemeClr val="tx2">
-                    <a:lumMod val="50000"/>
-                    <a:lumOff val="50000"/>
-                  </a:schemeClr>
-                </a:solidFill>
-              </a:rPr>
-              <a:t>ANALYTICS DASHBOARD</a:t>
-            </a:r>
-          </a:p>
-        </p:txBody>
-      </p:sp>
+        </p:nvPicPr>
+        <p:blipFill>
+          <a:blip r:embed="rId3">
+            <a:extLst>
+              <a:ext uri="{28A0092B-C50C-407E-A947-70E740481C1C}">
+                <a14:useLocalDpi xmlns:a14="http://schemas.microsoft.com/office/drawing/2010/main" val="0"/>
+              </a:ext>
+            </a:extLst>
+          </a:blip>
+          <a:stretch>
+            <a:fillRect/>
+          </a:stretch>
+        </p:blipFill>
+        <p:spPr>
+          <a:xfrm>
+            <a:off x="755881" y="3371850"/>
+            <a:ext cx="11359920" cy="3393180"/>
+          </a:xfrm>
+          <a:prstGeom prst="rect">
+            <a:avLst/>
+          </a:prstGeom>
+        </p:spPr>
+      </p:pic>
     </p:spTree>
     <p:extLst>
       <p:ext uri="{BB962C8B-B14F-4D97-AF65-F5344CB8AC3E}">
-        <p14:creationId xmlns:p14="http://schemas.microsoft.com/office/powerpoint/2010/main" val="3851175976"/>
+        <p14:creationId xmlns:p14="http://schemas.microsoft.com/office/powerpoint/2010/main" val="645631087"/>
       </p:ext>
     </p:extLst>
   </p:cSld>
@@ -9603,8 +9750,8 @@
         </p:blipFill>
         <p:spPr>
           <a:xfrm>
-            <a:off x="987879" y="344018"/>
-            <a:ext cx="11005457" cy="5802501"/>
+            <a:off x="1069521" y="252388"/>
+            <a:ext cx="10891157" cy="5609570"/>
           </a:xfrm>
           <a:prstGeom prst="rect">
             <a:avLst/>
@@ -9619,8 +9766,8 @@
         </p:nvSpPr>
         <p:spPr>
           <a:xfrm>
-            <a:off x="5756547" y="6146519"/>
-            <a:ext cx="1609928" cy="369332"/>
+            <a:off x="5242987" y="5976555"/>
+            <a:ext cx="2544223" cy="369332"/>
           </a:xfrm>
           <a:prstGeom prst="rect">
             <a:avLst/>
@@ -9642,7 +9789,7 @@
                   </a:schemeClr>
                 </a:solidFill>
               </a:rPr>
-              <a:t>USER PROFILE</a:t>
+              <a:t>ANALYTICS DASHBOARD</a:t>
             </a:r>
           </a:p>
         </p:txBody>
@@ -9650,7 +9797,7 @@
     </p:spTree>
     <p:extLst>
       <p:ext uri="{BB962C8B-B14F-4D97-AF65-F5344CB8AC3E}">
-        <p14:creationId xmlns:p14="http://schemas.microsoft.com/office/powerpoint/2010/main" val="1394653253"/>
+        <p14:creationId xmlns:p14="http://schemas.microsoft.com/office/powerpoint/2010/main" val="3851175976"/>
       </p:ext>
     </p:extLst>
   </p:cSld>
@@ -9706,8 +9853,8 @@
         </p:blipFill>
         <p:spPr>
           <a:xfrm>
-            <a:off x="998120" y="187023"/>
-            <a:ext cx="11003380" cy="6050491"/>
+            <a:off x="987879" y="344018"/>
+            <a:ext cx="11005457" cy="5802501"/>
           </a:xfrm>
           <a:prstGeom prst="rect">
             <a:avLst/>
@@ -9722,8 +9869,8 @@
         </p:nvSpPr>
         <p:spPr>
           <a:xfrm>
-            <a:off x="5427617" y="6373189"/>
-            <a:ext cx="2403415" cy="369332"/>
+            <a:off x="5756547" y="6146519"/>
+            <a:ext cx="1609928" cy="369332"/>
           </a:xfrm>
           <a:prstGeom prst="rect">
             <a:avLst/>
@@ -9745,7 +9892,7 @@
                   </a:schemeClr>
                 </a:solidFill>
               </a:rPr>
-              <a:t>STUDENT MARKSHEET</a:t>
+              <a:t>USER PROFILE</a:t>
             </a:r>
           </a:p>
         </p:txBody>
@@ -9753,13 +9900,20 @@
     </p:spTree>
     <p:extLst>
       <p:ext uri="{BB962C8B-B14F-4D97-AF65-F5344CB8AC3E}">
-        <p14:creationId xmlns:p14="http://schemas.microsoft.com/office/powerpoint/2010/main" val="2342459094"/>
+        <p14:creationId xmlns:p14="http://schemas.microsoft.com/office/powerpoint/2010/main" val="1394653253"/>
       </p:ext>
     </p:extLst>
   </p:cSld>
   <p:clrMapOvr>
     <a:masterClrMapping/>
   </p:clrMapOvr>
+  <p:timing>
+    <p:tnLst>
+      <p:par>
+        <p:cTn id="1" dur="indefinite" restart="never" nodeType="tmRoot"/>
+      </p:par>
+    </p:tnLst>
+  </p:timing>
 </p:sld>
 </file>
 
@@ -9780,101 +9934,89 @@
           <a:chExt cx="0" cy="0"/>
         </a:xfrm>
       </p:grpSpPr>
-      <p:sp>
-        <p:nvSpPr>
-          <p:cNvPr id="2" name="Title 1">
+      <p:pic>
+        <p:nvPicPr>
+          <p:cNvPr id="4" name="Picture 3"/>
+          <p:cNvPicPr>
+            <a:picLocks noChangeAspect="1"/>
+          </p:cNvPicPr>
+          <p:nvPr/>
+        </p:nvPicPr>
+        <p:blipFill>
+          <a:blip r:embed="rId2">
             <a:extLst>
-              <a:ext uri="{FF2B5EF4-FFF2-40B4-BE49-F238E27FC236}">
-                <a16:creationId xmlns:a16="http://schemas.microsoft.com/office/drawing/2014/main" xmlns="" id="{5FFB0ED7-2AF1-476C-9C60-A000635BA4A7}"/>
+              <a:ext uri="{28A0092B-C50C-407E-A947-70E740481C1C}">
+                <a14:useLocalDpi xmlns:a14="http://schemas.microsoft.com/office/drawing/2010/main" val="0"/>
               </a:ext>
             </a:extLst>
-          </p:cNvPr>
-          <p:cNvSpPr>
-            <a:spLocks noGrp="1"/>
-          </p:cNvSpPr>
-          <p:nvPr>
-            <p:ph type="ctrTitle"/>
-          </p:nvPr>
-        </p:nvSpPr>
-        <p:spPr/>
-        <p:txBody>
-          <a:bodyPr/>
+          </a:blip>
+          <a:stretch>
+            <a:fillRect/>
+          </a:stretch>
+        </p:blipFill>
+        <p:spPr>
+          <a:xfrm>
+            <a:off x="998120" y="187023"/>
+            <a:ext cx="11003380" cy="6050491"/>
+          </a:xfrm>
+          <a:prstGeom prst="rect">
+            <a:avLst/>
+          </a:prstGeom>
+        </p:spPr>
+      </p:pic>
+      <p:sp>
+        <p:nvSpPr>
+          <p:cNvPr id="5" name="TextBox 4"/>
+          <p:cNvSpPr txBox="1"/>
+          <p:nvPr/>
+        </p:nvSpPr>
+        <p:spPr>
+          <a:xfrm>
+            <a:off x="5427617" y="6373189"/>
+            <a:ext cx="2403415" cy="369332"/>
+          </a:xfrm>
+          <a:prstGeom prst="rect">
+            <a:avLst/>
+          </a:prstGeom>
+          <a:noFill/>
+        </p:spPr>
+        <p:txBody>
+          <a:bodyPr wrap="none" rtlCol="0">
+            <a:spAutoFit/>
+          </a:bodyPr>
           <a:lstStyle/>
           <a:p>
             <a:r>
-              <a:rPr lang="en-US" sz="1800" b="1" kern="100" dirty="0">
-                <a:effectLst/>
-                <a:latin typeface="Arial" panose="020B0604020202020204" pitchFamily="34" charset="0"/>
-                <a:ea typeface="Noto Serif CJK SC"/>
-                <a:cs typeface="Lohit Devanagari"/>
+              <a:rPr lang="en-US" b="1" dirty="0">
+                <a:solidFill>
+                  <a:schemeClr val="tx2">
+                    <a:lumMod val="50000"/>
+                    <a:lumOff val="50000"/>
+                  </a:schemeClr>
+                </a:solidFill>
               </a:rPr>
-              <a:t>CHAPTER 5</a:t>
-            </a:r>
-            <a:r>
-              <a:rPr lang="en-US" sz="1800" kern="100" dirty="0">
-                <a:effectLst/>
-                <a:latin typeface="Arial" panose="020B0604020202020204" pitchFamily="34" charset="0"/>
-                <a:ea typeface="Noto Serif CJK SC"/>
-                <a:cs typeface="Lohit Devanagari"/>
-              </a:rPr>
-              <a:t/>
-            </a:r>
-            <a:br>
-              <a:rPr lang="en-US" sz="1800" kern="100" dirty="0">
-                <a:effectLst/>
-                <a:latin typeface="Arial" panose="020B0604020202020204" pitchFamily="34" charset="0"/>
-                <a:ea typeface="Noto Serif CJK SC"/>
-                <a:cs typeface="Lohit Devanagari"/>
-              </a:rPr>
-            </a:br>
-            <a:endParaRPr lang="en-US" dirty="0"/>
-          </a:p>
-        </p:txBody>
-      </p:sp>
-      <p:sp>
-        <p:nvSpPr>
-          <p:cNvPr id="3" name="Subtitle 2">
-            <a:extLst>
-              <a:ext uri="{FF2B5EF4-FFF2-40B4-BE49-F238E27FC236}">
-                <a16:creationId xmlns:a16="http://schemas.microsoft.com/office/drawing/2014/main" xmlns="" id="{2E04C689-99B5-42B6-B4BE-661898DB0B73}"/>
-              </a:ext>
-            </a:extLst>
-          </p:cNvPr>
-          <p:cNvSpPr>
-            <a:spLocks noGrp="1"/>
-          </p:cNvSpPr>
-          <p:nvPr>
-            <p:ph type="subTitle" idx="1"/>
-          </p:nvPr>
-        </p:nvSpPr>
-        <p:spPr/>
-        <p:txBody>
-          <a:bodyPr/>
-          <a:lstStyle/>
-          <a:p>
-            <a:r>
-              <a:rPr lang="en-US" sz="2400" b="1" kern="100" dirty="0">
-                <a:effectLst/>
-                <a:latin typeface="Arial" panose="020B0604020202020204" pitchFamily="34" charset="0"/>
-                <a:ea typeface="Noto Serif CJK SC"/>
-                <a:cs typeface="Lohit Devanagari"/>
-              </a:rPr>
-              <a:t>CONCLUSION</a:t>
-            </a:r>
-            <a:endParaRPr lang="en-US" dirty="0"/>
+              <a:t>STUDENT MARKSHEET</a:t>
+            </a:r>
           </a:p>
         </p:txBody>
       </p:sp>
     </p:spTree>
     <p:extLst>
       <p:ext uri="{BB962C8B-B14F-4D97-AF65-F5344CB8AC3E}">
-        <p14:creationId xmlns:p14="http://schemas.microsoft.com/office/powerpoint/2010/main" val="992736471"/>
+        <p14:creationId xmlns:p14="http://schemas.microsoft.com/office/powerpoint/2010/main" val="2342459094"/>
       </p:ext>
     </p:extLst>
   </p:cSld>
   <p:clrMapOvr>
     <a:masterClrMapping/>
   </p:clrMapOvr>
+  <p:timing>
+    <p:tnLst>
+      <p:par>
+        <p:cTn id="1" dur="indefinite" restart="never" nodeType="tmRoot"/>
+      </p:par>
+    </p:tnLst>
+  </p:timing>
 </p:sld>
 </file>
 
@@ -9900,7 +10042,129 @@
           <p:cNvPr id="2" name="Title 1">
             <a:extLst>
               <a:ext uri="{FF2B5EF4-FFF2-40B4-BE49-F238E27FC236}">
-                <a16:creationId xmlns:a16="http://schemas.microsoft.com/office/drawing/2014/main" xmlns="" id="{4D9ADA70-27D5-43EF-A236-BEDD52013370}"/>
+                <a16:creationId xmlns="" xmlns:a16="http://schemas.microsoft.com/office/drawing/2014/main" id="{5FFB0ED7-2AF1-476C-9C60-A000635BA4A7}"/>
+              </a:ext>
+            </a:extLst>
+          </p:cNvPr>
+          <p:cNvSpPr>
+            <a:spLocks noGrp="1"/>
+          </p:cNvSpPr>
+          <p:nvPr>
+            <p:ph type="ctrTitle"/>
+          </p:nvPr>
+        </p:nvSpPr>
+        <p:spPr/>
+        <p:txBody>
+          <a:bodyPr/>
+          <a:lstStyle/>
+          <a:p>
+            <a:r>
+              <a:rPr lang="en-US" sz="1800" b="1" kern="100" dirty="0">
+                <a:effectLst/>
+                <a:latin typeface="Arial" panose="020B0604020202020204" pitchFamily="34" charset="0"/>
+                <a:ea typeface="Noto Serif CJK SC"/>
+                <a:cs typeface="Lohit Devanagari"/>
+              </a:rPr>
+              <a:t>CHAPTER 5</a:t>
+            </a:r>
+            <a:r>
+              <a:rPr lang="en-US" sz="1800" kern="100" dirty="0">
+                <a:effectLst/>
+                <a:latin typeface="Arial" panose="020B0604020202020204" pitchFamily="34" charset="0"/>
+                <a:ea typeface="Noto Serif CJK SC"/>
+                <a:cs typeface="Lohit Devanagari"/>
+              </a:rPr>
+              <a:t/>
+            </a:r>
+            <a:br>
+              <a:rPr lang="en-US" sz="1800" kern="100" dirty="0">
+                <a:effectLst/>
+                <a:latin typeface="Arial" panose="020B0604020202020204" pitchFamily="34" charset="0"/>
+                <a:ea typeface="Noto Serif CJK SC"/>
+                <a:cs typeface="Lohit Devanagari"/>
+              </a:rPr>
+            </a:br>
+            <a:endParaRPr lang="en-US" dirty="0"/>
+          </a:p>
+        </p:txBody>
+      </p:sp>
+      <p:sp>
+        <p:nvSpPr>
+          <p:cNvPr id="3" name="Subtitle 2">
+            <a:extLst>
+              <a:ext uri="{FF2B5EF4-FFF2-40B4-BE49-F238E27FC236}">
+                <a16:creationId xmlns="" xmlns:a16="http://schemas.microsoft.com/office/drawing/2014/main" id="{2E04C689-99B5-42B6-B4BE-661898DB0B73}"/>
+              </a:ext>
+            </a:extLst>
+          </p:cNvPr>
+          <p:cNvSpPr>
+            <a:spLocks noGrp="1"/>
+          </p:cNvSpPr>
+          <p:nvPr>
+            <p:ph type="subTitle" idx="1"/>
+          </p:nvPr>
+        </p:nvSpPr>
+        <p:spPr/>
+        <p:txBody>
+          <a:bodyPr/>
+          <a:lstStyle/>
+          <a:p>
+            <a:r>
+              <a:rPr lang="en-US" sz="2400" b="1" kern="100" dirty="0">
+                <a:effectLst/>
+                <a:latin typeface="Arial" panose="020B0604020202020204" pitchFamily="34" charset="0"/>
+                <a:ea typeface="Noto Serif CJK SC"/>
+                <a:cs typeface="Lohit Devanagari"/>
+              </a:rPr>
+              <a:t>CONCLUSION</a:t>
+            </a:r>
+            <a:endParaRPr lang="en-US" dirty="0"/>
+          </a:p>
+        </p:txBody>
+      </p:sp>
+    </p:spTree>
+    <p:extLst>
+      <p:ext uri="{BB962C8B-B14F-4D97-AF65-F5344CB8AC3E}">
+        <p14:creationId xmlns:p14="http://schemas.microsoft.com/office/powerpoint/2010/main" val="992736471"/>
+      </p:ext>
+    </p:extLst>
+  </p:cSld>
+  <p:clrMapOvr>
+    <a:masterClrMapping/>
+  </p:clrMapOvr>
+  <p:timing>
+    <p:tnLst>
+      <p:par>
+        <p:cTn id="1" dur="indefinite" restart="never" nodeType="tmRoot"/>
+      </p:par>
+    </p:tnLst>
+  </p:timing>
+</p:sld>
+</file>
+
+<file path=ppt/slides/slide56.xml><?xml version="1.0" encoding="utf-8"?>
+<p:sld xmlns:a="http://schemas.openxmlformats.org/drawingml/2006/main" xmlns:r="http://schemas.openxmlformats.org/officeDocument/2006/relationships" xmlns:p="http://schemas.openxmlformats.org/presentationml/2006/main">
+  <p:cSld>
+    <p:spTree>
+      <p:nvGrpSpPr>
+        <p:cNvPr id="1" name=""/>
+        <p:cNvGrpSpPr/>
+        <p:nvPr/>
+      </p:nvGrpSpPr>
+      <p:grpSpPr>
+        <a:xfrm>
+          <a:off x="0" y="0"/>
+          <a:ext cx="0" cy="0"/>
+          <a:chOff x="0" y="0"/>
+          <a:chExt cx="0" cy="0"/>
+        </a:xfrm>
+      </p:grpSpPr>
+      <p:sp>
+        <p:nvSpPr>
+          <p:cNvPr id="2" name="Title 1">
+            <a:extLst>
+              <a:ext uri="{FF2B5EF4-FFF2-40B4-BE49-F238E27FC236}">
+                <a16:creationId xmlns="" xmlns:a16="http://schemas.microsoft.com/office/drawing/2014/main" id="{4D9ADA70-27D5-43EF-A236-BEDD52013370}"/>
               </a:ext>
             </a:extLst>
           </p:cNvPr>
@@ -9958,7 +10222,7 @@
           <p:cNvPr id="3" name="Content Placeholder 2">
             <a:extLst>
               <a:ext uri="{FF2B5EF4-FFF2-40B4-BE49-F238E27FC236}">
-                <a16:creationId xmlns:a16="http://schemas.microsoft.com/office/drawing/2014/main" xmlns="" id="{FE1370AA-CE66-4DE5-86EC-473F0B38AB91}"/>
+                <a16:creationId xmlns="" xmlns:a16="http://schemas.microsoft.com/office/drawing/2014/main" id="{FE1370AA-CE66-4DE5-86EC-473F0B38AB91}"/>
               </a:ext>
             </a:extLst>
           </p:cNvPr>
@@ -10245,6 +10509,13 @@
   <p:clrMapOvr>
     <a:masterClrMapping/>
   </p:clrMapOvr>
+  <p:timing>
+    <p:tnLst>
+      <p:par>
+        <p:cTn id="1" dur="indefinite" restart="never" nodeType="tmRoot"/>
+      </p:par>
+    </p:tnLst>
+  </p:timing>
 </p:sld>
 </file>
 

--- a/Report/PRESENTATION/Final Presentation.pptx
+++ b/Report/PRESENTATION/Final Presentation.pptx
@@ -5,7 +5,7 @@
     <p:sldMasterId id="2147483660" r:id="rId1"/>
   </p:sldMasterIdLst>
   <p:notesMasterIdLst>
-    <p:notesMasterId r:id="rId58"/>
+    <p:notesMasterId r:id="rId56"/>
   </p:notesMasterIdLst>
   <p:sldIdLst>
     <p:sldId id="256" r:id="rId2"/>
@@ -60,10 +60,8 @@
     <p:sldId id="314" r:id="rId51"/>
     <p:sldId id="315" r:id="rId52"/>
     <p:sldId id="300" r:id="rId53"/>
-    <p:sldId id="301" r:id="rId54"/>
-    <p:sldId id="302" r:id="rId55"/>
-    <p:sldId id="307" r:id="rId56"/>
-    <p:sldId id="308" r:id="rId57"/>
+    <p:sldId id="307" r:id="rId54"/>
+    <p:sldId id="308" r:id="rId55"/>
   </p:sldIdLst>
   <p:sldSz cx="12192000" cy="6858000"/>
   <p:notesSz cx="6858000" cy="9144000"/>
@@ -4405,6 +4403,13 @@
   <p:clrMapOvr>
     <a:masterClrMapping/>
   </p:clrMapOvr>
+  <p:timing>
+    <p:tnLst>
+      <p:par>
+        <p:cTn id="1" dur="indefinite" restart="never" nodeType="tmRoot"/>
+      </p:par>
+    </p:tnLst>
+  </p:timing>
 </p:sld>
 </file>
 
@@ -4465,6 +4470,13 @@
   <p:clrMapOvr>
     <a:masterClrMapping/>
   </p:clrMapOvr>
+  <p:timing>
+    <p:tnLst>
+      <p:par>
+        <p:cTn id="1" dur="indefinite" restart="never" nodeType="tmRoot"/>
+      </p:par>
+    </p:tnLst>
+  </p:timing>
 </p:sld>
 </file>
 
@@ -4667,6 +4679,13 @@
   <p:clrMapOvr>
     <a:masterClrMapping/>
   </p:clrMapOvr>
+  <p:timing>
+    <p:tnLst>
+      <p:par>
+        <p:cTn id="1" dur="indefinite" restart="never" nodeType="tmRoot"/>
+      </p:par>
+    </p:tnLst>
+  </p:timing>
 </p:sld>
 </file>
 
@@ -4796,7 +4815,7 @@
           <p:cNvPr id="8" name="Picture 7">
             <a:extLst>
               <a:ext uri="{FF2B5EF4-FFF2-40B4-BE49-F238E27FC236}">
-                <a16:creationId xmlns="" xmlns:a16="http://schemas.microsoft.com/office/drawing/2014/main" id="{8EA94497-2991-4E7F-8C8C-6DC3F2B14251}"/>
+                <a16:creationId xmlns:a16="http://schemas.microsoft.com/office/drawing/2014/main" xmlns="" id="{8EA94497-2991-4E7F-8C8C-6DC3F2B14251}"/>
               </a:ext>
             </a:extLst>
           </p:cNvPr>
@@ -4835,6 +4854,13 @@
   <p:clrMapOvr>
     <a:masterClrMapping/>
   </p:clrMapOvr>
+  <p:timing>
+    <p:tnLst>
+      <p:par>
+        <p:cTn id="1" dur="indefinite" restart="never" nodeType="tmRoot"/>
+      </p:par>
+    </p:tnLst>
+  </p:timing>
 </p:sld>
 </file>
 
@@ -4901,7 +4927,7 @@
           <p:cNvPr id="6" name="Picture 5">
             <a:extLst>
               <a:ext uri="{FF2B5EF4-FFF2-40B4-BE49-F238E27FC236}">
-                <a16:creationId xmlns="" xmlns:a16="http://schemas.microsoft.com/office/drawing/2014/main" id="{F2F99D93-7103-4FA0-AA46-06E63C94BEA2}"/>
+                <a16:creationId xmlns:a16="http://schemas.microsoft.com/office/drawing/2014/main" xmlns="" id="{F2F99D93-7103-4FA0-AA46-06E63C94BEA2}"/>
               </a:ext>
             </a:extLst>
           </p:cNvPr>
@@ -4940,6 +4966,13 @@
   <p:clrMapOvr>
     <a:masterClrMapping/>
   </p:clrMapOvr>
+  <p:timing>
+    <p:tnLst>
+      <p:par>
+        <p:cTn id="1" dur="indefinite" restart="never" nodeType="tmRoot"/>
+      </p:par>
+    </p:tnLst>
+  </p:timing>
 </p:sld>
 </file>
 
@@ -5044,6 +5077,13 @@
   <p:clrMapOvr>
     <a:masterClrMapping/>
   </p:clrMapOvr>
+  <p:timing>
+    <p:tnLst>
+      <p:par>
+        <p:cTn id="1" dur="indefinite" restart="never" nodeType="tmRoot"/>
+      </p:par>
+    </p:tnLst>
+  </p:timing>
 </p:sld>
 </file>
 
@@ -5104,6 +5144,13 @@
   <p:clrMapOvr>
     <a:masterClrMapping/>
   </p:clrMapOvr>
+  <p:timing>
+    <p:tnLst>
+      <p:par>
+        <p:cTn id="1" dur="indefinite" restart="never" nodeType="tmRoot"/>
+      </p:par>
+    </p:tnLst>
+  </p:timing>
 </p:sld>
 </file>
 
@@ -5241,6 +5288,13 @@
   <p:clrMapOvr>
     <a:masterClrMapping/>
   </p:clrMapOvr>
+  <p:timing>
+    <p:tnLst>
+      <p:par>
+        <p:cTn id="1" dur="indefinite" restart="never" nodeType="tmRoot"/>
+      </p:par>
+    </p:tnLst>
+  </p:timing>
 </p:sld>
 </file>
 
@@ -5345,6 +5399,13 @@
   <p:clrMapOvr>
     <a:masterClrMapping/>
   </p:clrMapOvr>
+  <p:timing>
+    <p:tnLst>
+      <p:par>
+        <p:cTn id="1" dur="indefinite" restart="never" nodeType="tmRoot"/>
+      </p:par>
+    </p:tnLst>
+  </p:timing>
 </p:sld>
 </file>
 
@@ -5405,6 +5466,13 @@
   <p:clrMapOvr>
     <a:masterClrMapping/>
   </p:clrMapOvr>
+  <p:timing>
+    <p:tnLst>
+      <p:par>
+        <p:cTn id="1" dur="indefinite" restart="never" nodeType="tmRoot"/>
+      </p:par>
+    </p:tnLst>
+  </p:timing>
 </p:sld>
 </file>
 
@@ -5607,6 +5675,13 @@
   <p:clrMapOvr>
     <a:masterClrMapping/>
   </p:clrMapOvr>
+  <p:timing>
+    <p:tnLst>
+      <p:par>
+        <p:cTn id="1" dur="indefinite" restart="never" nodeType="tmRoot"/>
+      </p:par>
+    </p:tnLst>
+  </p:timing>
 </p:sld>
 </file>
 
@@ -5667,6 +5742,13 @@
   <p:clrMapOvr>
     <a:masterClrMapping/>
   </p:clrMapOvr>
+  <p:timing>
+    <p:tnLst>
+      <p:par>
+        <p:cTn id="1" dur="indefinite" restart="never" nodeType="tmRoot"/>
+      </p:par>
+    </p:tnLst>
+  </p:timing>
 </p:sld>
 </file>
 
@@ -5727,6 +5809,13 @@
   <p:clrMapOvr>
     <a:masterClrMapping/>
   </p:clrMapOvr>
+  <p:timing>
+    <p:tnLst>
+      <p:par>
+        <p:cTn id="1" dur="indefinite" restart="never" nodeType="tmRoot"/>
+      </p:par>
+    </p:tnLst>
+  </p:timing>
 </p:sld>
 </file>
 
@@ -5975,7 +6064,7 @@
           <p:cNvPr id="9" name="Picture 8">
             <a:extLst>
               <a:ext uri="{FF2B5EF4-FFF2-40B4-BE49-F238E27FC236}">
-                <a16:creationId xmlns="" xmlns:a16="http://schemas.microsoft.com/office/drawing/2014/main" id="{293669F3-F46B-4CC1-A591-93DA96C1D8E5}"/>
+                <a16:creationId xmlns:a16="http://schemas.microsoft.com/office/drawing/2014/main" xmlns="" id="{293669F3-F46B-4CC1-A591-93DA96C1D8E5}"/>
               </a:ext>
             </a:extLst>
           </p:cNvPr>
@@ -6014,6 +6103,13 @@
   <p:clrMapOvr>
     <a:masterClrMapping/>
   </p:clrMapOvr>
+  <p:timing>
+    <p:tnLst>
+      <p:par>
+        <p:cTn id="1" dur="indefinite" restart="never" nodeType="tmRoot"/>
+      </p:par>
+    </p:tnLst>
+  </p:timing>
 </p:sld>
 </file>
 
@@ -6158,7 +6254,7 @@
           <p:cNvPr id="9" name="Picture 8">
             <a:extLst>
               <a:ext uri="{FF2B5EF4-FFF2-40B4-BE49-F238E27FC236}">
-                <a16:creationId xmlns="" xmlns:a16="http://schemas.microsoft.com/office/drawing/2014/main" id="{F6C69FF0-605C-416E-A81D-355493B36C23}"/>
+                <a16:creationId xmlns:a16="http://schemas.microsoft.com/office/drawing/2014/main" xmlns="" id="{F6C69FF0-605C-416E-A81D-355493B36C23}"/>
               </a:ext>
             </a:extLst>
           </p:cNvPr>
@@ -6197,6 +6293,13 @@
   <p:clrMapOvr>
     <a:masterClrMapping/>
   </p:clrMapOvr>
+  <p:timing>
+    <p:tnLst>
+      <p:par>
+        <p:cTn id="1" dur="indefinite" restart="never" nodeType="tmRoot"/>
+      </p:par>
+    </p:tnLst>
+  </p:timing>
 </p:sld>
 </file>
 
@@ -6383,6 +6486,13 @@
   <p:clrMapOvr>
     <a:masterClrMapping/>
   </p:clrMapOvr>
+  <p:timing>
+    <p:tnLst>
+      <p:par>
+        <p:cTn id="1" dur="indefinite" restart="never" nodeType="tmRoot"/>
+      </p:par>
+    </p:tnLst>
+  </p:timing>
 </p:sld>
 </file>
 
@@ -6408,7 +6518,7 @@
           <p:cNvPr id="2" name="Title 1">
             <a:extLst>
               <a:ext uri="{FF2B5EF4-FFF2-40B4-BE49-F238E27FC236}">
-                <a16:creationId xmlns="" xmlns:a16="http://schemas.microsoft.com/office/drawing/2014/main" id="{FA6C5C99-C5CC-4128-AEC1-BB01CFA19E4C}"/>
+                <a16:creationId xmlns:a16="http://schemas.microsoft.com/office/drawing/2014/main" xmlns="" id="{FA6C5C99-C5CC-4128-AEC1-BB01CFA19E4C}"/>
               </a:ext>
             </a:extLst>
           </p:cNvPr>
@@ -6440,7 +6550,7 @@
           <p:cNvPr id="3" name="Content Placeholder 2">
             <a:extLst>
               <a:ext uri="{FF2B5EF4-FFF2-40B4-BE49-F238E27FC236}">
-                <a16:creationId xmlns="" xmlns:a16="http://schemas.microsoft.com/office/drawing/2014/main" id="{DF74281C-C057-4929-9F65-962EA3ABC64D}"/>
+                <a16:creationId xmlns:a16="http://schemas.microsoft.com/office/drawing/2014/main" xmlns="" id="{DF74281C-C057-4929-9F65-962EA3ABC64D}"/>
               </a:ext>
             </a:extLst>
           </p:cNvPr>
@@ -6497,6 +6607,13 @@
   <p:clrMapOvr>
     <a:masterClrMapping/>
   </p:clrMapOvr>
+  <p:timing>
+    <p:tnLst>
+      <p:par>
+        <p:cTn id="1" dur="indefinite" restart="never" nodeType="tmRoot"/>
+      </p:par>
+    </p:tnLst>
+  </p:timing>
 </p:sld>
 </file>
 
@@ -6652,6 +6769,13 @@
   <p:clrMapOvr>
     <a:masterClrMapping/>
   </p:clrMapOvr>
+  <p:timing>
+    <p:tnLst>
+      <p:par>
+        <p:cTn id="1" dur="indefinite" restart="never" nodeType="tmRoot"/>
+      </p:par>
+    </p:tnLst>
+  </p:timing>
 </p:sld>
 </file>
 
@@ -6677,7 +6801,7 @@
           <p:cNvPr id="8" name="Picture 7">
             <a:extLst>
               <a:ext uri="{FF2B5EF4-FFF2-40B4-BE49-F238E27FC236}">
-                <a16:creationId xmlns="" xmlns:a16="http://schemas.microsoft.com/office/drawing/2014/main" id="{40341967-EDB8-4740-8E70-5B1E27690509}"/>
+                <a16:creationId xmlns:a16="http://schemas.microsoft.com/office/drawing/2014/main" xmlns="" id="{40341967-EDB8-4740-8E70-5B1E27690509}"/>
               </a:ext>
             </a:extLst>
           </p:cNvPr>
@@ -6718,6 +6842,13 @@
   <p:clrMapOvr>
     <a:masterClrMapping/>
   </p:clrMapOvr>
+  <p:timing>
+    <p:tnLst>
+      <p:par>
+        <p:cTn id="1" dur="indefinite" restart="never" nodeType="tmRoot"/>
+      </p:par>
+    </p:tnLst>
+  </p:timing>
 </p:sld>
 </file>
 
@@ -6771,7 +6902,7 @@
           <p:cNvPr id="5" name="Picture 4">
             <a:extLst>
               <a:ext uri="{FF2B5EF4-FFF2-40B4-BE49-F238E27FC236}">
-                <a16:creationId xmlns="" xmlns:a16="http://schemas.microsoft.com/office/drawing/2014/main" id="{EF85605A-3E1D-4E90-B105-02687B8EC017}"/>
+                <a16:creationId xmlns:a16="http://schemas.microsoft.com/office/drawing/2014/main" xmlns="" id="{EF85605A-3E1D-4E90-B105-02687B8EC017}"/>
               </a:ext>
             </a:extLst>
           </p:cNvPr>
@@ -6812,6 +6943,13 @@
   <p:clrMapOvr>
     <a:masterClrMapping/>
   </p:clrMapOvr>
+  <p:timing>
+    <p:tnLst>
+      <p:par>
+        <p:cTn id="1" dur="indefinite" restart="never" nodeType="tmRoot"/>
+      </p:par>
+    </p:tnLst>
+  </p:timing>
 </p:sld>
 </file>
 
@@ -7073,7 +7211,7 @@
           <p:cNvPr id="6" name="Picture 5">
             <a:extLst>
               <a:ext uri="{FF2B5EF4-FFF2-40B4-BE49-F238E27FC236}">
-                <a16:creationId xmlns="" xmlns:a16="http://schemas.microsoft.com/office/drawing/2014/main" id="{E026896A-1354-4F70-8C0C-F33DB160A25C}"/>
+                <a16:creationId xmlns:a16="http://schemas.microsoft.com/office/drawing/2014/main" xmlns="" id="{E026896A-1354-4F70-8C0C-F33DB160A25C}"/>
               </a:ext>
             </a:extLst>
           </p:cNvPr>
@@ -8356,6 +8494,13 @@
   <p:clrMapOvr>
     <a:masterClrMapping/>
   </p:clrMapOvr>
+  <p:timing>
+    <p:tnLst>
+      <p:par>
+        <p:cTn id="1" dur="indefinite" restart="never" nodeType="tmRoot"/>
+      </p:par>
+    </p:tnLst>
+  </p:timing>
 </p:sld>
 </file>
 
@@ -8476,7 +8621,7 @@
           <p:cNvPr id="2" name="Title 1">
             <a:extLst>
               <a:ext uri="{FF2B5EF4-FFF2-40B4-BE49-F238E27FC236}">
-                <a16:creationId xmlns="" xmlns:a16="http://schemas.microsoft.com/office/drawing/2014/main" id="{81B75A47-2FB1-446D-804D-1B6EBE28C474}"/>
+                <a16:creationId xmlns:a16="http://schemas.microsoft.com/office/drawing/2014/main" xmlns="" id="{81B75A47-2FB1-446D-804D-1B6EBE28C474}"/>
               </a:ext>
             </a:extLst>
           </p:cNvPr>
@@ -8508,7 +8653,7 @@
           <p:cNvPr id="3" name="Content Placeholder 2">
             <a:extLst>
               <a:ext uri="{FF2B5EF4-FFF2-40B4-BE49-F238E27FC236}">
-                <a16:creationId xmlns="" xmlns:a16="http://schemas.microsoft.com/office/drawing/2014/main" id="{AC16DA37-B59D-4666-B78D-B3E8130BAC99}"/>
+                <a16:creationId xmlns:a16="http://schemas.microsoft.com/office/drawing/2014/main" xmlns="" id="{AC16DA37-B59D-4666-B78D-B3E8130BAC99}"/>
               </a:ext>
             </a:extLst>
           </p:cNvPr>
@@ -9010,7 +9155,6 @@
               <a:rPr lang="en-US" dirty="0"/>
               <a:t>Student enrollment comparison</a:t>
             </a:r>
-            <a:endParaRPr lang="en-US" dirty="0"/>
           </a:p>
         </p:txBody>
       </p:sp>
@@ -9514,6 +9658,13 @@
   <p:clrMapOvr>
     <a:masterClrMapping/>
   </p:clrMapOvr>
+  <p:timing>
+    <p:tnLst>
+      <p:par>
+        <p:cTn id="1" dur="indefinite" restart="never" nodeType="tmRoot"/>
+      </p:par>
+    </p:tnLst>
+  </p:timing>
 </p:sld>
 </file>
 
@@ -9730,7 +9881,7 @@
       </p:grpSpPr>
       <p:pic>
         <p:nvPicPr>
-          <p:cNvPr id="4" name="Picture 3"/>
+          <p:cNvPr id="2" name="Picture 1"/>
           <p:cNvPicPr>
             <a:picLocks noChangeAspect="1"/>
           </p:cNvPicPr>
@@ -9750,47 +9901,85 @@
         </p:blipFill>
         <p:spPr>
           <a:xfrm>
-            <a:off x="1069521" y="252388"/>
-            <a:ext cx="10891157" cy="5609570"/>
+            <a:off x="733302" y="94188"/>
+            <a:ext cx="11358005" cy="2673950"/>
           </a:xfrm>
           <a:prstGeom prst="rect">
             <a:avLst/>
           </a:prstGeom>
         </p:spPr>
       </p:pic>
-      <p:sp>
-        <p:nvSpPr>
-          <p:cNvPr id="5" name="TextBox 4"/>
-          <p:cNvSpPr txBox="1"/>
+      <p:pic>
+        <p:nvPicPr>
+          <p:cNvPr id="3" name="Picture 2"/>
+          <p:cNvPicPr>
+            <a:picLocks noChangeAspect="1"/>
+          </p:cNvPicPr>
           <p:nvPr/>
-        </p:nvSpPr>
-        <p:spPr>
-          <a:xfrm>
-            <a:off x="5242987" y="5976555"/>
-            <a:ext cx="2544223" cy="369332"/>
-          </a:xfrm>
-          <a:prstGeom prst="rect">
-            <a:avLst/>
-          </a:prstGeom>
-          <a:noFill/>
-        </p:spPr>
-        <p:txBody>
-          <a:bodyPr wrap="none" rtlCol="0">
-            <a:spAutoFit/>
+        </p:nvPicPr>
+        <p:blipFill>
+          <a:blip r:embed="rId3">
+            <a:extLst>
+              <a:ext uri="{28A0092B-C50C-407E-A947-70E740481C1C}">
+                <a14:useLocalDpi xmlns:a14="http://schemas.microsoft.com/office/drawing/2010/main" val="0"/>
+              </a:ext>
+            </a:extLst>
+          </a:blip>
+          <a:stretch>
+            <a:fillRect/>
+          </a:stretch>
+        </p:blipFill>
+        <p:spPr>
+          <a:xfrm>
+            <a:off x="733302" y="2857946"/>
+            <a:ext cx="11358005" cy="3926576"/>
+          </a:xfrm>
+          <a:prstGeom prst="rect">
+            <a:avLst/>
+          </a:prstGeom>
+        </p:spPr>
+      </p:pic>
+      <p:sp>
+        <p:nvSpPr>
+          <p:cNvPr id="6" name="Title 5"/>
+          <p:cNvSpPr>
+            <a:spLocks noGrp="1"/>
+          </p:cNvSpPr>
+          <p:nvPr>
+            <p:ph type="title"/>
+          </p:nvPr>
+        </p:nvSpPr>
+        <p:spPr>
+          <a:xfrm rot="16200000">
+            <a:off x="-890055" y="2666086"/>
+            <a:ext cx="2506436" cy="383721"/>
+          </a:xfrm>
+        </p:spPr>
+        <p:txBody>
+          <a:bodyPr>
+            <a:normAutofit/>
           </a:bodyPr>
           <a:lstStyle/>
           <a:p>
             <a:r>
-              <a:rPr lang="en-US" b="1" dirty="0">
+              <a:rPr lang="en-US" sz="2000" dirty="0" smtClean="0">
                 <a:solidFill>
-                  <a:schemeClr val="tx2">
-                    <a:lumMod val="50000"/>
-                    <a:lumOff val="50000"/>
+                  <a:schemeClr val="tx1">
+                    <a:lumMod val="95000"/>
+                    <a:lumOff val="5000"/>
                   </a:schemeClr>
                 </a:solidFill>
               </a:rPr>
-              <a:t>ANALYTICS DASHBOARD</a:t>
-            </a:r>
+              <a:t>Analytics Dashboard</a:t>
+            </a:r>
+            <a:endParaRPr lang="en-US" sz="2000" dirty="0">
+              <a:solidFill>
+                <a:schemeClr val="tx1">
+                  <a:lumMod val="95000"/>
+                  <a:lumOff val="5000"/>
+                </a:schemeClr>
+              </a:solidFill>
+            </a:endParaRPr>
           </a:p>
         </p:txBody>
       </p:sp>
@@ -9831,76 +10020,95 @@
           <a:chExt cx="0" cy="0"/>
         </a:xfrm>
       </p:grpSpPr>
-      <p:pic>
-        <p:nvPicPr>
-          <p:cNvPr id="4" name="Picture 3"/>
-          <p:cNvPicPr>
-            <a:picLocks noChangeAspect="1"/>
-          </p:cNvPicPr>
-          <p:nvPr/>
-        </p:nvPicPr>
-        <p:blipFill>
-          <a:blip r:embed="rId2">
+      <p:sp>
+        <p:nvSpPr>
+          <p:cNvPr id="2" name="Title 1">
             <a:extLst>
-              <a:ext uri="{28A0092B-C50C-407E-A947-70E740481C1C}">
-                <a14:useLocalDpi xmlns:a14="http://schemas.microsoft.com/office/drawing/2010/main" val="0"/>
+              <a:ext uri="{FF2B5EF4-FFF2-40B4-BE49-F238E27FC236}">
+                <a16:creationId xmlns:a16="http://schemas.microsoft.com/office/drawing/2014/main" xmlns="" id="{5FFB0ED7-2AF1-476C-9C60-A000635BA4A7}"/>
               </a:ext>
             </a:extLst>
-          </a:blip>
-          <a:stretch>
-            <a:fillRect/>
-          </a:stretch>
-        </p:blipFill>
-        <p:spPr>
-          <a:xfrm>
-            <a:off x="987879" y="344018"/>
-            <a:ext cx="11005457" cy="5802501"/>
-          </a:xfrm>
-          <a:prstGeom prst="rect">
-            <a:avLst/>
-          </a:prstGeom>
-        </p:spPr>
-      </p:pic>
-      <p:sp>
-        <p:nvSpPr>
-          <p:cNvPr id="5" name="TextBox 4"/>
-          <p:cNvSpPr txBox="1"/>
-          <p:nvPr/>
-        </p:nvSpPr>
-        <p:spPr>
-          <a:xfrm>
-            <a:off x="5756547" y="6146519"/>
-            <a:ext cx="1609928" cy="369332"/>
-          </a:xfrm>
-          <a:prstGeom prst="rect">
-            <a:avLst/>
-          </a:prstGeom>
-          <a:noFill/>
-        </p:spPr>
-        <p:txBody>
-          <a:bodyPr wrap="none" rtlCol="0">
-            <a:spAutoFit/>
-          </a:bodyPr>
+          </p:cNvPr>
+          <p:cNvSpPr>
+            <a:spLocks noGrp="1"/>
+          </p:cNvSpPr>
+          <p:nvPr>
+            <p:ph type="ctrTitle"/>
+          </p:nvPr>
+        </p:nvSpPr>
+        <p:spPr/>
+        <p:txBody>
+          <a:bodyPr/>
           <a:lstStyle/>
           <a:p>
             <a:r>
-              <a:rPr lang="en-US" b="1" dirty="0">
-                <a:solidFill>
-                  <a:schemeClr val="tx2">
-                    <a:lumMod val="50000"/>
-                    <a:lumOff val="50000"/>
-                  </a:schemeClr>
-                </a:solidFill>
+              <a:rPr lang="en-US" sz="1800" b="1" kern="100" dirty="0">
+                <a:effectLst/>
+                <a:latin typeface="Arial" panose="020B0604020202020204" pitchFamily="34" charset="0"/>
+                <a:ea typeface="Noto Serif CJK SC"/>
+                <a:cs typeface="Lohit Devanagari"/>
               </a:rPr>
-              <a:t>USER PROFILE</a:t>
-            </a:r>
+              <a:t>CHAPTER 5</a:t>
+            </a:r>
+            <a:r>
+              <a:rPr lang="en-US" sz="1800" kern="100" dirty="0">
+                <a:effectLst/>
+                <a:latin typeface="Arial" panose="020B0604020202020204" pitchFamily="34" charset="0"/>
+                <a:ea typeface="Noto Serif CJK SC"/>
+                <a:cs typeface="Lohit Devanagari"/>
+              </a:rPr>
+              <a:t/>
+            </a:r>
+            <a:br>
+              <a:rPr lang="en-US" sz="1800" kern="100" dirty="0">
+                <a:effectLst/>
+                <a:latin typeface="Arial" panose="020B0604020202020204" pitchFamily="34" charset="0"/>
+                <a:ea typeface="Noto Serif CJK SC"/>
+                <a:cs typeface="Lohit Devanagari"/>
+              </a:rPr>
+            </a:br>
+            <a:endParaRPr lang="en-US" dirty="0"/>
+          </a:p>
+        </p:txBody>
+      </p:sp>
+      <p:sp>
+        <p:nvSpPr>
+          <p:cNvPr id="3" name="Subtitle 2">
+            <a:extLst>
+              <a:ext uri="{FF2B5EF4-FFF2-40B4-BE49-F238E27FC236}">
+                <a16:creationId xmlns:a16="http://schemas.microsoft.com/office/drawing/2014/main" xmlns="" id="{2E04C689-99B5-42B6-B4BE-661898DB0B73}"/>
+              </a:ext>
+            </a:extLst>
+          </p:cNvPr>
+          <p:cNvSpPr>
+            <a:spLocks noGrp="1"/>
+          </p:cNvSpPr>
+          <p:nvPr>
+            <p:ph type="subTitle" idx="1"/>
+          </p:nvPr>
+        </p:nvSpPr>
+        <p:spPr/>
+        <p:txBody>
+          <a:bodyPr/>
+          <a:lstStyle/>
+          <a:p>
+            <a:r>
+              <a:rPr lang="en-US" sz="2400" b="1" kern="100" dirty="0">
+                <a:effectLst/>
+                <a:latin typeface="Arial" panose="020B0604020202020204" pitchFamily="34" charset="0"/>
+                <a:ea typeface="Noto Serif CJK SC"/>
+                <a:cs typeface="Lohit Devanagari"/>
+              </a:rPr>
+              <a:t>CONCLUSION</a:t>
+            </a:r>
+            <a:endParaRPr lang="en-US" dirty="0"/>
           </a:p>
         </p:txBody>
       </p:sp>
     </p:spTree>
     <p:extLst>
       <p:ext uri="{BB962C8B-B14F-4D97-AF65-F5344CB8AC3E}">
-        <p14:creationId xmlns:p14="http://schemas.microsoft.com/office/powerpoint/2010/main" val="1394653253"/>
+        <p14:creationId xmlns:p14="http://schemas.microsoft.com/office/powerpoint/2010/main" val="992736471"/>
       </p:ext>
     </p:extLst>
   </p:cSld>
@@ -9934,115 +10142,12 @@
           <a:chExt cx="0" cy="0"/>
         </a:xfrm>
       </p:grpSpPr>
-      <p:pic>
-        <p:nvPicPr>
-          <p:cNvPr id="4" name="Picture 3"/>
-          <p:cNvPicPr>
-            <a:picLocks noChangeAspect="1"/>
-          </p:cNvPicPr>
-          <p:nvPr/>
-        </p:nvPicPr>
-        <p:blipFill>
-          <a:blip r:embed="rId2">
-            <a:extLst>
-              <a:ext uri="{28A0092B-C50C-407E-A947-70E740481C1C}">
-                <a14:useLocalDpi xmlns:a14="http://schemas.microsoft.com/office/drawing/2010/main" val="0"/>
-              </a:ext>
-            </a:extLst>
-          </a:blip>
-          <a:stretch>
-            <a:fillRect/>
-          </a:stretch>
-        </p:blipFill>
-        <p:spPr>
-          <a:xfrm>
-            <a:off x="998120" y="187023"/>
-            <a:ext cx="11003380" cy="6050491"/>
-          </a:xfrm>
-          <a:prstGeom prst="rect">
-            <a:avLst/>
-          </a:prstGeom>
-        </p:spPr>
-      </p:pic>
-      <p:sp>
-        <p:nvSpPr>
-          <p:cNvPr id="5" name="TextBox 4"/>
-          <p:cNvSpPr txBox="1"/>
-          <p:nvPr/>
-        </p:nvSpPr>
-        <p:spPr>
-          <a:xfrm>
-            <a:off x="5427617" y="6373189"/>
-            <a:ext cx="2403415" cy="369332"/>
-          </a:xfrm>
-          <a:prstGeom prst="rect">
-            <a:avLst/>
-          </a:prstGeom>
-          <a:noFill/>
-        </p:spPr>
-        <p:txBody>
-          <a:bodyPr wrap="none" rtlCol="0">
-            <a:spAutoFit/>
-          </a:bodyPr>
-          <a:lstStyle/>
-          <a:p>
-            <a:r>
-              <a:rPr lang="en-US" b="1" dirty="0">
-                <a:solidFill>
-                  <a:schemeClr val="tx2">
-                    <a:lumMod val="50000"/>
-                    <a:lumOff val="50000"/>
-                  </a:schemeClr>
-                </a:solidFill>
-              </a:rPr>
-              <a:t>STUDENT MARKSHEET</a:t>
-            </a:r>
-          </a:p>
-        </p:txBody>
-      </p:sp>
-    </p:spTree>
-    <p:extLst>
-      <p:ext uri="{BB962C8B-B14F-4D97-AF65-F5344CB8AC3E}">
-        <p14:creationId xmlns:p14="http://schemas.microsoft.com/office/powerpoint/2010/main" val="2342459094"/>
-      </p:ext>
-    </p:extLst>
-  </p:cSld>
-  <p:clrMapOvr>
-    <a:masterClrMapping/>
-  </p:clrMapOvr>
-  <p:timing>
-    <p:tnLst>
-      <p:par>
-        <p:cTn id="1" dur="indefinite" restart="never" nodeType="tmRoot"/>
-      </p:par>
-    </p:tnLst>
-  </p:timing>
-</p:sld>
-</file>
-
-<file path=ppt/slides/slide55.xml><?xml version="1.0" encoding="utf-8"?>
-<p:sld xmlns:a="http://schemas.openxmlformats.org/drawingml/2006/main" xmlns:r="http://schemas.openxmlformats.org/officeDocument/2006/relationships" xmlns:p="http://schemas.openxmlformats.org/presentationml/2006/main">
-  <p:cSld>
-    <p:spTree>
-      <p:nvGrpSpPr>
-        <p:cNvPr id="1" name=""/>
-        <p:cNvGrpSpPr/>
-        <p:nvPr/>
-      </p:nvGrpSpPr>
-      <p:grpSpPr>
-        <a:xfrm>
-          <a:off x="0" y="0"/>
-          <a:ext cx="0" cy="0"/>
-          <a:chOff x="0" y="0"/>
-          <a:chExt cx="0" cy="0"/>
-        </a:xfrm>
-      </p:grpSpPr>
       <p:sp>
         <p:nvSpPr>
           <p:cNvPr id="2" name="Title 1">
             <a:extLst>
               <a:ext uri="{FF2B5EF4-FFF2-40B4-BE49-F238E27FC236}">
-                <a16:creationId xmlns="" xmlns:a16="http://schemas.microsoft.com/office/drawing/2014/main" id="{5FFB0ED7-2AF1-476C-9C60-A000635BA4A7}"/>
+                <a16:creationId xmlns:a16="http://schemas.microsoft.com/office/drawing/2014/main" xmlns="" id="{4D9ADA70-27D5-43EF-A236-BEDD52013370}"/>
               </a:ext>
             </a:extLst>
           </p:cNvPr>
@@ -10050,22 +10155,29 @@
             <a:spLocks noGrp="1"/>
           </p:cNvSpPr>
           <p:nvPr>
-            <p:ph type="ctrTitle"/>
+            <p:ph type="title"/>
           </p:nvPr>
         </p:nvSpPr>
-        <p:spPr/>
-        <p:txBody>
-          <a:bodyPr/>
+        <p:spPr>
+          <a:xfrm>
+            <a:off x="1371600" y="685800"/>
+            <a:ext cx="9601200" cy="685800"/>
+          </a:xfrm>
+        </p:spPr>
+        <p:txBody>
+          <a:bodyPr>
+            <a:normAutofit fontScale="90000"/>
+          </a:bodyPr>
           <a:lstStyle/>
           <a:p>
             <a:r>
-              <a:rPr lang="en-US" sz="1800" b="1" kern="100" dirty="0">
+              <a:rPr lang="en-US" sz="3200" b="1" kern="100" dirty="0">
                 <a:effectLst/>
                 <a:latin typeface="Arial" panose="020B0604020202020204" pitchFamily="34" charset="0"/>
                 <a:ea typeface="Noto Serif CJK SC"/>
-                <a:cs typeface="Lohit Devanagari"/>
+                <a:cs typeface="Arial" panose="020B0604020202020204" pitchFamily="34" charset="0"/>
               </a:rPr>
-              <a:t>CHAPTER 5</a:t>
+              <a:t>                             Problem &amp; Solution</a:t>
             </a:r>
             <a:r>
               <a:rPr lang="en-US" sz="1800" kern="100" dirty="0">
@@ -10090,139 +10202,10 @@
       </p:sp>
       <p:sp>
         <p:nvSpPr>
-          <p:cNvPr id="3" name="Subtitle 2">
-            <a:extLst>
-              <a:ext uri="{FF2B5EF4-FFF2-40B4-BE49-F238E27FC236}">
-                <a16:creationId xmlns="" xmlns:a16="http://schemas.microsoft.com/office/drawing/2014/main" id="{2E04C689-99B5-42B6-B4BE-661898DB0B73}"/>
-              </a:ext>
-            </a:extLst>
-          </p:cNvPr>
-          <p:cNvSpPr>
-            <a:spLocks noGrp="1"/>
-          </p:cNvSpPr>
-          <p:nvPr>
-            <p:ph type="subTitle" idx="1"/>
-          </p:nvPr>
-        </p:nvSpPr>
-        <p:spPr/>
-        <p:txBody>
-          <a:bodyPr/>
-          <a:lstStyle/>
-          <a:p>
-            <a:r>
-              <a:rPr lang="en-US" sz="2400" b="1" kern="100" dirty="0">
-                <a:effectLst/>
-                <a:latin typeface="Arial" panose="020B0604020202020204" pitchFamily="34" charset="0"/>
-                <a:ea typeface="Noto Serif CJK SC"/>
-                <a:cs typeface="Lohit Devanagari"/>
-              </a:rPr>
-              <a:t>CONCLUSION</a:t>
-            </a:r>
-            <a:endParaRPr lang="en-US" dirty="0"/>
-          </a:p>
-        </p:txBody>
-      </p:sp>
-    </p:spTree>
-    <p:extLst>
-      <p:ext uri="{BB962C8B-B14F-4D97-AF65-F5344CB8AC3E}">
-        <p14:creationId xmlns:p14="http://schemas.microsoft.com/office/powerpoint/2010/main" val="992736471"/>
-      </p:ext>
-    </p:extLst>
-  </p:cSld>
-  <p:clrMapOvr>
-    <a:masterClrMapping/>
-  </p:clrMapOvr>
-  <p:timing>
-    <p:tnLst>
-      <p:par>
-        <p:cTn id="1" dur="indefinite" restart="never" nodeType="tmRoot"/>
-      </p:par>
-    </p:tnLst>
-  </p:timing>
-</p:sld>
-</file>
-
-<file path=ppt/slides/slide56.xml><?xml version="1.0" encoding="utf-8"?>
-<p:sld xmlns:a="http://schemas.openxmlformats.org/drawingml/2006/main" xmlns:r="http://schemas.openxmlformats.org/officeDocument/2006/relationships" xmlns:p="http://schemas.openxmlformats.org/presentationml/2006/main">
-  <p:cSld>
-    <p:spTree>
-      <p:nvGrpSpPr>
-        <p:cNvPr id="1" name=""/>
-        <p:cNvGrpSpPr/>
-        <p:nvPr/>
-      </p:nvGrpSpPr>
-      <p:grpSpPr>
-        <a:xfrm>
-          <a:off x="0" y="0"/>
-          <a:ext cx="0" cy="0"/>
-          <a:chOff x="0" y="0"/>
-          <a:chExt cx="0" cy="0"/>
-        </a:xfrm>
-      </p:grpSpPr>
-      <p:sp>
-        <p:nvSpPr>
-          <p:cNvPr id="2" name="Title 1">
-            <a:extLst>
-              <a:ext uri="{FF2B5EF4-FFF2-40B4-BE49-F238E27FC236}">
-                <a16:creationId xmlns="" xmlns:a16="http://schemas.microsoft.com/office/drawing/2014/main" id="{4D9ADA70-27D5-43EF-A236-BEDD52013370}"/>
-              </a:ext>
-            </a:extLst>
-          </p:cNvPr>
-          <p:cNvSpPr>
-            <a:spLocks noGrp="1"/>
-          </p:cNvSpPr>
-          <p:nvPr>
-            <p:ph type="title"/>
-          </p:nvPr>
-        </p:nvSpPr>
-        <p:spPr>
-          <a:xfrm>
-            <a:off x="1371600" y="685800"/>
-            <a:ext cx="9601200" cy="685800"/>
-          </a:xfrm>
-        </p:spPr>
-        <p:txBody>
-          <a:bodyPr>
-            <a:normAutofit fontScale="90000"/>
-          </a:bodyPr>
-          <a:lstStyle/>
-          <a:p>
-            <a:r>
-              <a:rPr lang="en-US" sz="3200" b="1" kern="100" dirty="0">
-                <a:effectLst/>
-                <a:latin typeface="Arial" panose="020B0604020202020204" pitchFamily="34" charset="0"/>
-                <a:ea typeface="Noto Serif CJK SC"/>
-                <a:cs typeface="Arial" panose="020B0604020202020204" pitchFamily="34" charset="0"/>
-              </a:rPr>
-              <a:t>                             Problem &amp; Solution</a:t>
-            </a:r>
-            <a:r>
-              <a:rPr lang="en-US" sz="1800" kern="100" dirty="0">
-                <a:effectLst/>
-                <a:latin typeface="Arial" panose="020B0604020202020204" pitchFamily="34" charset="0"/>
-                <a:ea typeface="Noto Serif CJK SC"/>
-                <a:cs typeface="Lohit Devanagari"/>
-              </a:rPr>
-              <a:t/>
-            </a:r>
-            <a:br>
-              <a:rPr lang="en-US" sz="1800" kern="100" dirty="0">
-                <a:effectLst/>
-                <a:latin typeface="Arial" panose="020B0604020202020204" pitchFamily="34" charset="0"/>
-                <a:ea typeface="Noto Serif CJK SC"/>
-                <a:cs typeface="Lohit Devanagari"/>
-              </a:rPr>
-            </a:br>
-            <a:endParaRPr lang="en-US" dirty="0"/>
-          </a:p>
-        </p:txBody>
-      </p:sp>
-      <p:sp>
-        <p:nvSpPr>
           <p:cNvPr id="3" name="Content Placeholder 2">
             <a:extLst>
               <a:ext uri="{FF2B5EF4-FFF2-40B4-BE49-F238E27FC236}">
-                <a16:creationId xmlns="" xmlns:a16="http://schemas.microsoft.com/office/drawing/2014/main" id="{FE1370AA-CE66-4DE5-86EC-473F0B38AB91}"/>
+                <a16:creationId xmlns:a16="http://schemas.microsoft.com/office/drawing/2014/main" xmlns="" id="{FE1370AA-CE66-4DE5-86EC-473F0B38AB91}"/>
               </a:ext>
             </a:extLst>
           </p:cNvPr>
@@ -10620,6 +10603,13 @@
   <p:clrMapOvr>
     <a:masterClrMapping/>
   </p:clrMapOvr>
+  <p:timing>
+    <p:tnLst>
+      <p:par>
+        <p:cTn id="1" dur="indefinite" restart="never" nodeType="tmRoot"/>
+      </p:par>
+    </p:tnLst>
+  </p:timing>
 </p:sld>
 </file>
 
@@ -10680,6 +10670,13 @@
   <p:clrMapOvr>
     <a:masterClrMapping/>
   </p:clrMapOvr>
+  <p:timing>
+    <p:tnLst>
+      <p:par>
+        <p:cTn id="1" dur="indefinite" restart="never" nodeType="tmRoot"/>
+      </p:par>
+    </p:tnLst>
+  </p:timing>
 </p:sld>
 </file>
 
@@ -10740,6 +10737,13 @@
   <p:clrMapOvr>
     <a:masterClrMapping/>
   </p:clrMapOvr>
+  <p:timing>
+    <p:tnLst>
+      <p:par>
+        <p:cTn id="1" dur="indefinite" restart="never" nodeType="tmRoot"/>
+      </p:par>
+    </p:tnLst>
+  </p:timing>
 </p:sld>
 </file>
 
@@ -10800,6 +10804,13 @@
   <p:clrMapOvr>
     <a:masterClrMapping/>
   </p:clrMapOvr>
+  <p:timing>
+    <p:tnLst>
+      <p:par>
+        <p:cTn id="1" dur="indefinite" restart="never" nodeType="tmRoot"/>
+      </p:par>
+    </p:tnLst>
+  </p:timing>
 </p:sld>
 </file>
 

--- a/Report/PRESENTATION/Final Presentation.pptx
+++ b/Report/PRESENTATION/Final Presentation.pptx
@@ -5,7 +5,7 @@
     <p:sldMasterId id="2147483660" r:id="rId1"/>
   </p:sldMasterIdLst>
   <p:notesMasterIdLst>
-    <p:notesMasterId r:id="rId56"/>
+    <p:notesMasterId r:id="rId55"/>
   </p:notesMasterIdLst>
   <p:sldIdLst>
     <p:sldId id="256" r:id="rId2"/>
@@ -49,19 +49,18 @@
     <p:sldId id="296" r:id="rId40"/>
     <p:sldId id="297" r:id="rId41"/>
     <p:sldId id="304" r:id="rId42"/>
-    <p:sldId id="299" r:id="rId43"/>
-    <p:sldId id="305" r:id="rId44"/>
-    <p:sldId id="316" r:id="rId45"/>
-    <p:sldId id="317" r:id="rId46"/>
-    <p:sldId id="309" r:id="rId47"/>
-    <p:sldId id="310" r:id="rId48"/>
-    <p:sldId id="311" r:id="rId49"/>
-    <p:sldId id="313" r:id="rId50"/>
-    <p:sldId id="314" r:id="rId51"/>
-    <p:sldId id="315" r:id="rId52"/>
-    <p:sldId id="300" r:id="rId53"/>
-    <p:sldId id="307" r:id="rId54"/>
-    <p:sldId id="308" r:id="rId55"/>
+    <p:sldId id="305" r:id="rId43"/>
+    <p:sldId id="316" r:id="rId44"/>
+    <p:sldId id="317" r:id="rId45"/>
+    <p:sldId id="309" r:id="rId46"/>
+    <p:sldId id="310" r:id="rId47"/>
+    <p:sldId id="311" r:id="rId48"/>
+    <p:sldId id="313" r:id="rId49"/>
+    <p:sldId id="314" r:id="rId50"/>
+    <p:sldId id="315" r:id="rId51"/>
+    <p:sldId id="300" r:id="rId52"/>
+    <p:sldId id="307" r:id="rId53"/>
+    <p:sldId id="308" r:id="rId54"/>
   </p:sldIdLst>
   <p:sldSz cx="12192000" cy="6858000"/>
   <p:notesSz cx="6858000" cy="9144000"/>
@@ -4815,7 +4814,7 @@
           <p:cNvPr id="8" name="Picture 7">
             <a:extLst>
               <a:ext uri="{FF2B5EF4-FFF2-40B4-BE49-F238E27FC236}">
-                <a16:creationId xmlns:a16="http://schemas.microsoft.com/office/drawing/2014/main" xmlns="" id="{8EA94497-2991-4E7F-8C8C-6DC3F2B14251}"/>
+                <a16:creationId xmlns="" xmlns:a16="http://schemas.microsoft.com/office/drawing/2014/main" id="{8EA94497-2991-4E7F-8C8C-6DC3F2B14251}"/>
               </a:ext>
             </a:extLst>
           </p:cNvPr>
@@ -4927,7 +4926,7 @@
           <p:cNvPr id="6" name="Picture 5">
             <a:extLst>
               <a:ext uri="{FF2B5EF4-FFF2-40B4-BE49-F238E27FC236}">
-                <a16:creationId xmlns:a16="http://schemas.microsoft.com/office/drawing/2014/main" xmlns="" id="{F2F99D93-7103-4FA0-AA46-06E63C94BEA2}"/>
+                <a16:creationId xmlns="" xmlns:a16="http://schemas.microsoft.com/office/drawing/2014/main" id="{F2F99D93-7103-4FA0-AA46-06E63C94BEA2}"/>
               </a:ext>
             </a:extLst>
           </p:cNvPr>
@@ -6064,7 +6063,7 @@
           <p:cNvPr id="9" name="Picture 8">
             <a:extLst>
               <a:ext uri="{FF2B5EF4-FFF2-40B4-BE49-F238E27FC236}">
-                <a16:creationId xmlns:a16="http://schemas.microsoft.com/office/drawing/2014/main" xmlns="" id="{293669F3-F46B-4CC1-A591-93DA96C1D8E5}"/>
+                <a16:creationId xmlns="" xmlns:a16="http://schemas.microsoft.com/office/drawing/2014/main" id="{293669F3-F46B-4CC1-A591-93DA96C1D8E5}"/>
               </a:ext>
             </a:extLst>
           </p:cNvPr>
@@ -6254,7 +6253,7 @@
           <p:cNvPr id="9" name="Picture 8">
             <a:extLst>
               <a:ext uri="{FF2B5EF4-FFF2-40B4-BE49-F238E27FC236}">
-                <a16:creationId xmlns:a16="http://schemas.microsoft.com/office/drawing/2014/main" xmlns="" id="{F6C69FF0-605C-416E-A81D-355493B36C23}"/>
+                <a16:creationId xmlns="" xmlns:a16="http://schemas.microsoft.com/office/drawing/2014/main" id="{F6C69FF0-605C-416E-A81D-355493B36C23}"/>
               </a:ext>
             </a:extLst>
           </p:cNvPr>
@@ -6518,7 +6517,7 @@
           <p:cNvPr id="2" name="Title 1">
             <a:extLst>
               <a:ext uri="{FF2B5EF4-FFF2-40B4-BE49-F238E27FC236}">
-                <a16:creationId xmlns:a16="http://schemas.microsoft.com/office/drawing/2014/main" xmlns="" id="{FA6C5C99-C5CC-4128-AEC1-BB01CFA19E4C}"/>
+                <a16:creationId xmlns="" xmlns:a16="http://schemas.microsoft.com/office/drawing/2014/main" id="{FA6C5C99-C5CC-4128-AEC1-BB01CFA19E4C}"/>
               </a:ext>
             </a:extLst>
           </p:cNvPr>
@@ -6550,7 +6549,7 @@
           <p:cNvPr id="3" name="Content Placeholder 2">
             <a:extLst>
               <a:ext uri="{FF2B5EF4-FFF2-40B4-BE49-F238E27FC236}">
-                <a16:creationId xmlns:a16="http://schemas.microsoft.com/office/drawing/2014/main" xmlns="" id="{DF74281C-C057-4929-9F65-962EA3ABC64D}"/>
+                <a16:creationId xmlns="" xmlns:a16="http://schemas.microsoft.com/office/drawing/2014/main" id="{DF74281C-C057-4929-9F65-962EA3ABC64D}"/>
               </a:ext>
             </a:extLst>
           </p:cNvPr>
@@ -6798,13 +6797,7 @@
       </p:grpSpPr>
       <p:pic>
         <p:nvPicPr>
-          <p:cNvPr id="8" name="Picture 7">
-            <a:extLst>
-              <a:ext uri="{FF2B5EF4-FFF2-40B4-BE49-F238E27FC236}">
-                <a16:creationId xmlns:a16="http://schemas.microsoft.com/office/drawing/2014/main" xmlns="" id="{40341967-EDB8-4740-8E70-5B1E27690509}"/>
-              </a:ext>
-            </a:extLst>
-          </p:cNvPr>
+          <p:cNvPr id="2" name="Picture 1"/>
           <p:cNvPicPr>
             <a:picLocks noChangeAspect="1"/>
           </p:cNvPicPr>
@@ -6824,8 +6817,8 @@
         </p:blipFill>
         <p:spPr>
           <a:xfrm>
-            <a:off x="748145" y="0"/>
-            <a:ext cx="11443855" cy="6741622"/>
+            <a:off x="783771" y="0"/>
+            <a:ext cx="11323865" cy="6858000"/>
           </a:xfrm>
           <a:prstGeom prst="rect">
             <a:avLst/>
@@ -6899,13 +6892,7 @@
       </p:sp>
       <p:pic>
         <p:nvPicPr>
-          <p:cNvPr id="5" name="Picture 4">
-            <a:extLst>
-              <a:ext uri="{FF2B5EF4-FFF2-40B4-BE49-F238E27FC236}">
-                <a16:creationId xmlns:a16="http://schemas.microsoft.com/office/drawing/2014/main" xmlns="" id="{EF85605A-3E1D-4E90-B105-02687B8EC017}"/>
-              </a:ext>
-            </a:extLst>
-          </p:cNvPr>
+          <p:cNvPr id="2" name="Picture 1"/>
           <p:cNvPicPr>
             <a:picLocks noChangeAspect="1"/>
           </p:cNvPicPr>
@@ -6925,8 +6912,8 @@
         </p:blipFill>
         <p:spPr>
           <a:xfrm>
-            <a:off x="731520" y="0"/>
-            <a:ext cx="11460479" cy="6716684"/>
+            <a:off x="726622" y="89807"/>
+            <a:ext cx="11405508" cy="6711044"/>
           </a:xfrm>
           <a:prstGeom prst="rect">
             <a:avLst/>
@@ -7208,14 +7195,10 @@
       </p:sp>
       <p:pic>
         <p:nvPicPr>
-          <p:cNvPr id="6" name="Picture 5">
-            <a:extLst>
-              <a:ext uri="{FF2B5EF4-FFF2-40B4-BE49-F238E27FC236}">
-                <a16:creationId xmlns:a16="http://schemas.microsoft.com/office/drawing/2014/main" xmlns="" id="{E026896A-1354-4F70-8C0C-F33DB160A25C}"/>
-              </a:ext>
-            </a:extLst>
-          </p:cNvPr>
-          <p:cNvPicPr/>
+          <p:cNvPr id="2" name="Picture 1"/>
+          <p:cNvPicPr>
+            <a:picLocks noChangeAspect="1"/>
+          </p:cNvPicPr>
           <p:nvPr/>
         </p:nvPicPr>
         <p:blipFill>
@@ -7232,8 +7215,8 @@
         </p:blipFill>
         <p:spPr>
           <a:xfrm>
-            <a:off x="783771" y="197738"/>
-            <a:ext cx="11291207" cy="6502320"/>
+            <a:off x="775606" y="65314"/>
+            <a:ext cx="11340193" cy="6735536"/>
           </a:xfrm>
           <a:prstGeom prst="rect">
             <a:avLst/>
@@ -8621,7 +8604,7 @@
           <p:cNvPr id="2" name="Title 1">
             <a:extLst>
               <a:ext uri="{FF2B5EF4-FFF2-40B4-BE49-F238E27FC236}">
-                <a16:creationId xmlns:a16="http://schemas.microsoft.com/office/drawing/2014/main" xmlns="" id="{81B75A47-2FB1-446D-804D-1B6EBE28C474}"/>
+                <a16:creationId xmlns="" xmlns:a16="http://schemas.microsoft.com/office/drawing/2014/main" id="{81B75A47-2FB1-446D-804D-1B6EBE28C474}"/>
               </a:ext>
             </a:extLst>
           </p:cNvPr>
@@ -8653,7 +8636,7 @@
           <p:cNvPr id="3" name="Content Placeholder 2">
             <a:extLst>
               <a:ext uri="{FF2B5EF4-FFF2-40B4-BE49-F238E27FC236}">
-                <a16:creationId xmlns:a16="http://schemas.microsoft.com/office/drawing/2014/main" xmlns="" id="{AC16DA37-B59D-4666-B78D-B3E8130BAC99}"/>
+                <a16:creationId xmlns="" xmlns:a16="http://schemas.microsoft.com/office/drawing/2014/main" id="{AC16DA37-B59D-4666-B78D-B3E8130BAC99}"/>
               </a:ext>
             </a:extLst>
           </p:cNvPr>
@@ -8722,9 +8705,7 @@
       <p:pic>
         <p:nvPicPr>
           <p:cNvPr id="4" name="Picture 3"/>
-          <p:cNvPicPr>
-            <a:picLocks noChangeAspect="1"/>
-          </p:cNvPicPr>
+          <p:cNvPicPr/>
           <p:nvPr/>
         </p:nvPicPr>
         <p:blipFill>
@@ -8741,54 +8722,76 @@
         </p:blipFill>
         <p:spPr>
           <a:xfrm>
-            <a:off x="1232808" y="767330"/>
-            <a:ext cx="10531928" cy="5421199"/>
+            <a:off x="759277" y="195262"/>
+            <a:ext cx="11364685" cy="3315381"/>
           </a:xfrm>
           <a:prstGeom prst="rect">
             <a:avLst/>
           </a:prstGeom>
         </p:spPr>
       </p:pic>
-      <p:sp>
-        <p:nvSpPr>
-          <p:cNvPr id="5" name="TextBox 4"/>
-          <p:cNvSpPr txBox="1"/>
+      <p:pic>
+        <p:nvPicPr>
+          <p:cNvPr id="5" name="Picture 4"/>
+          <p:cNvPicPr/>
           <p:nvPr/>
-        </p:nvSpPr>
-        <p:spPr>
-          <a:xfrm>
-            <a:off x="5534020" y="6332219"/>
-            <a:ext cx="1929503" cy="369332"/>
-          </a:xfrm>
-          <a:prstGeom prst="rect">
-            <a:avLst/>
-          </a:prstGeom>
-          <a:noFill/>
-        </p:spPr>
-        <p:txBody>
-          <a:bodyPr wrap="none" rtlCol="0">
-            <a:spAutoFit/>
+        </p:nvPicPr>
+        <p:blipFill>
+          <a:blip r:embed="rId3">
+            <a:extLst>
+              <a:ext uri="{28A0092B-C50C-407E-A947-70E740481C1C}">
+                <a14:useLocalDpi xmlns:a14="http://schemas.microsoft.com/office/drawing/2010/main" val="0"/>
+              </a:ext>
+            </a:extLst>
+          </a:blip>
+          <a:stretch>
+            <a:fillRect/>
+          </a:stretch>
+        </p:blipFill>
+        <p:spPr>
+          <a:xfrm>
+            <a:off x="759278" y="3510643"/>
+            <a:ext cx="11364685" cy="3280002"/>
+          </a:xfrm>
+          <a:prstGeom prst="rect">
+            <a:avLst/>
+          </a:prstGeom>
+        </p:spPr>
+      </p:pic>
+      <p:sp>
+        <p:nvSpPr>
+          <p:cNvPr id="2" name="Title 1"/>
+          <p:cNvSpPr>
+            <a:spLocks noGrp="1"/>
+          </p:cNvSpPr>
+          <p:nvPr>
+            <p:ph type="title"/>
+          </p:nvPr>
+        </p:nvSpPr>
+        <p:spPr>
+          <a:xfrm rot="16200000">
+            <a:off x="-2134964" y="3086100"/>
+            <a:ext cx="5004707" cy="391886"/>
+          </a:xfrm>
+        </p:spPr>
+        <p:txBody>
+          <a:bodyPr>
+            <a:normAutofit/>
           </a:bodyPr>
           <a:lstStyle/>
           <a:p>
             <a:r>
-              <a:rPr lang="en-US" b="1" dirty="0">
-                <a:solidFill>
-                  <a:schemeClr val="tx2">
-                    <a:lumMod val="50000"/>
-                    <a:lumOff val="50000"/>
-                  </a:schemeClr>
-                </a:solidFill>
-              </a:rPr>
-              <a:t>LOGIN INTERFACE</a:t>
-            </a:r>
+              <a:rPr lang="en-US" sz="2000" dirty="0" smtClean="0"/>
+              <a:t>School-Wise Student enrollment comparison</a:t>
+            </a:r>
+            <a:endParaRPr lang="en-US" sz="2000" dirty="0"/>
           </a:p>
         </p:txBody>
       </p:sp>
     </p:spTree>
     <p:extLst>
       <p:ext uri="{BB962C8B-B14F-4D97-AF65-F5344CB8AC3E}">
-        <p14:creationId xmlns:p14="http://schemas.microsoft.com/office/powerpoint/2010/main" val="1467340380"/>
+        <p14:creationId xmlns:p14="http://schemas.microsoft.com/office/powerpoint/2010/main" val="911812731"/>
       </p:ext>
     </p:extLst>
   </p:cSld>
@@ -8824,7 +8827,7 @@
       </p:grpSpPr>
       <p:pic>
         <p:nvPicPr>
-          <p:cNvPr id="4" name="Picture 3"/>
+          <p:cNvPr id="2" name="Picture 1"/>
           <p:cNvPicPr/>
           <p:nvPr/>
         </p:nvPicPr>
@@ -8842,8 +8845,8 @@
         </p:blipFill>
         <p:spPr>
           <a:xfrm>
-            <a:off x="759277" y="195262"/>
-            <a:ext cx="11364685" cy="3315381"/>
+            <a:off x="749073" y="114662"/>
+            <a:ext cx="11383056" cy="3362960"/>
           </a:xfrm>
           <a:prstGeom prst="rect">
             <a:avLst/>
@@ -8852,7 +8855,7 @@
       </p:pic>
       <p:pic>
         <p:nvPicPr>
-          <p:cNvPr id="5" name="Picture 4"/>
+          <p:cNvPr id="3" name="Picture 2"/>
           <p:cNvPicPr/>
           <p:nvPr/>
         </p:nvPicPr>
@@ -8870,8 +8873,8 @@
         </p:blipFill>
         <p:spPr>
           <a:xfrm>
-            <a:off x="759278" y="3510643"/>
-            <a:ext cx="11364685" cy="3280002"/>
+            <a:off x="749073" y="3477622"/>
+            <a:ext cx="11383056" cy="3105785"/>
           </a:xfrm>
           <a:prstGeom prst="rect">
             <a:avLst/>
@@ -8880,38 +8883,40 @@
       </p:pic>
       <p:sp>
         <p:nvSpPr>
-          <p:cNvPr id="2" name="Title 1"/>
-          <p:cNvSpPr>
-            <a:spLocks noGrp="1"/>
-          </p:cNvSpPr>
-          <p:nvPr>
-            <p:ph type="title"/>
-          </p:nvPr>
+          <p:cNvPr id="4" name="Rectangle 3"/>
+          <p:cNvSpPr/>
+          <p:nvPr/>
         </p:nvSpPr>
         <p:spPr>
           <a:xfrm rot="16200000">
-            <a:off x="-2134964" y="3086100"/>
-            <a:ext cx="5004707" cy="391886"/>
-          </a:xfrm>
-        </p:spPr>
-        <p:txBody>
-          <a:bodyPr>
-            <a:normAutofit/>
+            <a:off x="-2161159" y="3097377"/>
+            <a:ext cx="5010731" cy="369332"/>
+          </a:xfrm>
+          <a:prstGeom prst="rect">
+            <a:avLst/>
+          </a:prstGeom>
+        </p:spPr>
+        <p:txBody>
+          <a:bodyPr wrap="none">
+            <a:spAutoFit/>
           </a:bodyPr>
           <a:lstStyle/>
           <a:p>
             <a:r>
-              <a:rPr lang="en-US" sz="2000" dirty="0" smtClean="0"/>
-              <a:t>School-Wise Student enrollment comparison</a:t>
-            </a:r>
-            <a:endParaRPr lang="en-US" sz="2000" dirty="0"/>
+              <a:rPr lang="en-US" dirty="0" smtClean="0"/>
+              <a:t>Department-Wise </a:t>
+            </a:r>
+            <a:r>
+              <a:rPr lang="en-US" dirty="0"/>
+              <a:t>Student enrollment comparison</a:t>
+            </a:r>
           </a:p>
         </p:txBody>
       </p:sp>
     </p:spTree>
     <p:extLst>
       <p:ext uri="{BB962C8B-B14F-4D97-AF65-F5344CB8AC3E}">
-        <p14:creationId xmlns:p14="http://schemas.microsoft.com/office/powerpoint/2010/main" val="911812731"/>
+        <p14:creationId xmlns:p14="http://schemas.microsoft.com/office/powerpoint/2010/main" val="106718804"/>
       </p:ext>
     </p:extLst>
   </p:cSld>
@@ -8965,8 +8970,8 @@
         </p:blipFill>
         <p:spPr>
           <a:xfrm>
-            <a:off x="749073" y="114662"/>
-            <a:ext cx="11383056" cy="3362960"/>
+            <a:off x="708251" y="65315"/>
+            <a:ext cx="11399385" cy="3415665"/>
           </a:xfrm>
           <a:prstGeom prst="rect">
             <a:avLst/>
@@ -8993,8 +8998,8 @@
         </p:blipFill>
         <p:spPr>
           <a:xfrm>
-            <a:off x="749073" y="3477622"/>
-            <a:ext cx="11383056" cy="3105785"/>
+            <a:off x="792208" y="3480980"/>
+            <a:ext cx="11315428" cy="3303541"/>
           </a:xfrm>
           <a:prstGeom prst="rect">
             <a:avLst/>
@@ -9009,8 +9014,8 @@
         </p:nvSpPr>
         <p:spPr>
           <a:xfrm rot="16200000">
-            <a:off x="-2161159" y="3097377"/>
-            <a:ext cx="5010731" cy="369332"/>
+            <a:off x="-1948618" y="3154527"/>
+            <a:ext cx="4659032" cy="369332"/>
           </a:xfrm>
           <a:prstGeom prst="rect">
             <a:avLst/>
@@ -9024,7 +9029,7 @@
           <a:p>
             <a:r>
               <a:rPr lang="en-US" dirty="0" smtClean="0"/>
-              <a:t>Department-Wise </a:t>
+              <a:t>Program-Wise </a:t>
             </a:r>
             <a:r>
               <a:rPr lang="en-US" dirty="0"/>
@@ -9036,7 +9041,7 @@
     </p:spTree>
     <p:extLst>
       <p:ext uri="{BB962C8B-B14F-4D97-AF65-F5344CB8AC3E}">
-        <p14:creationId xmlns:p14="http://schemas.microsoft.com/office/powerpoint/2010/main" val="106718804"/>
+        <p14:creationId xmlns:p14="http://schemas.microsoft.com/office/powerpoint/2010/main" val="657157802"/>
       </p:ext>
     </p:extLst>
   </p:cSld>
@@ -9072,8 +9077,10 @@
       </p:grpSpPr>
       <p:pic>
         <p:nvPicPr>
-          <p:cNvPr id="2" name="Picture 1"/>
-          <p:cNvPicPr/>
+          <p:cNvPr id="4" name="Picture 3"/>
+          <p:cNvPicPr>
+            <a:picLocks noChangeAspect="1"/>
+          </p:cNvPicPr>
           <p:nvPr/>
         </p:nvPicPr>
         <p:blipFill>
@@ -9090,8 +9097,8 @@
         </p:blipFill>
         <p:spPr>
           <a:xfrm>
-            <a:off x="708251" y="65315"/>
-            <a:ext cx="11399385" cy="3415665"/>
+            <a:off x="751560" y="66502"/>
+            <a:ext cx="11368396" cy="2931868"/>
           </a:xfrm>
           <a:prstGeom prst="rect">
             <a:avLst/>
@@ -9100,8 +9107,10 @@
       </p:pic>
       <p:pic>
         <p:nvPicPr>
-          <p:cNvPr id="3" name="Picture 2"/>
-          <p:cNvPicPr/>
+          <p:cNvPr id="5" name="Picture 4"/>
+          <p:cNvPicPr>
+            <a:picLocks noChangeAspect="1"/>
+          </p:cNvPicPr>
           <p:nvPr/>
         </p:nvPicPr>
         <p:blipFill>
@@ -9118,50 +9127,18 @@
         </p:blipFill>
         <p:spPr>
           <a:xfrm>
-            <a:off x="792208" y="3480980"/>
-            <a:ext cx="11315428" cy="3303541"/>
+            <a:off x="751560" y="2998370"/>
+            <a:ext cx="11368396" cy="3859630"/>
           </a:xfrm>
           <a:prstGeom prst="rect">
             <a:avLst/>
           </a:prstGeom>
         </p:spPr>
       </p:pic>
-      <p:sp>
-        <p:nvSpPr>
-          <p:cNvPr id="4" name="Rectangle 3"/>
-          <p:cNvSpPr/>
-          <p:nvPr/>
-        </p:nvSpPr>
-        <p:spPr>
-          <a:xfrm rot="16200000">
-            <a:off x="-1948618" y="3154527"/>
-            <a:ext cx="4659032" cy="369332"/>
-          </a:xfrm>
-          <a:prstGeom prst="rect">
-            <a:avLst/>
-          </a:prstGeom>
-        </p:spPr>
-        <p:txBody>
-          <a:bodyPr wrap="none">
-            <a:spAutoFit/>
-          </a:bodyPr>
-          <a:lstStyle/>
-          <a:p>
-            <a:r>
-              <a:rPr lang="en-US" dirty="0" smtClean="0"/>
-              <a:t>Program-Wise </a:t>
-            </a:r>
-            <a:r>
-              <a:rPr lang="en-US" dirty="0"/>
-              <a:t>Student enrollment comparison</a:t>
-            </a:r>
-          </a:p>
-        </p:txBody>
-      </p:sp>
     </p:spTree>
     <p:extLst>
       <p:ext uri="{BB962C8B-B14F-4D97-AF65-F5344CB8AC3E}">
-        <p14:creationId xmlns:p14="http://schemas.microsoft.com/office/powerpoint/2010/main" val="657157802"/>
+        <p14:creationId xmlns:p14="http://schemas.microsoft.com/office/powerpoint/2010/main" val="1755423707"/>
       </p:ext>
     </p:extLst>
   </p:cSld>
@@ -9217,8 +9194,8 @@
         </p:blipFill>
         <p:spPr>
           <a:xfrm>
-            <a:off x="751560" y="66502"/>
-            <a:ext cx="11368396" cy="2931868"/>
+            <a:off x="739833" y="58190"/>
+            <a:ext cx="11355185" cy="2842952"/>
           </a:xfrm>
           <a:prstGeom prst="rect">
             <a:avLst/>
@@ -9247,8 +9224,8 @@
         </p:blipFill>
         <p:spPr>
           <a:xfrm>
-            <a:off x="751560" y="2998370"/>
-            <a:ext cx="11368396" cy="3859630"/>
+            <a:off x="739833" y="2901142"/>
+            <a:ext cx="11355185" cy="3882043"/>
           </a:xfrm>
           <a:prstGeom prst="rect">
             <a:avLst/>
@@ -9258,7 +9235,7 @@
     </p:spTree>
     <p:extLst>
       <p:ext uri="{BB962C8B-B14F-4D97-AF65-F5344CB8AC3E}">
-        <p14:creationId xmlns:p14="http://schemas.microsoft.com/office/powerpoint/2010/main" val="1755423707"/>
+        <p14:creationId xmlns:p14="http://schemas.microsoft.com/office/powerpoint/2010/main" val="2358042621"/>
       </p:ext>
     </p:extLst>
   </p:cSld>
@@ -9314,8 +9291,8 @@
         </p:blipFill>
         <p:spPr>
           <a:xfrm>
-            <a:off x="739833" y="58190"/>
-            <a:ext cx="11355185" cy="2842952"/>
+            <a:off x="718457" y="91603"/>
+            <a:ext cx="11389179" cy="3125126"/>
           </a:xfrm>
           <a:prstGeom prst="rect">
             <a:avLst/>
@@ -9344,8 +9321,8 @@
         </p:blipFill>
         <p:spPr>
           <a:xfrm>
-            <a:off x="739833" y="2901142"/>
-            <a:ext cx="11355185" cy="3882043"/>
+            <a:off x="718457" y="3216729"/>
+            <a:ext cx="11389178" cy="3641271"/>
           </a:xfrm>
           <a:prstGeom prst="rect">
             <a:avLst/>
@@ -9355,7 +9332,7 @@
     </p:spTree>
     <p:extLst>
       <p:ext uri="{BB962C8B-B14F-4D97-AF65-F5344CB8AC3E}">
-        <p14:creationId xmlns:p14="http://schemas.microsoft.com/office/powerpoint/2010/main" val="2358042621"/>
+        <p14:creationId xmlns:p14="http://schemas.microsoft.com/office/powerpoint/2010/main" val="478491828"/>
       </p:ext>
     </p:extLst>
   </p:cSld>
@@ -9391,7 +9368,7 @@
       </p:grpSpPr>
       <p:pic>
         <p:nvPicPr>
-          <p:cNvPr id="4" name="Picture 3"/>
+          <p:cNvPr id="2" name="Picture 1"/>
           <p:cNvPicPr>
             <a:picLocks noChangeAspect="1"/>
           </p:cNvPicPr>
@@ -9411,38 +9388,8 @@
         </p:blipFill>
         <p:spPr>
           <a:xfrm>
-            <a:off x="718457" y="91603"/>
-            <a:ext cx="11389179" cy="3125126"/>
-          </a:xfrm>
-          <a:prstGeom prst="rect">
-            <a:avLst/>
-          </a:prstGeom>
-        </p:spPr>
-      </p:pic>
-      <p:pic>
-        <p:nvPicPr>
-          <p:cNvPr id="5" name="Picture 4"/>
-          <p:cNvPicPr>
-            <a:picLocks noChangeAspect="1"/>
-          </p:cNvPicPr>
-          <p:nvPr/>
-        </p:nvPicPr>
-        <p:blipFill>
-          <a:blip r:embed="rId3">
-            <a:extLst>
-              <a:ext uri="{28A0092B-C50C-407E-A947-70E740481C1C}">
-                <a14:useLocalDpi xmlns:a14="http://schemas.microsoft.com/office/drawing/2010/main" val="0"/>
-              </a:ext>
-            </a:extLst>
-          </a:blip>
-          <a:stretch>
-            <a:fillRect/>
-          </a:stretch>
-        </p:blipFill>
-        <p:spPr>
-          <a:xfrm>
-            <a:off x="718457" y="3216729"/>
-            <a:ext cx="11389178" cy="3641271"/>
+            <a:off x="718559" y="73478"/>
+            <a:ext cx="11389078" cy="6721886"/>
           </a:xfrm>
           <a:prstGeom prst="rect">
             <a:avLst/>
@@ -9452,7 +9399,7 @@
     </p:spTree>
     <p:extLst>
       <p:ext uri="{BB962C8B-B14F-4D97-AF65-F5344CB8AC3E}">
-        <p14:creationId xmlns:p14="http://schemas.microsoft.com/office/powerpoint/2010/main" val="478491828"/>
+        <p14:creationId xmlns:p14="http://schemas.microsoft.com/office/powerpoint/2010/main" val="4039339073"/>
       </p:ext>
     </p:extLst>
   </p:cSld>
@@ -9508,8 +9455,38 @@
         </p:blipFill>
         <p:spPr>
           <a:xfrm>
-            <a:off x="718559" y="73478"/>
-            <a:ext cx="11389078" cy="6721886"/>
+            <a:off x="726622" y="75770"/>
+            <a:ext cx="11397342" cy="2267380"/>
+          </a:xfrm>
+          <a:prstGeom prst="rect">
+            <a:avLst/>
+          </a:prstGeom>
+        </p:spPr>
+      </p:pic>
+      <p:pic>
+        <p:nvPicPr>
+          <p:cNvPr id="3" name="Picture 2"/>
+          <p:cNvPicPr>
+            <a:picLocks noChangeAspect="1"/>
+          </p:cNvPicPr>
+          <p:nvPr/>
+        </p:nvPicPr>
+        <p:blipFill>
+          <a:blip r:embed="rId3">
+            <a:extLst>
+              <a:ext uri="{28A0092B-C50C-407E-A947-70E740481C1C}">
+                <a14:useLocalDpi xmlns:a14="http://schemas.microsoft.com/office/drawing/2010/main" val="0"/>
+              </a:ext>
+            </a:extLst>
+          </a:blip>
+          <a:stretch>
+            <a:fillRect/>
+          </a:stretch>
+        </p:blipFill>
+        <p:spPr>
+          <a:xfrm>
+            <a:off x="726622" y="2343149"/>
+            <a:ext cx="11397342" cy="4433207"/>
           </a:xfrm>
           <a:prstGeom prst="rect">
             <a:avLst/>
@@ -9519,7 +9496,7 @@
     </p:spTree>
     <p:extLst>
       <p:ext uri="{BB962C8B-B14F-4D97-AF65-F5344CB8AC3E}">
-        <p14:creationId xmlns:p14="http://schemas.microsoft.com/office/powerpoint/2010/main" val="4039339073"/>
+        <p14:creationId xmlns:p14="http://schemas.microsoft.com/office/powerpoint/2010/main" val="2269761043"/>
       </p:ext>
     </p:extLst>
   </p:cSld>
@@ -9707,8 +9684,8 @@
         </p:blipFill>
         <p:spPr>
           <a:xfrm>
-            <a:off x="726622" y="75770"/>
-            <a:ext cx="11397342" cy="2267380"/>
+            <a:off x="755880" y="63665"/>
+            <a:ext cx="11359920" cy="3308185"/>
           </a:xfrm>
           <a:prstGeom prst="rect">
             <a:avLst/>
@@ -9737,8 +9714,8 @@
         </p:blipFill>
         <p:spPr>
           <a:xfrm>
-            <a:off x="726622" y="2343149"/>
-            <a:ext cx="11397342" cy="4433207"/>
+            <a:off x="755881" y="3371850"/>
+            <a:ext cx="11359920" cy="3393180"/>
           </a:xfrm>
           <a:prstGeom prst="rect">
             <a:avLst/>
@@ -9748,7 +9725,7 @@
     </p:spTree>
     <p:extLst>
       <p:ext uri="{BB962C8B-B14F-4D97-AF65-F5344CB8AC3E}">
-        <p14:creationId xmlns:p14="http://schemas.microsoft.com/office/powerpoint/2010/main" val="2269761043"/>
+        <p14:creationId xmlns:p14="http://schemas.microsoft.com/office/powerpoint/2010/main" val="645631087"/>
       </p:ext>
     </p:extLst>
   </p:cSld>
@@ -9804,8 +9781,8 @@
         </p:blipFill>
         <p:spPr>
           <a:xfrm>
-            <a:off x="755880" y="63665"/>
-            <a:ext cx="11359920" cy="3308185"/>
+            <a:off x="733302" y="94188"/>
+            <a:ext cx="11358005" cy="2673950"/>
           </a:xfrm>
           <a:prstGeom prst="rect">
             <a:avLst/>
@@ -9834,18 +9811,62 @@
         </p:blipFill>
         <p:spPr>
           <a:xfrm>
-            <a:off x="755881" y="3371850"/>
-            <a:ext cx="11359920" cy="3393180"/>
+            <a:off x="733302" y="2857946"/>
+            <a:ext cx="11358005" cy="3926576"/>
           </a:xfrm>
           <a:prstGeom prst="rect">
             <a:avLst/>
           </a:prstGeom>
         </p:spPr>
       </p:pic>
+      <p:sp>
+        <p:nvSpPr>
+          <p:cNvPr id="6" name="Title 5"/>
+          <p:cNvSpPr>
+            <a:spLocks noGrp="1"/>
+          </p:cNvSpPr>
+          <p:nvPr>
+            <p:ph type="title"/>
+          </p:nvPr>
+        </p:nvSpPr>
+        <p:spPr>
+          <a:xfrm rot="16200000">
+            <a:off x="-890055" y="2666086"/>
+            <a:ext cx="2506436" cy="383721"/>
+          </a:xfrm>
+        </p:spPr>
+        <p:txBody>
+          <a:bodyPr>
+            <a:normAutofit/>
+          </a:bodyPr>
+          <a:lstStyle/>
+          <a:p>
+            <a:r>
+              <a:rPr lang="en-US" sz="2000" dirty="0" smtClean="0">
+                <a:solidFill>
+                  <a:schemeClr val="tx1">
+                    <a:lumMod val="95000"/>
+                    <a:lumOff val="5000"/>
+                  </a:schemeClr>
+                </a:solidFill>
+              </a:rPr>
+              <a:t>Analytics Dashboard</a:t>
+            </a:r>
+            <a:endParaRPr lang="en-US" sz="2000" dirty="0">
+              <a:solidFill>
+                <a:schemeClr val="tx1">
+                  <a:lumMod val="95000"/>
+                  <a:lumOff val="5000"/>
+                </a:schemeClr>
+              </a:solidFill>
+            </a:endParaRPr>
+          </a:p>
+        </p:txBody>
+      </p:sp>
     </p:spTree>
     <p:extLst>
       <p:ext uri="{BB962C8B-B14F-4D97-AF65-F5344CB8AC3E}">
-        <p14:creationId xmlns:p14="http://schemas.microsoft.com/office/powerpoint/2010/main" val="645631087"/>
+        <p14:creationId xmlns:p14="http://schemas.microsoft.com/office/powerpoint/2010/main" val="3851175976"/>
       </p:ext>
     </p:extLst>
   </p:cSld>
@@ -9879,114 +9900,95 @@
           <a:chExt cx="0" cy="0"/>
         </a:xfrm>
       </p:grpSpPr>
-      <p:pic>
-        <p:nvPicPr>
-          <p:cNvPr id="2" name="Picture 1"/>
-          <p:cNvPicPr>
-            <a:picLocks noChangeAspect="1"/>
-          </p:cNvPicPr>
-          <p:nvPr/>
-        </p:nvPicPr>
-        <p:blipFill>
-          <a:blip r:embed="rId2">
+      <p:sp>
+        <p:nvSpPr>
+          <p:cNvPr id="2" name="Title 1">
             <a:extLst>
-              <a:ext uri="{28A0092B-C50C-407E-A947-70E740481C1C}">
-                <a14:useLocalDpi xmlns:a14="http://schemas.microsoft.com/office/drawing/2010/main" val="0"/>
+              <a:ext uri="{FF2B5EF4-FFF2-40B4-BE49-F238E27FC236}">
+                <a16:creationId xmlns="" xmlns:a16="http://schemas.microsoft.com/office/drawing/2014/main" id="{5FFB0ED7-2AF1-476C-9C60-A000635BA4A7}"/>
               </a:ext>
             </a:extLst>
-          </a:blip>
-          <a:stretch>
-            <a:fillRect/>
-          </a:stretch>
-        </p:blipFill>
-        <p:spPr>
-          <a:xfrm>
-            <a:off x="733302" y="94188"/>
-            <a:ext cx="11358005" cy="2673950"/>
-          </a:xfrm>
-          <a:prstGeom prst="rect">
-            <a:avLst/>
-          </a:prstGeom>
-        </p:spPr>
-      </p:pic>
-      <p:pic>
-        <p:nvPicPr>
-          <p:cNvPr id="3" name="Picture 2"/>
-          <p:cNvPicPr>
-            <a:picLocks noChangeAspect="1"/>
-          </p:cNvPicPr>
-          <p:nvPr/>
-        </p:nvPicPr>
-        <p:blipFill>
-          <a:blip r:embed="rId3">
-            <a:extLst>
-              <a:ext uri="{28A0092B-C50C-407E-A947-70E740481C1C}">
-                <a14:useLocalDpi xmlns:a14="http://schemas.microsoft.com/office/drawing/2010/main" val="0"/>
-              </a:ext>
-            </a:extLst>
-          </a:blip>
-          <a:stretch>
-            <a:fillRect/>
-          </a:stretch>
-        </p:blipFill>
-        <p:spPr>
-          <a:xfrm>
-            <a:off x="733302" y="2857946"/>
-            <a:ext cx="11358005" cy="3926576"/>
-          </a:xfrm>
-          <a:prstGeom prst="rect">
-            <a:avLst/>
-          </a:prstGeom>
-        </p:spPr>
-      </p:pic>
-      <p:sp>
-        <p:nvSpPr>
-          <p:cNvPr id="6" name="Title 5"/>
+          </p:cNvPr>
           <p:cNvSpPr>
             <a:spLocks noGrp="1"/>
           </p:cNvSpPr>
           <p:nvPr>
-            <p:ph type="title"/>
+            <p:ph type="ctrTitle"/>
           </p:nvPr>
         </p:nvSpPr>
-        <p:spPr>
-          <a:xfrm rot="16200000">
-            <a:off x="-890055" y="2666086"/>
-            <a:ext cx="2506436" cy="383721"/>
-          </a:xfrm>
-        </p:spPr>
-        <p:txBody>
-          <a:bodyPr>
-            <a:normAutofit/>
-          </a:bodyPr>
+        <p:spPr/>
+        <p:txBody>
+          <a:bodyPr/>
           <a:lstStyle/>
           <a:p>
             <a:r>
-              <a:rPr lang="en-US" sz="2000" dirty="0" smtClean="0">
-                <a:solidFill>
-                  <a:schemeClr val="tx1">
-                    <a:lumMod val="95000"/>
-                    <a:lumOff val="5000"/>
-                  </a:schemeClr>
-                </a:solidFill>
+              <a:rPr lang="en-US" sz="1800" b="1" kern="100" dirty="0">
+                <a:effectLst/>
+                <a:latin typeface="Arial" panose="020B0604020202020204" pitchFamily="34" charset="0"/>
+                <a:ea typeface="Noto Serif CJK SC"/>
+                <a:cs typeface="Lohit Devanagari"/>
               </a:rPr>
-              <a:t>Analytics Dashboard</a:t>
-            </a:r>
-            <a:endParaRPr lang="en-US" sz="2000" dirty="0">
-              <a:solidFill>
-                <a:schemeClr val="tx1">
-                  <a:lumMod val="95000"/>
-                  <a:lumOff val="5000"/>
-                </a:schemeClr>
-              </a:solidFill>
-            </a:endParaRPr>
+              <a:t>CHAPTER 5</a:t>
+            </a:r>
+            <a:r>
+              <a:rPr lang="en-US" sz="1800" kern="100" dirty="0">
+                <a:effectLst/>
+                <a:latin typeface="Arial" panose="020B0604020202020204" pitchFamily="34" charset="0"/>
+                <a:ea typeface="Noto Serif CJK SC"/>
+                <a:cs typeface="Lohit Devanagari"/>
+              </a:rPr>
+              <a:t/>
+            </a:r>
+            <a:br>
+              <a:rPr lang="en-US" sz="1800" kern="100" dirty="0">
+                <a:effectLst/>
+                <a:latin typeface="Arial" panose="020B0604020202020204" pitchFamily="34" charset="0"/>
+                <a:ea typeface="Noto Serif CJK SC"/>
+                <a:cs typeface="Lohit Devanagari"/>
+              </a:rPr>
+            </a:br>
+            <a:endParaRPr lang="en-US" dirty="0"/>
+          </a:p>
+        </p:txBody>
+      </p:sp>
+      <p:sp>
+        <p:nvSpPr>
+          <p:cNvPr id="3" name="Subtitle 2">
+            <a:extLst>
+              <a:ext uri="{FF2B5EF4-FFF2-40B4-BE49-F238E27FC236}">
+                <a16:creationId xmlns="" xmlns:a16="http://schemas.microsoft.com/office/drawing/2014/main" id="{2E04C689-99B5-42B6-B4BE-661898DB0B73}"/>
+              </a:ext>
+            </a:extLst>
+          </p:cNvPr>
+          <p:cNvSpPr>
+            <a:spLocks noGrp="1"/>
+          </p:cNvSpPr>
+          <p:nvPr>
+            <p:ph type="subTitle" idx="1"/>
+          </p:nvPr>
+        </p:nvSpPr>
+        <p:spPr/>
+        <p:txBody>
+          <a:bodyPr/>
+          <a:lstStyle/>
+          <a:p>
+            <a:r>
+              <a:rPr lang="en-US" sz="2400" b="1" kern="100" dirty="0">
+                <a:effectLst/>
+                <a:latin typeface="Arial" panose="020B0604020202020204" pitchFamily="34" charset="0"/>
+                <a:ea typeface="Noto Serif CJK SC"/>
+                <a:cs typeface="Lohit Devanagari"/>
+              </a:rPr>
+              <a:t>CONCLUSION</a:t>
+            </a:r>
+            <a:endParaRPr lang="en-US" dirty="0"/>
           </a:p>
         </p:txBody>
       </p:sp>
     </p:spTree>
     <p:extLst>
       <p:ext uri="{BB962C8B-B14F-4D97-AF65-F5344CB8AC3E}">
-        <p14:creationId xmlns:p14="http://schemas.microsoft.com/office/powerpoint/2010/main" val="3851175976"/>
+        <p14:creationId xmlns:p14="http://schemas.microsoft.com/office/powerpoint/2010/main" val="992736471"/>
       </p:ext>
     </p:extLst>
   </p:cSld>
@@ -10025,7 +10027,7 @@
           <p:cNvPr id="2" name="Title 1">
             <a:extLst>
               <a:ext uri="{FF2B5EF4-FFF2-40B4-BE49-F238E27FC236}">
-                <a16:creationId xmlns:a16="http://schemas.microsoft.com/office/drawing/2014/main" xmlns="" id="{5FFB0ED7-2AF1-476C-9C60-A000635BA4A7}"/>
+                <a16:creationId xmlns="" xmlns:a16="http://schemas.microsoft.com/office/drawing/2014/main" id="{4D9ADA70-27D5-43EF-A236-BEDD52013370}"/>
               </a:ext>
             </a:extLst>
           </p:cNvPr>
@@ -10033,22 +10035,29 @@
             <a:spLocks noGrp="1"/>
           </p:cNvSpPr>
           <p:nvPr>
-            <p:ph type="ctrTitle"/>
+            <p:ph type="title"/>
           </p:nvPr>
         </p:nvSpPr>
-        <p:spPr/>
-        <p:txBody>
-          <a:bodyPr/>
+        <p:spPr>
+          <a:xfrm>
+            <a:off x="1371600" y="685800"/>
+            <a:ext cx="9601200" cy="685800"/>
+          </a:xfrm>
+        </p:spPr>
+        <p:txBody>
+          <a:bodyPr>
+            <a:normAutofit fontScale="90000"/>
+          </a:bodyPr>
           <a:lstStyle/>
           <a:p>
             <a:r>
-              <a:rPr lang="en-US" sz="1800" b="1" kern="100" dirty="0">
+              <a:rPr lang="en-US" sz="3200" b="1" kern="100" dirty="0">
                 <a:effectLst/>
                 <a:latin typeface="Arial" panose="020B0604020202020204" pitchFamily="34" charset="0"/>
                 <a:ea typeface="Noto Serif CJK SC"/>
-                <a:cs typeface="Lohit Devanagari"/>
+                <a:cs typeface="Arial" panose="020B0604020202020204" pitchFamily="34" charset="0"/>
               </a:rPr>
-              <a:t>CHAPTER 5</a:t>
+              <a:t>                             Problem &amp; Solution</a:t>
             </a:r>
             <a:r>
               <a:rPr lang="en-US" sz="1800" kern="100" dirty="0">
@@ -10073,139 +10082,10 @@
       </p:sp>
       <p:sp>
         <p:nvSpPr>
-          <p:cNvPr id="3" name="Subtitle 2">
-            <a:extLst>
-              <a:ext uri="{FF2B5EF4-FFF2-40B4-BE49-F238E27FC236}">
-                <a16:creationId xmlns:a16="http://schemas.microsoft.com/office/drawing/2014/main" xmlns="" id="{2E04C689-99B5-42B6-B4BE-661898DB0B73}"/>
-              </a:ext>
-            </a:extLst>
-          </p:cNvPr>
-          <p:cNvSpPr>
-            <a:spLocks noGrp="1"/>
-          </p:cNvSpPr>
-          <p:nvPr>
-            <p:ph type="subTitle" idx="1"/>
-          </p:nvPr>
-        </p:nvSpPr>
-        <p:spPr/>
-        <p:txBody>
-          <a:bodyPr/>
-          <a:lstStyle/>
-          <a:p>
-            <a:r>
-              <a:rPr lang="en-US" sz="2400" b="1" kern="100" dirty="0">
-                <a:effectLst/>
-                <a:latin typeface="Arial" panose="020B0604020202020204" pitchFamily="34" charset="0"/>
-                <a:ea typeface="Noto Serif CJK SC"/>
-                <a:cs typeface="Lohit Devanagari"/>
-              </a:rPr>
-              <a:t>CONCLUSION</a:t>
-            </a:r>
-            <a:endParaRPr lang="en-US" dirty="0"/>
-          </a:p>
-        </p:txBody>
-      </p:sp>
-    </p:spTree>
-    <p:extLst>
-      <p:ext uri="{BB962C8B-B14F-4D97-AF65-F5344CB8AC3E}">
-        <p14:creationId xmlns:p14="http://schemas.microsoft.com/office/powerpoint/2010/main" val="992736471"/>
-      </p:ext>
-    </p:extLst>
-  </p:cSld>
-  <p:clrMapOvr>
-    <a:masterClrMapping/>
-  </p:clrMapOvr>
-  <p:timing>
-    <p:tnLst>
-      <p:par>
-        <p:cTn id="1" dur="indefinite" restart="never" nodeType="tmRoot"/>
-      </p:par>
-    </p:tnLst>
-  </p:timing>
-</p:sld>
-</file>
-
-<file path=ppt/slides/slide54.xml><?xml version="1.0" encoding="utf-8"?>
-<p:sld xmlns:a="http://schemas.openxmlformats.org/drawingml/2006/main" xmlns:r="http://schemas.openxmlformats.org/officeDocument/2006/relationships" xmlns:p="http://schemas.openxmlformats.org/presentationml/2006/main">
-  <p:cSld>
-    <p:spTree>
-      <p:nvGrpSpPr>
-        <p:cNvPr id="1" name=""/>
-        <p:cNvGrpSpPr/>
-        <p:nvPr/>
-      </p:nvGrpSpPr>
-      <p:grpSpPr>
-        <a:xfrm>
-          <a:off x="0" y="0"/>
-          <a:ext cx="0" cy="0"/>
-          <a:chOff x="0" y="0"/>
-          <a:chExt cx="0" cy="0"/>
-        </a:xfrm>
-      </p:grpSpPr>
-      <p:sp>
-        <p:nvSpPr>
-          <p:cNvPr id="2" name="Title 1">
-            <a:extLst>
-              <a:ext uri="{FF2B5EF4-FFF2-40B4-BE49-F238E27FC236}">
-                <a16:creationId xmlns:a16="http://schemas.microsoft.com/office/drawing/2014/main" xmlns="" id="{4D9ADA70-27D5-43EF-A236-BEDD52013370}"/>
-              </a:ext>
-            </a:extLst>
-          </p:cNvPr>
-          <p:cNvSpPr>
-            <a:spLocks noGrp="1"/>
-          </p:cNvSpPr>
-          <p:nvPr>
-            <p:ph type="title"/>
-          </p:nvPr>
-        </p:nvSpPr>
-        <p:spPr>
-          <a:xfrm>
-            <a:off x="1371600" y="685800"/>
-            <a:ext cx="9601200" cy="685800"/>
-          </a:xfrm>
-        </p:spPr>
-        <p:txBody>
-          <a:bodyPr>
-            <a:normAutofit fontScale="90000"/>
-          </a:bodyPr>
-          <a:lstStyle/>
-          <a:p>
-            <a:r>
-              <a:rPr lang="en-US" sz="3200" b="1" kern="100" dirty="0">
-                <a:effectLst/>
-                <a:latin typeface="Arial" panose="020B0604020202020204" pitchFamily="34" charset="0"/>
-                <a:ea typeface="Noto Serif CJK SC"/>
-                <a:cs typeface="Arial" panose="020B0604020202020204" pitchFamily="34" charset="0"/>
-              </a:rPr>
-              <a:t>                             Problem &amp; Solution</a:t>
-            </a:r>
-            <a:r>
-              <a:rPr lang="en-US" sz="1800" kern="100" dirty="0">
-                <a:effectLst/>
-                <a:latin typeface="Arial" panose="020B0604020202020204" pitchFamily="34" charset="0"/>
-                <a:ea typeface="Noto Serif CJK SC"/>
-                <a:cs typeface="Lohit Devanagari"/>
-              </a:rPr>
-              <a:t/>
-            </a:r>
-            <a:br>
-              <a:rPr lang="en-US" sz="1800" kern="100" dirty="0">
-                <a:effectLst/>
-                <a:latin typeface="Arial" panose="020B0604020202020204" pitchFamily="34" charset="0"/>
-                <a:ea typeface="Noto Serif CJK SC"/>
-                <a:cs typeface="Lohit Devanagari"/>
-              </a:rPr>
-            </a:br>
-            <a:endParaRPr lang="en-US" dirty="0"/>
-          </a:p>
-        </p:txBody>
-      </p:sp>
-      <p:sp>
-        <p:nvSpPr>
           <p:cNvPr id="3" name="Content Placeholder 2">
             <a:extLst>
               <a:ext uri="{FF2B5EF4-FFF2-40B4-BE49-F238E27FC236}">
-                <a16:creationId xmlns:a16="http://schemas.microsoft.com/office/drawing/2014/main" xmlns="" id="{FE1370AA-CE66-4DE5-86EC-473F0B38AB91}"/>
+                <a16:creationId xmlns="" xmlns:a16="http://schemas.microsoft.com/office/drawing/2014/main" id="{FE1370AA-CE66-4DE5-86EC-473F0B38AB91}"/>
               </a:ext>
             </a:extLst>
           </p:cNvPr>

--- a/Report/PRESENTATION/Final Presentation.pptx
+++ b/Report/PRESENTATION/Final Presentation.pptx
@@ -5,7 +5,7 @@
     <p:sldMasterId id="2147483660" r:id="rId1"/>
   </p:sldMasterIdLst>
   <p:notesMasterIdLst>
-    <p:notesMasterId r:id="rId55"/>
+    <p:notesMasterId r:id="rId56"/>
   </p:notesMasterIdLst>
   <p:sldIdLst>
     <p:sldId id="256" r:id="rId2"/>
@@ -49,18 +49,19 @@
     <p:sldId id="296" r:id="rId40"/>
     <p:sldId id="297" r:id="rId41"/>
     <p:sldId id="304" r:id="rId42"/>
-    <p:sldId id="305" r:id="rId43"/>
-    <p:sldId id="316" r:id="rId44"/>
-    <p:sldId id="317" r:id="rId45"/>
-    <p:sldId id="309" r:id="rId46"/>
-    <p:sldId id="310" r:id="rId47"/>
-    <p:sldId id="311" r:id="rId48"/>
-    <p:sldId id="313" r:id="rId49"/>
-    <p:sldId id="314" r:id="rId50"/>
-    <p:sldId id="315" r:id="rId51"/>
-    <p:sldId id="300" r:id="rId52"/>
+    <p:sldId id="300" r:id="rId43"/>
+    <p:sldId id="305" r:id="rId44"/>
+    <p:sldId id="316" r:id="rId45"/>
+    <p:sldId id="317" r:id="rId46"/>
+    <p:sldId id="309" r:id="rId47"/>
+    <p:sldId id="310" r:id="rId48"/>
+    <p:sldId id="311" r:id="rId49"/>
+    <p:sldId id="313" r:id="rId50"/>
+    <p:sldId id="314" r:id="rId51"/>
+    <p:sldId id="315" r:id="rId52"/>
     <p:sldId id="307" r:id="rId53"/>
     <p:sldId id="308" r:id="rId54"/>
+    <p:sldId id="318" r:id="rId55"/>
   </p:sldIdLst>
   <p:sldSz cx="12192000" cy="6858000"/>
   <p:notesSz cx="6858000" cy="9144000"/>
@@ -4814,7 +4815,7 @@
           <p:cNvPr id="8" name="Picture 7">
             <a:extLst>
               <a:ext uri="{FF2B5EF4-FFF2-40B4-BE49-F238E27FC236}">
-                <a16:creationId xmlns="" xmlns:a16="http://schemas.microsoft.com/office/drawing/2014/main" id="{8EA94497-2991-4E7F-8C8C-6DC3F2B14251}"/>
+                <a16:creationId xmlns:a16="http://schemas.microsoft.com/office/drawing/2014/main" xmlns="" id="{8EA94497-2991-4E7F-8C8C-6DC3F2B14251}"/>
               </a:ext>
             </a:extLst>
           </p:cNvPr>
@@ -4926,7 +4927,7 @@
           <p:cNvPr id="6" name="Picture 5">
             <a:extLst>
               <a:ext uri="{FF2B5EF4-FFF2-40B4-BE49-F238E27FC236}">
-                <a16:creationId xmlns="" xmlns:a16="http://schemas.microsoft.com/office/drawing/2014/main" id="{F2F99D93-7103-4FA0-AA46-06E63C94BEA2}"/>
+                <a16:creationId xmlns:a16="http://schemas.microsoft.com/office/drawing/2014/main" xmlns="" id="{F2F99D93-7103-4FA0-AA46-06E63C94BEA2}"/>
               </a:ext>
             </a:extLst>
           </p:cNvPr>
@@ -6063,7 +6064,7 @@
           <p:cNvPr id="9" name="Picture 8">
             <a:extLst>
               <a:ext uri="{FF2B5EF4-FFF2-40B4-BE49-F238E27FC236}">
-                <a16:creationId xmlns="" xmlns:a16="http://schemas.microsoft.com/office/drawing/2014/main" id="{293669F3-F46B-4CC1-A591-93DA96C1D8E5}"/>
+                <a16:creationId xmlns:a16="http://schemas.microsoft.com/office/drawing/2014/main" xmlns="" id="{293669F3-F46B-4CC1-A591-93DA96C1D8E5}"/>
               </a:ext>
             </a:extLst>
           </p:cNvPr>
@@ -6253,7 +6254,7 @@
           <p:cNvPr id="9" name="Picture 8">
             <a:extLst>
               <a:ext uri="{FF2B5EF4-FFF2-40B4-BE49-F238E27FC236}">
-                <a16:creationId xmlns="" xmlns:a16="http://schemas.microsoft.com/office/drawing/2014/main" id="{F6C69FF0-605C-416E-A81D-355493B36C23}"/>
+                <a16:creationId xmlns:a16="http://schemas.microsoft.com/office/drawing/2014/main" xmlns="" id="{F6C69FF0-605C-416E-A81D-355493B36C23}"/>
               </a:ext>
             </a:extLst>
           </p:cNvPr>
@@ -6517,7 +6518,7 @@
           <p:cNvPr id="2" name="Title 1">
             <a:extLst>
               <a:ext uri="{FF2B5EF4-FFF2-40B4-BE49-F238E27FC236}">
-                <a16:creationId xmlns="" xmlns:a16="http://schemas.microsoft.com/office/drawing/2014/main" id="{FA6C5C99-C5CC-4128-AEC1-BB01CFA19E4C}"/>
+                <a16:creationId xmlns:a16="http://schemas.microsoft.com/office/drawing/2014/main" xmlns="" id="{FA6C5C99-C5CC-4128-AEC1-BB01CFA19E4C}"/>
               </a:ext>
             </a:extLst>
           </p:cNvPr>
@@ -6549,7 +6550,7 @@
           <p:cNvPr id="3" name="Content Placeholder 2">
             <a:extLst>
               <a:ext uri="{FF2B5EF4-FFF2-40B4-BE49-F238E27FC236}">
-                <a16:creationId xmlns="" xmlns:a16="http://schemas.microsoft.com/office/drawing/2014/main" id="{DF74281C-C057-4929-9F65-962EA3ABC64D}"/>
+                <a16:creationId xmlns:a16="http://schemas.microsoft.com/office/drawing/2014/main" xmlns="" id="{DF74281C-C057-4929-9F65-962EA3ABC64D}"/>
               </a:ext>
             </a:extLst>
           </p:cNvPr>
@@ -8604,7 +8605,7 @@
           <p:cNvPr id="2" name="Title 1">
             <a:extLst>
               <a:ext uri="{FF2B5EF4-FFF2-40B4-BE49-F238E27FC236}">
-                <a16:creationId xmlns="" xmlns:a16="http://schemas.microsoft.com/office/drawing/2014/main" id="{81B75A47-2FB1-446D-804D-1B6EBE28C474}"/>
+                <a16:creationId xmlns:a16="http://schemas.microsoft.com/office/drawing/2014/main" xmlns="" id="{81B75A47-2FB1-446D-804D-1B6EBE28C474}"/>
               </a:ext>
             </a:extLst>
           </p:cNvPr>
@@ -8636,7 +8637,7 @@
           <p:cNvPr id="3" name="Content Placeholder 2">
             <a:extLst>
               <a:ext uri="{FF2B5EF4-FFF2-40B4-BE49-F238E27FC236}">
-                <a16:creationId xmlns="" xmlns:a16="http://schemas.microsoft.com/office/drawing/2014/main" id="{AC16DA37-B59D-4666-B78D-B3E8130BAC99}"/>
+                <a16:creationId xmlns:a16="http://schemas.microsoft.com/office/drawing/2014/main" xmlns="" id="{AC16DA37-B59D-4666-B78D-B3E8130BAC99}"/>
               </a:ext>
             </a:extLst>
           </p:cNvPr>
@@ -8704,8 +8705,10 @@
       </p:grpSpPr>
       <p:pic>
         <p:nvPicPr>
-          <p:cNvPr id="4" name="Picture 3"/>
-          <p:cNvPicPr/>
+          <p:cNvPr id="2" name="Picture 1"/>
+          <p:cNvPicPr>
+            <a:picLocks noChangeAspect="1"/>
+          </p:cNvPicPr>
           <p:nvPr/>
         </p:nvPicPr>
         <p:blipFill>
@@ -8722,8 +8725,8 @@
         </p:blipFill>
         <p:spPr>
           <a:xfrm>
-            <a:off x="759277" y="195262"/>
-            <a:ext cx="11364685" cy="3315381"/>
+            <a:off x="733302" y="94188"/>
+            <a:ext cx="11358005" cy="2673950"/>
           </a:xfrm>
           <a:prstGeom prst="rect">
             <a:avLst/>
@@ -8732,8 +8735,10 @@
       </p:pic>
       <p:pic>
         <p:nvPicPr>
-          <p:cNvPr id="5" name="Picture 4"/>
-          <p:cNvPicPr/>
+          <p:cNvPr id="3" name="Picture 2"/>
+          <p:cNvPicPr>
+            <a:picLocks noChangeAspect="1"/>
+          </p:cNvPicPr>
           <p:nvPr/>
         </p:nvPicPr>
         <p:blipFill>
@@ -8750,8 +8755,8 @@
         </p:blipFill>
         <p:spPr>
           <a:xfrm>
-            <a:off x="759278" y="3510643"/>
-            <a:ext cx="11364685" cy="3280002"/>
+            <a:off x="733302" y="2857946"/>
+            <a:ext cx="11358005" cy="3926576"/>
           </a:xfrm>
           <a:prstGeom prst="rect">
             <a:avLst/>
@@ -8760,7 +8765,7 @@
       </p:pic>
       <p:sp>
         <p:nvSpPr>
-          <p:cNvPr id="2" name="Title 1"/>
+          <p:cNvPr id="6" name="Title 5"/>
           <p:cNvSpPr>
             <a:spLocks noGrp="1"/>
           </p:cNvSpPr>
@@ -8770,8 +8775,8 @@
         </p:nvSpPr>
         <p:spPr>
           <a:xfrm rot="16200000">
-            <a:off x="-2134964" y="3086100"/>
-            <a:ext cx="5004707" cy="391886"/>
+            <a:off x="-890055" y="2666086"/>
+            <a:ext cx="2506436" cy="383721"/>
           </a:xfrm>
         </p:spPr>
         <p:txBody>
@@ -8781,17 +8786,31 @@
           <a:lstStyle/>
           <a:p>
             <a:r>
-              <a:rPr lang="en-US" sz="2000" dirty="0" smtClean="0"/>
-              <a:t>School-Wise Student enrollment comparison</a:t>
-            </a:r>
-            <a:endParaRPr lang="en-US" sz="2000" dirty="0"/>
+              <a:rPr lang="en-US" sz="2000" dirty="0" smtClean="0">
+                <a:solidFill>
+                  <a:schemeClr val="tx1">
+                    <a:lumMod val="95000"/>
+                    <a:lumOff val="5000"/>
+                  </a:schemeClr>
+                </a:solidFill>
+              </a:rPr>
+              <a:t>Analytics Dashboard</a:t>
+            </a:r>
+            <a:endParaRPr lang="en-US" sz="2000" dirty="0">
+              <a:solidFill>
+                <a:schemeClr val="tx1">
+                  <a:lumMod val="95000"/>
+                  <a:lumOff val="5000"/>
+                </a:schemeClr>
+              </a:solidFill>
+            </a:endParaRPr>
           </a:p>
         </p:txBody>
       </p:sp>
     </p:spTree>
     <p:extLst>
       <p:ext uri="{BB962C8B-B14F-4D97-AF65-F5344CB8AC3E}">
-        <p14:creationId xmlns:p14="http://schemas.microsoft.com/office/powerpoint/2010/main" val="911812731"/>
+        <p14:creationId xmlns:p14="http://schemas.microsoft.com/office/powerpoint/2010/main" val="3851175976"/>
       </p:ext>
     </p:extLst>
   </p:cSld>
@@ -8827,7 +8846,7 @@
       </p:grpSpPr>
       <p:pic>
         <p:nvPicPr>
-          <p:cNvPr id="2" name="Picture 1"/>
+          <p:cNvPr id="4" name="Picture 3"/>
           <p:cNvPicPr/>
           <p:nvPr/>
         </p:nvPicPr>
@@ -8845,8 +8864,8 @@
         </p:blipFill>
         <p:spPr>
           <a:xfrm>
-            <a:off x="749073" y="114662"/>
-            <a:ext cx="11383056" cy="3362960"/>
+            <a:off x="759277" y="195262"/>
+            <a:ext cx="11364685" cy="3315381"/>
           </a:xfrm>
           <a:prstGeom prst="rect">
             <a:avLst/>
@@ -8855,7 +8874,7 @@
       </p:pic>
       <p:pic>
         <p:nvPicPr>
-          <p:cNvPr id="3" name="Picture 2"/>
+          <p:cNvPr id="5" name="Picture 4"/>
           <p:cNvPicPr/>
           <p:nvPr/>
         </p:nvPicPr>
@@ -8873,8 +8892,8 @@
         </p:blipFill>
         <p:spPr>
           <a:xfrm>
-            <a:off x="749073" y="3477622"/>
-            <a:ext cx="11383056" cy="3105785"/>
+            <a:off x="759278" y="3510643"/>
+            <a:ext cx="11364685" cy="3280002"/>
           </a:xfrm>
           <a:prstGeom prst="rect">
             <a:avLst/>
@@ -8883,40 +8902,38 @@
       </p:pic>
       <p:sp>
         <p:nvSpPr>
-          <p:cNvPr id="4" name="Rectangle 3"/>
-          <p:cNvSpPr/>
-          <p:nvPr/>
+          <p:cNvPr id="2" name="Title 1"/>
+          <p:cNvSpPr>
+            <a:spLocks noGrp="1"/>
+          </p:cNvSpPr>
+          <p:nvPr>
+            <p:ph type="title"/>
+          </p:nvPr>
         </p:nvSpPr>
         <p:spPr>
           <a:xfrm rot="16200000">
-            <a:off x="-2161159" y="3097377"/>
-            <a:ext cx="5010731" cy="369332"/>
-          </a:xfrm>
-          <a:prstGeom prst="rect">
-            <a:avLst/>
-          </a:prstGeom>
-        </p:spPr>
-        <p:txBody>
-          <a:bodyPr wrap="none">
-            <a:spAutoFit/>
+            <a:off x="-2134964" y="3086100"/>
+            <a:ext cx="5004707" cy="391886"/>
+          </a:xfrm>
+        </p:spPr>
+        <p:txBody>
+          <a:bodyPr>
+            <a:normAutofit/>
           </a:bodyPr>
           <a:lstStyle/>
           <a:p>
             <a:r>
-              <a:rPr lang="en-US" dirty="0" smtClean="0"/>
-              <a:t>Department-Wise </a:t>
-            </a:r>
-            <a:r>
-              <a:rPr lang="en-US" dirty="0"/>
-              <a:t>Student enrollment comparison</a:t>
-            </a:r>
+              <a:rPr lang="en-US" sz="2000" dirty="0" smtClean="0"/>
+              <a:t>School-Wise Student enrollment comparison</a:t>
+            </a:r>
+            <a:endParaRPr lang="en-US" sz="2000" dirty="0"/>
           </a:p>
         </p:txBody>
       </p:sp>
     </p:spTree>
     <p:extLst>
       <p:ext uri="{BB962C8B-B14F-4D97-AF65-F5344CB8AC3E}">
-        <p14:creationId xmlns:p14="http://schemas.microsoft.com/office/powerpoint/2010/main" val="106718804"/>
+        <p14:creationId xmlns:p14="http://schemas.microsoft.com/office/powerpoint/2010/main" val="911812731"/>
       </p:ext>
     </p:extLst>
   </p:cSld>
@@ -8970,8 +8987,8 @@
         </p:blipFill>
         <p:spPr>
           <a:xfrm>
-            <a:off x="708251" y="65315"/>
-            <a:ext cx="11399385" cy="3415665"/>
+            <a:off x="749073" y="114662"/>
+            <a:ext cx="11383056" cy="3362960"/>
           </a:xfrm>
           <a:prstGeom prst="rect">
             <a:avLst/>
@@ -8998,8 +9015,8 @@
         </p:blipFill>
         <p:spPr>
           <a:xfrm>
-            <a:off x="792208" y="3480980"/>
-            <a:ext cx="11315428" cy="3303541"/>
+            <a:off x="749073" y="3477622"/>
+            <a:ext cx="11383056" cy="3105785"/>
           </a:xfrm>
           <a:prstGeom prst="rect">
             <a:avLst/>
@@ -9014,8 +9031,8 @@
         </p:nvSpPr>
         <p:spPr>
           <a:xfrm rot="16200000">
-            <a:off x="-1948618" y="3154527"/>
-            <a:ext cx="4659032" cy="369332"/>
+            <a:off x="-2161159" y="3097377"/>
+            <a:ext cx="5010731" cy="369332"/>
           </a:xfrm>
           <a:prstGeom prst="rect">
             <a:avLst/>
@@ -9029,7 +9046,7 @@
           <a:p>
             <a:r>
               <a:rPr lang="en-US" dirty="0" smtClean="0"/>
-              <a:t>Program-Wise </a:t>
+              <a:t>Department-Wise </a:t>
             </a:r>
             <a:r>
               <a:rPr lang="en-US" dirty="0"/>
@@ -9041,7 +9058,7 @@
     </p:spTree>
     <p:extLst>
       <p:ext uri="{BB962C8B-B14F-4D97-AF65-F5344CB8AC3E}">
-        <p14:creationId xmlns:p14="http://schemas.microsoft.com/office/powerpoint/2010/main" val="657157802"/>
+        <p14:creationId xmlns:p14="http://schemas.microsoft.com/office/powerpoint/2010/main" val="106718804"/>
       </p:ext>
     </p:extLst>
   </p:cSld>
@@ -9077,10 +9094,8 @@
       </p:grpSpPr>
       <p:pic>
         <p:nvPicPr>
-          <p:cNvPr id="4" name="Picture 3"/>
-          <p:cNvPicPr>
-            <a:picLocks noChangeAspect="1"/>
-          </p:cNvPicPr>
+          <p:cNvPr id="2" name="Picture 1"/>
+          <p:cNvPicPr/>
           <p:nvPr/>
         </p:nvPicPr>
         <p:blipFill>
@@ -9097,8 +9112,8 @@
         </p:blipFill>
         <p:spPr>
           <a:xfrm>
-            <a:off x="751560" y="66502"/>
-            <a:ext cx="11368396" cy="2931868"/>
+            <a:off x="708251" y="65315"/>
+            <a:ext cx="11399385" cy="3415665"/>
           </a:xfrm>
           <a:prstGeom prst="rect">
             <a:avLst/>
@@ -9107,10 +9122,8 @@
       </p:pic>
       <p:pic>
         <p:nvPicPr>
-          <p:cNvPr id="5" name="Picture 4"/>
-          <p:cNvPicPr>
-            <a:picLocks noChangeAspect="1"/>
-          </p:cNvPicPr>
+          <p:cNvPr id="3" name="Picture 2"/>
+          <p:cNvPicPr/>
           <p:nvPr/>
         </p:nvPicPr>
         <p:blipFill>
@@ -9127,18 +9140,50 @@
         </p:blipFill>
         <p:spPr>
           <a:xfrm>
-            <a:off x="751560" y="2998370"/>
-            <a:ext cx="11368396" cy="3859630"/>
+            <a:off x="792208" y="3480980"/>
+            <a:ext cx="11315428" cy="3303541"/>
           </a:xfrm>
           <a:prstGeom prst="rect">
             <a:avLst/>
           </a:prstGeom>
         </p:spPr>
       </p:pic>
+      <p:sp>
+        <p:nvSpPr>
+          <p:cNvPr id="4" name="Rectangle 3"/>
+          <p:cNvSpPr/>
+          <p:nvPr/>
+        </p:nvSpPr>
+        <p:spPr>
+          <a:xfrm rot="16200000">
+            <a:off x="-1948618" y="3154527"/>
+            <a:ext cx="4659032" cy="369332"/>
+          </a:xfrm>
+          <a:prstGeom prst="rect">
+            <a:avLst/>
+          </a:prstGeom>
+        </p:spPr>
+        <p:txBody>
+          <a:bodyPr wrap="none">
+            <a:spAutoFit/>
+          </a:bodyPr>
+          <a:lstStyle/>
+          <a:p>
+            <a:r>
+              <a:rPr lang="en-US" dirty="0" smtClean="0"/>
+              <a:t>Program-Wise </a:t>
+            </a:r>
+            <a:r>
+              <a:rPr lang="en-US" dirty="0"/>
+              <a:t>Student enrollment comparison</a:t>
+            </a:r>
+          </a:p>
+        </p:txBody>
+      </p:sp>
     </p:spTree>
     <p:extLst>
       <p:ext uri="{BB962C8B-B14F-4D97-AF65-F5344CB8AC3E}">
-        <p14:creationId xmlns:p14="http://schemas.microsoft.com/office/powerpoint/2010/main" val="1755423707"/>
+        <p14:creationId xmlns:p14="http://schemas.microsoft.com/office/powerpoint/2010/main" val="657157802"/>
       </p:ext>
     </p:extLst>
   </p:cSld>
@@ -9194,8 +9239,8 @@
         </p:blipFill>
         <p:spPr>
           <a:xfrm>
-            <a:off x="739833" y="58190"/>
-            <a:ext cx="11355185" cy="2842952"/>
+            <a:off x="751560" y="66502"/>
+            <a:ext cx="11368396" cy="2931868"/>
           </a:xfrm>
           <a:prstGeom prst="rect">
             <a:avLst/>
@@ -9224,8 +9269,8 @@
         </p:blipFill>
         <p:spPr>
           <a:xfrm>
-            <a:off x="739833" y="2901142"/>
-            <a:ext cx="11355185" cy="3882043"/>
+            <a:off x="751560" y="2998370"/>
+            <a:ext cx="11368396" cy="3859630"/>
           </a:xfrm>
           <a:prstGeom prst="rect">
             <a:avLst/>
@@ -9235,7 +9280,7 @@
     </p:spTree>
     <p:extLst>
       <p:ext uri="{BB962C8B-B14F-4D97-AF65-F5344CB8AC3E}">
-        <p14:creationId xmlns:p14="http://schemas.microsoft.com/office/powerpoint/2010/main" val="2358042621"/>
+        <p14:creationId xmlns:p14="http://schemas.microsoft.com/office/powerpoint/2010/main" val="1755423707"/>
       </p:ext>
     </p:extLst>
   </p:cSld>
@@ -9291,8 +9336,8 @@
         </p:blipFill>
         <p:spPr>
           <a:xfrm>
-            <a:off x="718457" y="91603"/>
-            <a:ext cx="11389179" cy="3125126"/>
+            <a:off x="739833" y="58190"/>
+            <a:ext cx="11355185" cy="2842952"/>
           </a:xfrm>
           <a:prstGeom prst="rect">
             <a:avLst/>
@@ -9321,8 +9366,8 @@
         </p:blipFill>
         <p:spPr>
           <a:xfrm>
-            <a:off x="718457" y="3216729"/>
-            <a:ext cx="11389178" cy="3641271"/>
+            <a:off x="739833" y="2901142"/>
+            <a:ext cx="11355185" cy="3882043"/>
           </a:xfrm>
           <a:prstGeom prst="rect">
             <a:avLst/>
@@ -9332,7 +9377,7 @@
     </p:spTree>
     <p:extLst>
       <p:ext uri="{BB962C8B-B14F-4D97-AF65-F5344CB8AC3E}">
-        <p14:creationId xmlns:p14="http://schemas.microsoft.com/office/powerpoint/2010/main" val="478491828"/>
+        <p14:creationId xmlns:p14="http://schemas.microsoft.com/office/powerpoint/2010/main" val="2358042621"/>
       </p:ext>
     </p:extLst>
   </p:cSld>
@@ -9368,7 +9413,7 @@
       </p:grpSpPr>
       <p:pic>
         <p:nvPicPr>
-          <p:cNvPr id="2" name="Picture 1"/>
+          <p:cNvPr id="4" name="Picture 3"/>
           <p:cNvPicPr>
             <a:picLocks noChangeAspect="1"/>
           </p:cNvPicPr>
@@ -9388,8 +9433,38 @@
         </p:blipFill>
         <p:spPr>
           <a:xfrm>
-            <a:off x="718559" y="73478"/>
-            <a:ext cx="11389078" cy="6721886"/>
+            <a:off x="718457" y="91603"/>
+            <a:ext cx="11389179" cy="3125126"/>
+          </a:xfrm>
+          <a:prstGeom prst="rect">
+            <a:avLst/>
+          </a:prstGeom>
+        </p:spPr>
+      </p:pic>
+      <p:pic>
+        <p:nvPicPr>
+          <p:cNvPr id="5" name="Picture 4"/>
+          <p:cNvPicPr>
+            <a:picLocks noChangeAspect="1"/>
+          </p:cNvPicPr>
+          <p:nvPr/>
+        </p:nvPicPr>
+        <p:blipFill>
+          <a:blip r:embed="rId3">
+            <a:extLst>
+              <a:ext uri="{28A0092B-C50C-407E-A947-70E740481C1C}">
+                <a14:useLocalDpi xmlns:a14="http://schemas.microsoft.com/office/drawing/2010/main" val="0"/>
+              </a:ext>
+            </a:extLst>
+          </a:blip>
+          <a:stretch>
+            <a:fillRect/>
+          </a:stretch>
+        </p:blipFill>
+        <p:spPr>
+          <a:xfrm>
+            <a:off x="718457" y="3216729"/>
+            <a:ext cx="11389178" cy="3641271"/>
           </a:xfrm>
           <a:prstGeom prst="rect">
             <a:avLst/>
@@ -9399,7 +9474,7 @@
     </p:spTree>
     <p:extLst>
       <p:ext uri="{BB962C8B-B14F-4D97-AF65-F5344CB8AC3E}">
-        <p14:creationId xmlns:p14="http://schemas.microsoft.com/office/powerpoint/2010/main" val="4039339073"/>
+        <p14:creationId xmlns:p14="http://schemas.microsoft.com/office/powerpoint/2010/main" val="478491828"/>
       </p:ext>
     </p:extLst>
   </p:cSld>
@@ -9455,38 +9530,8 @@
         </p:blipFill>
         <p:spPr>
           <a:xfrm>
-            <a:off x="726622" y="75770"/>
-            <a:ext cx="11397342" cy="2267380"/>
-          </a:xfrm>
-          <a:prstGeom prst="rect">
-            <a:avLst/>
-          </a:prstGeom>
-        </p:spPr>
-      </p:pic>
-      <p:pic>
-        <p:nvPicPr>
-          <p:cNvPr id="3" name="Picture 2"/>
-          <p:cNvPicPr>
-            <a:picLocks noChangeAspect="1"/>
-          </p:cNvPicPr>
-          <p:nvPr/>
-        </p:nvPicPr>
-        <p:blipFill>
-          <a:blip r:embed="rId3">
-            <a:extLst>
-              <a:ext uri="{28A0092B-C50C-407E-A947-70E740481C1C}">
-                <a14:useLocalDpi xmlns:a14="http://schemas.microsoft.com/office/drawing/2010/main" val="0"/>
-              </a:ext>
-            </a:extLst>
-          </a:blip>
-          <a:stretch>
-            <a:fillRect/>
-          </a:stretch>
-        </p:blipFill>
-        <p:spPr>
-          <a:xfrm>
-            <a:off x="726622" y="2343149"/>
-            <a:ext cx="11397342" cy="4433207"/>
+            <a:off x="718559" y="73478"/>
+            <a:ext cx="11389078" cy="6721886"/>
           </a:xfrm>
           <a:prstGeom prst="rect">
             <a:avLst/>
@@ -9496,7 +9541,7 @@
     </p:spTree>
     <p:extLst>
       <p:ext uri="{BB962C8B-B14F-4D97-AF65-F5344CB8AC3E}">
-        <p14:creationId xmlns:p14="http://schemas.microsoft.com/office/powerpoint/2010/main" val="2269761043"/>
+        <p14:creationId xmlns:p14="http://schemas.microsoft.com/office/powerpoint/2010/main" val="4039339073"/>
       </p:ext>
     </p:extLst>
   </p:cSld>
@@ -9684,8 +9729,8 @@
         </p:blipFill>
         <p:spPr>
           <a:xfrm>
-            <a:off x="755880" y="63665"/>
-            <a:ext cx="11359920" cy="3308185"/>
+            <a:off x="726622" y="75770"/>
+            <a:ext cx="11397342" cy="2267380"/>
           </a:xfrm>
           <a:prstGeom prst="rect">
             <a:avLst/>
@@ -9714,8 +9759,8 @@
         </p:blipFill>
         <p:spPr>
           <a:xfrm>
-            <a:off x="755881" y="3371850"/>
-            <a:ext cx="11359920" cy="3393180"/>
+            <a:off x="726622" y="2343149"/>
+            <a:ext cx="11397342" cy="4433207"/>
           </a:xfrm>
           <a:prstGeom prst="rect">
             <a:avLst/>
@@ -9725,7 +9770,7 @@
     </p:spTree>
     <p:extLst>
       <p:ext uri="{BB962C8B-B14F-4D97-AF65-F5344CB8AC3E}">
-        <p14:creationId xmlns:p14="http://schemas.microsoft.com/office/powerpoint/2010/main" val="645631087"/>
+        <p14:creationId xmlns:p14="http://schemas.microsoft.com/office/powerpoint/2010/main" val="2269761043"/>
       </p:ext>
     </p:extLst>
   </p:cSld>
@@ -9781,8 +9826,8 @@
         </p:blipFill>
         <p:spPr>
           <a:xfrm>
-            <a:off x="733302" y="94188"/>
-            <a:ext cx="11358005" cy="2673950"/>
+            <a:off x="755880" y="63665"/>
+            <a:ext cx="11359920" cy="3308185"/>
           </a:xfrm>
           <a:prstGeom prst="rect">
             <a:avLst/>
@@ -9811,62 +9856,18 @@
         </p:blipFill>
         <p:spPr>
           <a:xfrm>
-            <a:off x="733302" y="2857946"/>
-            <a:ext cx="11358005" cy="3926576"/>
+            <a:off x="755881" y="3371850"/>
+            <a:ext cx="11359920" cy="3393180"/>
           </a:xfrm>
           <a:prstGeom prst="rect">
             <a:avLst/>
           </a:prstGeom>
         </p:spPr>
       </p:pic>
-      <p:sp>
-        <p:nvSpPr>
-          <p:cNvPr id="6" name="Title 5"/>
-          <p:cNvSpPr>
-            <a:spLocks noGrp="1"/>
-          </p:cNvSpPr>
-          <p:nvPr>
-            <p:ph type="title"/>
-          </p:nvPr>
-        </p:nvSpPr>
-        <p:spPr>
-          <a:xfrm rot="16200000">
-            <a:off x="-890055" y="2666086"/>
-            <a:ext cx="2506436" cy="383721"/>
-          </a:xfrm>
-        </p:spPr>
-        <p:txBody>
-          <a:bodyPr>
-            <a:normAutofit/>
-          </a:bodyPr>
-          <a:lstStyle/>
-          <a:p>
-            <a:r>
-              <a:rPr lang="en-US" sz="2000" dirty="0" smtClean="0">
-                <a:solidFill>
-                  <a:schemeClr val="tx1">
-                    <a:lumMod val="95000"/>
-                    <a:lumOff val="5000"/>
-                  </a:schemeClr>
-                </a:solidFill>
-              </a:rPr>
-              <a:t>Analytics Dashboard</a:t>
-            </a:r>
-            <a:endParaRPr lang="en-US" sz="2000" dirty="0">
-              <a:solidFill>
-                <a:schemeClr val="tx1">
-                  <a:lumMod val="95000"/>
-                  <a:lumOff val="5000"/>
-                </a:schemeClr>
-              </a:solidFill>
-            </a:endParaRPr>
-          </a:p>
-        </p:txBody>
-      </p:sp>
     </p:spTree>
     <p:extLst>
       <p:ext uri="{BB962C8B-B14F-4D97-AF65-F5344CB8AC3E}">
-        <p14:creationId xmlns:p14="http://schemas.microsoft.com/office/powerpoint/2010/main" val="3851175976"/>
+        <p14:creationId xmlns:p14="http://schemas.microsoft.com/office/powerpoint/2010/main" val="645631087"/>
       </p:ext>
     </p:extLst>
   </p:cSld>
@@ -9905,7 +9906,7 @@
           <p:cNvPr id="2" name="Title 1">
             <a:extLst>
               <a:ext uri="{FF2B5EF4-FFF2-40B4-BE49-F238E27FC236}">
-                <a16:creationId xmlns="" xmlns:a16="http://schemas.microsoft.com/office/drawing/2014/main" id="{5FFB0ED7-2AF1-476C-9C60-A000635BA4A7}"/>
+                <a16:creationId xmlns:a16="http://schemas.microsoft.com/office/drawing/2014/main" xmlns="" id="{5FFB0ED7-2AF1-476C-9C60-A000635BA4A7}"/>
               </a:ext>
             </a:extLst>
           </p:cNvPr>
@@ -9956,7 +9957,7 @@
           <p:cNvPr id="3" name="Subtitle 2">
             <a:extLst>
               <a:ext uri="{FF2B5EF4-FFF2-40B4-BE49-F238E27FC236}">
-                <a16:creationId xmlns="" xmlns:a16="http://schemas.microsoft.com/office/drawing/2014/main" id="{2E04C689-99B5-42B6-B4BE-661898DB0B73}"/>
+                <a16:creationId xmlns:a16="http://schemas.microsoft.com/office/drawing/2014/main" xmlns="" id="{2E04C689-99B5-42B6-B4BE-661898DB0B73}"/>
               </a:ext>
             </a:extLst>
           </p:cNvPr>
@@ -10027,7 +10028,7 @@
           <p:cNvPr id="2" name="Title 1">
             <a:extLst>
               <a:ext uri="{FF2B5EF4-FFF2-40B4-BE49-F238E27FC236}">
-                <a16:creationId xmlns="" xmlns:a16="http://schemas.microsoft.com/office/drawing/2014/main" id="{4D9ADA70-27D5-43EF-A236-BEDD52013370}"/>
+                <a16:creationId xmlns:a16="http://schemas.microsoft.com/office/drawing/2014/main" xmlns="" id="{4D9ADA70-27D5-43EF-A236-BEDD52013370}"/>
               </a:ext>
             </a:extLst>
           </p:cNvPr>
@@ -10085,7 +10086,7 @@
           <p:cNvPr id="3" name="Content Placeholder 2">
             <a:extLst>
               <a:ext uri="{FF2B5EF4-FFF2-40B4-BE49-F238E27FC236}">
-                <a16:creationId xmlns="" xmlns:a16="http://schemas.microsoft.com/office/drawing/2014/main" id="{FE1370AA-CE66-4DE5-86EC-473F0B38AB91}"/>
+                <a16:creationId xmlns:a16="http://schemas.microsoft.com/office/drawing/2014/main" xmlns="" id="{FE1370AA-CE66-4DE5-86EC-473F0B38AB91}"/>
               </a:ext>
             </a:extLst>
           </p:cNvPr>
@@ -10379,6 +10380,90 @@
       </p:par>
     </p:tnLst>
   </p:timing>
+</p:sld>
+</file>
+
+<file path=ppt/slides/slide54.xml><?xml version="1.0" encoding="utf-8"?>
+<p:sld xmlns:a="http://schemas.openxmlformats.org/drawingml/2006/main" xmlns:r="http://schemas.openxmlformats.org/officeDocument/2006/relationships" xmlns:p="http://schemas.openxmlformats.org/presentationml/2006/main">
+  <p:cSld>
+    <p:spTree>
+      <p:nvGrpSpPr>
+        <p:cNvPr id="1" name=""/>
+        <p:cNvGrpSpPr/>
+        <p:nvPr/>
+      </p:nvGrpSpPr>
+      <p:grpSpPr>
+        <a:xfrm>
+          <a:off x="0" y="0"/>
+          <a:ext cx="0" cy="0"/>
+          <a:chOff x="0" y="0"/>
+          <a:chExt cx="0" cy="0"/>
+        </a:xfrm>
+      </p:grpSpPr>
+      <p:sp>
+        <p:nvSpPr>
+          <p:cNvPr id="2" name="Title 1"/>
+          <p:cNvSpPr>
+            <a:spLocks noGrp="1"/>
+          </p:cNvSpPr>
+          <p:nvPr>
+            <p:ph type="title"/>
+          </p:nvPr>
+        </p:nvSpPr>
+        <p:spPr/>
+        <p:txBody>
+          <a:bodyPr>
+            <a:normAutofit fontScale="90000"/>
+          </a:bodyPr>
+          <a:lstStyle/>
+          <a:p>
+            <a:r>
+              <a:rPr lang="en-US" sz="2700" b="1" u="sng" dirty="0" smtClean="0"/>
+              <a:t>CONCLUSION </a:t>
+            </a:r>
+            <a:r>
+              <a:rPr lang="en-US" sz="2700" b="1" u="sng" dirty="0"/>
+              <a:t>AND RECOMMENDATIONS:</a:t>
+            </a:r>
+            <a:r>
+              <a:rPr lang="en-US" dirty="0"/>
+              <a:t/>
+            </a:r>
+            <a:br>
+              <a:rPr lang="en-US" dirty="0"/>
+            </a:br>
+            <a:r>
+              <a:rPr lang="en-US" dirty="0"/>
+              <a:t> </a:t>
+            </a:r>
+            <a:br>
+              <a:rPr lang="en-US" dirty="0"/>
+            </a:br>
+            <a:r>
+              <a:rPr lang="en-US" sz="3100" dirty="0"/>
+              <a:t>We believe that we have designed, built and implemented decent enough version of the idea we had for our SPM software. This software is serviceable to scholars, for faculties to keep better track of their students and improve their teaching methods accordingly, and for the members of the institution to better regulate their resources.</a:t>
+            </a:r>
+            <a:r>
+              <a:rPr lang="en-US" dirty="0"/>
+              <a:t/>
+            </a:r>
+            <a:br>
+              <a:rPr lang="en-US" dirty="0"/>
+            </a:br>
+            <a:endParaRPr lang="en-US" dirty="0"/>
+          </a:p>
+        </p:txBody>
+      </p:sp>
+    </p:spTree>
+    <p:extLst>
+      <p:ext uri="{BB962C8B-B14F-4D97-AF65-F5344CB8AC3E}">
+        <p14:creationId xmlns:p14="http://schemas.microsoft.com/office/powerpoint/2010/main" val="1715797636"/>
+      </p:ext>
+    </p:extLst>
+  </p:cSld>
+  <p:clrMapOvr>
+    <a:masterClrMapping/>
+  </p:clrMapOvr>
 </p:sld>
 </file>
 
